--- a/predavanja/prezentacije/OOP13-Izuzeci.pptx
+++ b/predavanja/prezentacije/OOP13-Izuzeci.pptx
@@ -5,7 +5,7 @@
     <p:sldMasterId id="2147483696" r:id="rId1"/>
   </p:sldMasterIdLst>
   <p:notesMasterIdLst>
-    <p:notesMasterId r:id="rId30"/>
+    <p:notesMasterId r:id="rId35"/>
   </p:notesMasterIdLst>
   <p:sldIdLst>
     <p:sldId id="282" r:id="rId2"/>
@@ -35,7 +35,12 @@
     <p:sldId id="307" r:id="rId26"/>
     <p:sldId id="313" r:id="rId27"/>
     <p:sldId id="314" r:id="rId28"/>
-    <p:sldId id="284" r:id="rId29"/>
+    <p:sldId id="315" r:id="rId29"/>
+    <p:sldId id="316" r:id="rId30"/>
+    <p:sldId id="318" r:id="rId31"/>
+    <p:sldId id="319" r:id="rId32"/>
+    <p:sldId id="320" r:id="rId33"/>
+    <p:sldId id="284" r:id="rId34"/>
   </p:sldIdLst>
   <p:sldSz cx="9144000" cy="6858000" type="screen4x3"/>
   <p:notesSz cx="6858000" cy="9144000"/>
@@ -166,7 +171,7 @@
   </p:defaultTextStyle>
   <p:extLst>
     <p:ext uri="{EFAFB233-063F-42B5-8137-9DF3F51BA10A}">
-      <p15:sldGuideLst xmlns:p15="http://schemas.microsoft.com/office/powerpoint/2012/main" xmlns="">
+      <p15:sldGuideLst xmlns:p15="http://schemas.microsoft.com/office/powerpoint/2012/main">
         <p15:guide id="1" orient="horz" pos="2160">
           <p15:clr>
             <a:srgbClr val="A4A3A4"/>
@@ -277,7 +282,7 @@
               <a:pPr>
                 <a:defRPr/>
               </a:pPr>
-              <a:t>5/13/2016</a:t>
+              <a:t>4/2/2020</a:t>
             </a:fld>
             <a:endParaRPr lang="en-US"/>
           </a:p>
@@ -2977,6 +2982,538 @@
 </p:notes>
 </file>
 
+<file path=ppt/notesSlides/notesSlide26.xml><?xml version="1.0" encoding="utf-8"?>
+<p:notes xmlns:a="http://schemas.openxmlformats.org/drawingml/2006/main" xmlns:r="http://schemas.openxmlformats.org/officeDocument/2006/relationships" xmlns:p="http://schemas.openxmlformats.org/presentationml/2006/main">
+  <p:cSld>
+    <p:bg>
+      <p:bgPr>
+        <a:solidFill>
+          <a:srgbClr val="FFFFFF"/>
+        </a:solidFill>
+        <a:effectLst/>
+      </p:bgPr>
+    </p:bg>
+    <p:spTree>
+      <p:nvGrpSpPr>
+        <p:cNvPr id="1" name=""/>
+        <p:cNvGrpSpPr/>
+        <p:nvPr/>
+      </p:nvGrpSpPr>
+      <p:grpSpPr>
+        <a:xfrm>
+          <a:off x="0" y="0"/>
+          <a:ext cx="0" cy="0"/>
+          <a:chOff x="0" y="0"/>
+          <a:chExt cx="0" cy="0"/>
+        </a:xfrm>
+      </p:grpSpPr>
+      <p:sp>
+        <p:nvSpPr>
+          <p:cNvPr id="57346" name="Rectangle 1"/>
+          <p:cNvSpPr>
+            <a:spLocks noGrp="1" noRot="1" noChangeAspect="1" noChangeArrowheads="1" noTextEdit="1"/>
+          </p:cNvSpPr>
+          <p:nvPr>
+            <p:ph type="sldImg"/>
+          </p:nvPr>
+        </p:nvSpPr>
+        <p:spPr bwMode="auto">
+          <a:xfrm>
+            <a:off x="1319213" y="877888"/>
+            <a:ext cx="4219575" cy="3165475"/>
+          </a:xfrm>
+          <a:solidFill>
+            <a:srgbClr val="FFFFFF"/>
+          </a:solidFill>
+          <a:ln>
+            <a:solidFill>
+              <a:srgbClr val="000000"/>
+            </a:solidFill>
+            <a:miter lim="800000"/>
+            <a:headEnd/>
+            <a:tailEnd/>
+          </a:ln>
+          <a:extLst>
+            <a:ext uri="{AF507438-7753-43E0-B8FC-AC1667EBCBE1}">
+              <a14:hiddenEffects xmlns:a14="http://schemas.microsoft.com/office/drawing/2010/main">
+                <a:effectLst>
+                  <a:outerShdw dist="35921" dir="2700000" algn="ctr" rotWithShape="0">
+                    <a:srgbClr val="808080"/>
+                  </a:outerShdw>
+                </a:effectLst>
+              </a14:hiddenEffects>
+            </a:ext>
+            <a:ext uri="{53640926-AAD7-44D8-BBD7-CCE9431645EC}">
+              <a14:shadowObscured xmlns:a14="http://schemas.microsoft.com/office/drawing/2010/main" val="1"/>
+            </a:ext>
+          </a:extLst>
+        </p:spPr>
+      </p:sp>
+      <p:sp>
+        <p:nvSpPr>
+          <p:cNvPr id="57347" name="Rectangle 2"/>
+          <p:cNvSpPr>
+            <a:spLocks noGrp="1" noChangeArrowheads="1"/>
+          </p:cNvSpPr>
+          <p:nvPr>
+            <p:ph type="body" idx="1"/>
+          </p:nvPr>
+        </p:nvSpPr>
+        <p:spPr bwMode="auto">
+          <a:xfrm>
+            <a:off x="1062038" y="4349750"/>
+            <a:ext cx="4740275" cy="3514725"/>
+          </a:xfrm>
+          <a:noFill/>
+          <a:extLst>
+            <a:ext uri="{909E8E84-426E-40DD-AFC4-6F175D3DCCD1}">
+              <a14:hiddenFill xmlns:a14="http://schemas.microsoft.com/office/drawing/2010/main">
+                <a:solidFill>
+                  <a:srgbClr val="FFFFFF"/>
+                </a:solidFill>
+              </a14:hiddenFill>
+            </a:ext>
+            <a:ext uri="{91240B29-F687-4F45-9708-019B960494DF}">
+              <a14:hiddenLine xmlns:a14="http://schemas.microsoft.com/office/drawing/2010/main" w="9525">
+                <a:solidFill>
+                  <a:srgbClr val="000000"/>
+                </a:solidFill>
+                <a:miter lim="800000"/>
+                <a:headEnd/>
+                <a:tailEnd/>
+              </a14:hiddenLine>
+            </a:ext>
+          </a:extLst>
+        </p:spPr>
+        <p:txBody>
+          <a:bodyPr wrap="none" numCol="1" anchor="ctr" anchorCtr="0" compatLnSpc="1">
+            <a:prstTxWarp prst="textNoShape">
+              <a:avLst/>
+            </a:prstTxWarp>
+          </a:bodyPr>
+          <a:lstStyle/>
+          <a:p>
+            <a:pPr eaLnBrk="1" hangingPunct="1">
+              <a:spcBef>
+                <a:spcPct val="0"/>
+              </a:spcBef>
+            </a:pPr>
+            <a:endParaRPr lang="en-US" altLang="en-US" smtClean="0"/>
+          </a:p>
+        </p:txBody>
+      </p:sp>
+    </p:spTree>
+    <p:extLst>
+      <p:ext uri="{BB962C8B-B14F-4D97-AF65-F5344CB8AC3E}">
+        <p14:creationId xmlns:p14="http://schemas.microsoft.com/office/powerpoint/2010/main" val="960301659"/>
+      </p:ext>
+    </p:extLst>
+  </p:cSld>
+  <p:clrMapOvr>
+    <a:masterClrMapping/>
+  </p:clrMapOvr>
+</p:notes>
+</file>
+
+<file path=ppt/notesSlides/notesSlide27.xml><?xml version="1.0" encoding="utf-8"?>
+<p:notes xmlns:a="http://schemas.openxmlformats.org/drawingml/2006/main" xmlns:r="http://schemas.openxmlformats.org/officeDocument/2006/relationships" xmlns:p="http://schemas.openxmlformats.org/presentationml/2006/main">
+  <p:cSld>
+    <p:bg>
+      <p:bgPr>
+        <a:solidFill>
+          <a:srgbClr val="FFFFFF"/>
+        </a:solidFill>
+        <a:effectLst/>
+      </p:bgPr>
+    </p:bg>
+    <p:spTree>
+      <p:nvGrpSpPr>
+        <p:cNvPr id="1" name=""/>
+        <p:cNvGrpSpPr/>
+        <p:nvPr/>
+      </p:nvGrpSpPr>
+      <p:grpSpPr>
+        <a:xfrm>
+          <a:off x="0" y="0"/>
+          <a:ext cx="0" cy="0"/>
+          <a:chOff x="0" y="0"/>
+          <a:chExt cx="0" cy="0"/>
+        </a:xfrm>
+      </p:grpSpPr>
+      <p:sp>
+        <p:nvSpPr>
+          <p:cNvPr id="57346" name="Rectangle 1"/>
+          <p:cNvSpPr>
+            <a:spLocks noGrp="1" noRot="1" noChangeAspect="1" noChangeArrowheads="1" noTextEdit="1"/>
+          </p:cNvSpPr>
+          <p:nvPr>
+            <p:ph type="sldImg"/>
+          </p:nvPr>
+        </p:nvSpPr>
+        <p:spPr bwMode="auto">
+          <a:xfrm>
+            <a:off x="1319213" y="877888"/>
+            <a:ext cx="4219575" cy="3165475"/>
+          </a:xfrm>
+          <a:solidFill>
+            <a:srgbClr val="FFFFFF"/>
+          </a:solidFill>
+          <a:ln>
+            <a:solidFill>
+              <a:srgbClr val="000000"/>
+            </a:solidFill>
+            <a:miter lim="800000"/>
+            <a:headEnd/>
+            <a:tailEnd/>
+          </a:ln>
+          <a:extLst>
+            <a:ext uri="{AF507438-7753-43E0-B8FC-AC1667EBCBE1}">
+              <a14:hiddenEffects xmlns:a14="http://schemas.microsoft.com/office/drawing/2010/main">
+                <a:effectLst>
+                  <a:outerShdw dist="35921" dir="2700000" algn="ctr" rotWithShape="0">
+                    <a:srgbClr val="808080"/>
+                  </a:outerShdw>
+                </a:effectLst>
+              </a14:hiddenEffects>
+            </a:ext>
+            <a:ext uri="{53640926-AAD7-44D8-BBD7-CCE9431645EC}">
+              <a14:shadowObscured xmlns:a14="http://schemas.microsoft.com/office/drawing/2010/main" val="1"/>
+            </a:ext>
+          </a:extLst>
+        </p:spPr>
+      </p:sp>
+      <p:sp>
+        <p:nvSpPr>
+          <p:cNvPr id="57347" name="Rectangle 2"/>
+          <p:cNvSpPr>
+            <a:spLocks noGrp="1" noChangeArrowheads="1"/>
+          </p:cNvSpPr>
+          <p:nvPr>
+            <p:ph type="body" idx="1"/>
+          </p:nvPr>
+        </p:nvSpPr>
+        <p:spPr bwMode="auto">
+          <a:xfrm>
+            <a:off x="1062038" y="4349750"/>
+            <a:ext cx="4740275" cy="3514725"/>
+          </a:xfrm>
+          <a:noFill/>
+          <a:extLst>
+            <a:ext uri="{909E8E84-426E-40DD-AFC4-6F175D3DCCD1}">
+              <a14:hiddenFill xmlns:a14="http://schemas.microsoft.com/office/drawing/2010/main">
+                <a:solidFill>
+                  <a:srgbClr val="FFFFFF"/>
+                </a:solidFill>
+              </a14:hiddenFill>
+            </a:ext>
+            <a:ext uri="{91240B29-F687-4F45-9708-019B960494DF}">
+              <a14:hiddenLine xmlns:a14="http://schemas.microsoft.com/office/drawing/2010/main" w="9525">
+                <a:solidFill>
+                  <a:srgbClr val="000000"/>
+                </a:solidFill>
+                <a:miter lim="800000"/>
+                <a:headEnd/>
+                <a:tailEnd/>
+              </a14:hiddenLine>
+            </a:ext>
+          </a:extLst>
+        </p:spPr>
+        <p:txBody>
+          <a:bodyPr wrap="none" numCol="1" anchor="ctr" anchorCtr="0" compatLnSpc="1">
+            <a:prstTxWarp prst="textNoShape">
+              <a:avLst/>
+            </a:prstTxWarp>
+          </a:bodyPr>
+          <a:lstStyle/>
+          <a:p>
+            <a:pPr eaLnBrk="1" hangingPunct="1">
+              <a:spcBef>
+                <a:spcPct val="0"/>
+              </a:spcBef>
+            </a:pPr>
+            <a:endParaRPr lang="en-US" altLang="en-US" smtClean="0"/>
+          </a:p>
+        </p:txBody>
+      </p:sp>
+    </p:spTree>
+    <p:extLst>
+      <p:ext uri="{BB962C8B-B14F-4D97-AF65-F5344CB8AC3E}">
+        <p14:creationId xmlns:p14="http://schemas.microsoft.com/office/powerpoint/2010/main" val="3507083013"/>
+      </p:ext>
+    </p:extLst>
+  </p:cSld>
+  <p:clrMapOvr>
+    <a:masterClrMapping/>
+  </p:clrMapOvr>
+</p:notes>
+</file>
+
+<file path=ppt/notesSlides/notesSlide28.xml><?xml version="1.0" encoding="utf-8"?>
+<p:notes xmlns:a="http://schemas.openxmlformats.org/drawingml/2006/main" xmlns:r="http://schemas.openxmlformats.org/officeDocument/2006/relationships" xmlns:p="http://schemas.openxmlformats.org/presentationml/2006/main">
+  <p:cSld>
+    <p:bg>
+      <p:bgPr>
+        <a:solidFill>
+          <a:srgbClr val="FFFFFF"/>
+        </a:solidFill>
+        <a:effectLst/>
+      </p:bgPr>
+    </p:bg>
+    <p:spTree>
+      <p:nvGrpSpPr>
+        <p:cNvPr id="1" name=""/>
+        <p:cNvGrpSpPr/>
+        <p:nvPr/>
+      </p:nvGrpSpPr>
+      <p:grpSpPr>
+        <a:xfrm>
+          <a:off x="0" y="0"/>
+          <a:ext cx="0" cy="0"/>
+          <a:chOff x="0" y="0"/>
+          <a:chExt cx="0" cy="0"/>
+        </a:xfrm>
+      </p:grpSpPr>
+      <p:sp>
+        <p:nvSpPr>
+          <p:cNvPr id="57346" name="Rectangle 1"/>
+          <p:cNvSpPr>
+            <a:spLocks noGrp="1" noRot="1" noChangeAspect="1" noChangeArrowheads="1" noTextEdit="1"/>
+          </p:cNvSpPr>
+          <p:nvPr>
+            <p:ph type="sldImg"/>
+          </p:nvPr>
+        </p:nvSpPr>
+        <p:spPr bwMode="auto">
+          <a:xfrm>
+            <a:off x="1319213" y="877888"/>
+            <a:ext cx="4219575" cy="3165475"/>
+          </a:xfrm>
+          <a:solidFill>
+            <a:srgbClr val="FFFFFF"/>
+          </a:solidFill>
+          <a:ln>
+            <a:solidFill>
+              <a:srgbClr val="000000"/>
+            </a:solidFill>
+            <a:miter lim="800000"/>
+            <a:headEnd/>
+            <a:tailEnd/>
+          </a:ln>
+          <a:extLst>
+            <a:ext uri="{AF507438-7753-43E0-B8FC-AC1667EBCBE1}">
+              <a14:hiddenEffects xmlns:a14="http://schemas.microsoft.com/office/drawing/2010/main">
+                <a:effectLst>
+                  <a:outerShdw dist="35921" dir="2700000" algn="ctr" rotWithShape="0">
+                    <a:srgbClr val="808080"/>
+                  </a:outerShdw>
+                </a:effectLst>
+              </a14:hiddenEffects>
+            </a:ext>
+            <a:ext uri="{53640926-AAD7-44D8-BBD7-CCE9431645EC}">
+              <a14:shadowObscured xmlns:a14="http://schemas.microsoft.com/office/drawing/2010/main" val="1"/>
+            </a:ext>
+          </a:extLst>
+        </p:spPr>
+      </p:sp>
+      <p:sp>
+        <p:nvSpPr>
+          <p:cNvPr id="57347" name="Rectangle 2"/>
+          <p:cNvSpPr>
+            <a:spLocks noGrp="1" noChangeArrowheads="1"/>
+          </p:cNvSpPr>
+          <p:nvPr>
+            <p:ph type="body" idx="1"/>
+          </p:nvPr>
+        </p:nvSpPr>
+        <p:spPr bwMode="auto">
+          <a:xfrm>
+            <a:off x="1062038" y="4349750"/>
+            <a:ext cx="4740275" cy="3514725"/>
+          </a:xfrm>
+          <a:noFill/>
+          <a:extLst>
+            <a:ext uri="{909E8E84-426E-40DD-AFC4-6F175D3DCCD1}">
+              <a14:hiddenFill xmlns:a14="http://schemas.microsoft.com/office/drawing/2010/main">
+                <a:solidFill>
+                  <a:srgbClr val="FFFFFF"/>
+                </a:solidFill>
+              </a14:hiddenFill>
+            </a:ext>
+            <a:ext uri="{91240B29-F687-4F45-9708-019B960494DF}">
+              <a14:hiddenLine xmlns:a14="http://schemas.microsoft.com/office/drawing/2010/main" w="9525">
+                <a:solidFill>
+                  <a:srgbClr val="000000"/>
+                </a:solidFill>
+                <a:miter lim="800000"/>
+                <a:headEnd/>
+                <a:tailEnd/>
+              </a14:hiddenLine>
+            </a:ext>
+          </a:extLst>
+        </p:spPr>
+        <p:txBody>
+          <a:bodyPr wrap="none" numCol="1" anchor="ctr" anchorCtr="0" compatLnSpc="1">
+            <a:prstTxWarp prst="textNoShape">
+              <a:avLst/>
+            </a:prstTxWarp>
+          </a:bodyPr>
+          <a:lstStyle/>
+          <a:p>
+            <a:pPr eaLnBrk="1" hangingPunct="1">
+              <a:spcBef>
+                <a:spcPct val="0"/>
+              </a:spcBef>
+            </a:pPr>
+            <a:endParaRPr lang="en-US" altLang="en-US" smtClean="0"/>
+          </a:p>
+        </p:txBody>
+      </p:sp>
+    </p:spTree>
+    <p:extLst>
+      <p:ext uri="{BB962C8B-B14F-4D97-AF65-F5344CB8AC3E}">
+        <p14:creationId xmlns:p14="http://schemas.microsoft.com/office/powerpoint/2010/main" val="3854205004"/>
+      </p:ext>
+    </p:extLst>
+  </p:cSld>
+  <p:clrMapOvr>
+    <a:masterClrMapping/>
+  </p:clrMapOvr>
+</p:notes>
+</file>
+
+<file path=ppt/notesSlides/notesSlide29.xml><?xml version="1.0" encoding="utf-8"?>
+<p:notes xmlns:a="http://schemas.openxmlformats.org/drawingml/2006/main" xmlns:r="http://schemas.openxmlformats.org/officeDocument/2006/relationships" xmlns:p="http://schemas.openxmlformats.org/presentationml/2006/main">
+  <p:cSld>
+    <p:bg>
+      <p:bgPr>
+        <a:solidFill>
+          <a:srgbClr val="FFFFFF"/>
+        </a:solidFill>
+        <a:effectLst/>
+      </p:bgPr>
+    </p:bg>
+    <p:spTree>
+      <p:nvGrpSpPr>
+        <p:cNvPr id="1" name=""/>
+        <p:cNvGrpSpPr/>
+        <p:nvPr/>
+      </p:nvGrpSpPr>
+      <p:grpSpPr>
+        <a:xfrm>
+          <a:off x="0" y="0"/>
+          <a:ext cx="0" cy="0"/>
+          <a:chOff x="0" y="0"/>
+          <a:chExt cx="0" cy="0"/>
+        </a:xfrm>
+      </p:grpSpPr>
+      <p:sp>
+        <p:nvSpPr>
+          <p:cNvPr id="57346" name="Rectangle 1"/>
+          <p:cNvSpPr>
+            <a:spLocks noGrp="1" noRot="1" noChangeAspect="1" noChangeArrowheads="1" noTextEdit="1"/>
+          </p:cNvSpPr>
+          <p:nvPr>
+            <p:ph type="sldImg"/>
+          </p:nvPr>
+        </p:nvSpPr>
+        <p:spPr bwMode="auto">
+          <a:xfrm>
+            <a:off x="1319213" y="877888"/>
+            <a:ext cx="4219575" cy="3165475"/>
+          </a:xfrm>
+          <a:solidFill>
+            <a:srgbClr val="FFFFFF"/>
+          </a:solidFill>
+          <a:ln>
+            <a:solidFill>
+              <a:srgbClr val="000000"/>
+            </a:solidFill>
+            <a:miter lim="800000"/>
+            <a:headEnd/>
+            <a:tailEnd/>
+          </a:ln>
+          <a:extLst>
+            <a:ext uri="{AF507438-7753-43E0-B8FC-AC1667EBCBE1}">
+              <a14:hiddenEffects xmlns:a14="http://schemas.microsoft.com/office/drawing/2010/main">
+                <a:effectLst>
+                  <a:outerShdw dist="35921" dir="2700000" algn="ctr" rotWithShape="0">
+                    <a:srgbClr val="808080"/>
+                  </a:outerShdw>
+                </a:effectLst>
+              </a14:hiddenEffects>
+            </a:ext>
+            <a:ext uri="{53640926-AAD7-44D8-BBD7-CCE9431645EC}">
+              <a14:shadowObscured xmlns:a14="http://schemas.microsoft.com/office/drawing/2010/main" val="1"/>
+            </a:ext>
+          </a:extLst>
+        </p:spPr>
+      </p:sp>
+      <p:sp>
+        <p:nvSpPr>
+          <p:cNvPr id="57347" name="Rectangle 2"/>
+          <p:cNvSpPr>
+            <a:spLocks noGrp="1" noChangeArrowheads="1"/>
+          </p:cNvSpPr>
+          <p:nvPr>
+            <p:ph type="body" idx="1"/>
+          </p:nvPr>
+        </p:nvSpPr>
+        <p:spPr bwMode="auto">
+          <a:xfrm>
+            <a:off x="1062038" y="4349750"/>
+            <a:ext cx="4740275" cy="3514725"/>
+          </a:xfrm>
+          <a:noFill/>
+          <a:extLst>
+            <a:ext uri="{909E8E84-426E-40DD-AFC4-6F175D3DCCD1}">
+              <a14:hiddenFill xmlns:a14="http://schemas.microsoft.com/office/drawing/2010/main">
+                <a:solidFill>
+                  <a:srgbClr val="FFFFFF"/>
+                </a:solidFill>
+              </a14:hiddenFill>
+            </a:ext>
+            <a:ext uri="{91240B29-F687-4F45-9708-019B960494DF}">
+              <a14:hiddenLine xmlns:a14="http://schemas.microsoft.com/office/drawing/2010/main" w="9525">
+                <a:solidFill>
+                  <a:srgbClr val="000000"/>
+                </a:solidFill>
+                <a:miter lim="800000"/>
+                <a:headEnd/>
+                <a:tailEnd/>
+              </a14:hiddenLine>
+            </a:ext>
+          </a:extLst>
+        </p:spPr>
+        <p:txBody>
+          <a:bodyPr wrap="none" numCol="1" anchor="ctr" anchorCtr="0" compatLnSpc="1">
+            <a:prstTxWarp prst="textNoShape">
+              <a:avLst/>
+            </a:prstTxWarp>
+          </a:bodyPr>
+          <a:lstStyle/>
+          <a:p>
+            <a:pPr eaLnBrk="1" hangingPunct="1">
+              <a:spcBef>
+                <a:spcPct val="0"/>
+              </a:spcBef>
+            </a:pPr>
+            <a:endParaRPr lang="en-US" altLang="en-US" smtClean="0"/>
+          </a:p>
+        </p:txBody>
+      </p:sp>
+    </p:spTree>
+    <p:extLst>
+      <p:ext uri="{BB962C8B-B14F-4D97-AF65-F5344CB8AC3E}">
+        <p14:creationId xmlns:p14="http://schemas.microsoft.com/office/powerpoint/2010/main" val="3503679825"/>
+      </p:ext>
+    </p:extLst>
+  </p:cSld>
+  <p:clrMapOvr>
+    <a:masterClrMapping/>
+  </p:clrMapOvr>
+</p:notes>
+</file>
+
 <file path=ppt/notesSlides/notesSlide3.xml><?xml version="1.0" encoding="utf-8"?>
 <p:notes xmlns:a="http://schemas.openxmlformats.org/drawingml/2006/main" xmlns:r="http://schemas.openxmlformats.org/officeDocument/2006/relationships" xmlns:p="http://schemas.openxmlformats.org/presentationml/2006/main">
   <p:cSld>
@@ -3101,6 +3638,139 @@
     <p:extLst>
       <p:ext uri="{BB962C8B-B14F-4D97-AF65-F5344CB8AC3E}">
         <p14:creationId xmlns:p14="http://schemas.microsoft.com/office/powerpoint/2010/main" val="223226109"/>
+      </p:ext>
+    </p:extLst>
+  </p:cSld>
+  <p:clrMapOvr>
+    <a:masterClrMapping/>
+  </p:clrMapOvr>
+</p:notes>
+</file>
+
+<file path=ppt/notesSlides/notesSlide30.xml><?xml version="1.0" encoding="utf-8"?>
+<p:notes xmlns:a="http://schemas.openxmlformats.org/drawingml/2006/main" xmlns:r="http://schemas.openxmlformats.org/officeDocument/2006/relationships" xmlns:p="http://schemas.openxmlformats.org/presentationml/2006/main">
+  <p:cSld>
+    <p:bg>
+      <p:bgPr>
+        <a:solidFill>
+          <a:srgbClr val="FFFFFF"/>
+        </a:solidFill>
+        <a:effectLst/>
+      </p:bgPr>
+    </p:bg>
+    <p:spTree>
+      <p:nvGrpSpPr>
+        <p:cNvPr id="1" name=""/>
+        <p:cNvGrpSpPr/>
+        <p:nvPr/>
+      </p:nvGrpSpPr>
+      <p:grpSpPr>
+        <a:xfrm>
+          <a:off x="0" y="0"/>
+          <a:ext cx="0" cy="0"/>
+          <a:chOff x="0" y="0"/>
+          <a:chExt cx="0" cy="0"/>
+        </a:xfrm>
+      </p:grpSpPr>
+      <p:sp>
+        <p:nvSpPr>
+          <p:cNvPr id="57346" name="Rectangle 1"/>
+          <p:cNvSpPr>
+            <a:spLocks noGrp="1" noRot="1" noChangeAspect="1" noChangeArrowheads="1" noTextEdit="1"/>
+          </p:cNvSpPr>
+          <p:nvPr>
+            <p:ph type="sldImg"/>
+          </p:nvPr>
+        </p:nvSpPr>
+        <p:spPr bwMode="auto">
+          <a:xfrm>
+            <a:off x="1319213" y="877888"/>
+            <a:ext cx="4219575" cy="3165475"/>
+          </a:xfrm>
+          <a:solidFill>
+            <a:srgbClr val="FFFFFF"/>
+          </a:solidFill>
+          <a:ln>
+            <a:solidFill>
+              <a:srgbClr val="000000"/>
+            </a:solidFill>
+            <a:miter lim="800000"/>
+            <a:headEnd/>
+            <a:tailEnd/>
+          </a:ln>
+          <a:extLst>
+            <a:ext uri="{AF507438-7753-43E0-B8FC-AC1667EBCBE1}">
+              <a14:hiddenEffects xmlns:a14="http://schemas.microsoft.com/office/drawing/2010/main">
+                <a:effectLst>
+                  <a:outerShdw dist="35921" dir="2700000" algn="ctr" rotWithShape="0">
+                    <a:srgbClr val="808080"/>
+                  </a:outerShdw>
+                </a:effectLst>
+              </a14:hiddenEffects>
+            </a:ext>
+            <a:ext uri="{53640926-AAD7-44D8-BBD7-CCE9431645EC}">
+              <a14:shadowObscured xmlns:a14="http://schemas.microsoft.com/office/drawing/2010/main" val="1"/>
+            </a:ext>
+          </a:extLst>
+        </p:spPr>
+      </p:sp>
+      <p:sp>
+        <p:nvSpPr>
+          <p:cNvPr id="57347" name="Rectangle 2"/>
+          <p:cNvSpPr>
+            <a:spLocks noGrp="1" noChangeArrowheads="1"/>
+          </p:cNvSpPr>
+          <p:nvPr>
+            <p:ph type="body" idx="1"/>
+          </p:nvPr>
+        </p:nvSpPr>
+        <p:spPr bwMode="auto">
+          <a:xfrm>
+            <a:off x="1062038" y="4349750"/>
+            <a:ext cx="4740275" cy="3514725"/>
+          </a:xfrm>
+          <a:noFill/>
+          <a:extLst>
+            <a:ext uri="{909E8E84-426E-40DD-AFC4-6F175D3DCCD1}">
+              <a14:hiddenFill xmlns:a14="http://schemas.microsoft.com/office/drawing/2010/main">
+                <a:solidFill>
+                  <a:srgbClr val="FFFFFF"/>
+                </a:solidFill>
+              </a14:hiddenFill>
+            </a:ext>
+            <a:ext uri="{91240B29-F687-4F45-9708-019B960494DF}">
+              <a14:hiddenLine xmlns:a14="http://schemas.microsoft.com/office/drawing/2010/main" w="9525">
+                <a:solidFill>
+                  <a:srgbClr val="000000"/>
+                </a:solidFill>
+                <a:miter lim="800000"/>
+                <a:headEnd/>
+                <a:tailEnd/>
+              </a14:hiddenLine>
+            </a:ext>
+          </a:extLst>
+        </p:spPr>
+        <p:txBody>
+          <a:bodyPr wrap="none" numCol="1" anchor="ctr" anchorCtr="0" compatLnSpc="1">
+            <a:prstTxWarp prst="textNoShape">
+              <a:avLst/>
+            </a:prstTxWarp>
+          </a:bodyPr>
+          <a:lstStyle/>
+          <a:p>
+            <a:pPr eaLnBrk="1" hangingPunct="1">
+              <a:spcBef>
+                <a:spcPct val="0"/>
+              </a:spcBef>
+            </a:pPr>
+            <a:endParaRPr lang="en-US" altLang="en-US" smtClean="0"/>
+          </a:p>
+        </p:txBody>
+      </p:sp>
+    </p:spTree>
+    <p:extLst>
+      <p:ext uri="{BB962C8B-B14F-4D97-AF65-F5344CB8AC3E}">
+        <p14:creationId xmlns:p14="http://schemas.microsoft.com/office/powerpoint/2010/main" val="3322674534"/>
       </p:ext>
     </p:extLst>
   </p:cSld>
@@ -5439,7 +6109,7 @@
         </p:nvSpPr>
         <p:spPr bwMode="auto">
           <a:xfrm>
-            <a:off x="8493121" y="274072"/>
+            <a:off x="8493122" y="274072"/>
             <a:ext cx="460383" cy="215444"/>
           </a:xfrm>
           <a:prstGeom prst="rect">
@@ -5593,7 +6263,7 @@
               <a:t> </a:t>
             </a:r>
             <a:fld id="{03DEA2DA-3E3F-41FA-9126-EF275D73EA52}" type="slidenum">
-              <a:rPr lang="en-US" altLang="sr-Latn-RS" sz="800">
+              <a:rPr lang="en-US" altLang="sr-Latn-RS" sz="800" smtClean="0">
                 <a:solidFill>
                   <a:srgbClr val="6767FF"/>
                 </a:solidFill>
@@ -5613,7 +6283,7 @@
               <a:t>‹#›</a:t>
             </a:fld>
             <a:r>
-              <a:rPr lang="en-US" altLang="sr-Latn-RS" sz="800" dirty="0">
+              <a:rPr lang="en-US" altLang="sr-Latn-RS" sz="800" dirty="0" smtClean="0">
                 <a:solidFill>
                   <a:srgbClr val="6767FF"/>
                 </a:solidFill>
@@ -5628,7 +6298,7 @@
                 </a:solidFill>
                 <a:cs typeface="Arial" panose="020B0604020202020204" pitchFamily="34" charset="0"/>
               </a:rPr>
-              <a:t>28</a:t>
+              <a:t>33</a:t>
             </a:r>
             <a:endParaRPr lang="en-US" altLang="sr-Latn-RS" sz="800" dirty="0">
               <a:solidFill>
@@ -7532,55 +8202,43 @@
               <a:rPr lang="ru-RU" altLang="en-US" sz="2000" dirty="0" smtClean="0">
                 <a:latin typeface="Garamond" panose="02020404030301010803" pitchFamily="18" charset="0"/>
               </a:rPr>
-              <a:t> </a:t>
+              <a:t> да </a:t>
+            </a:r>
+            <a:r>
+              <a:rPr lang="ru-RU" altLang="en-US" sz="2000" dirty="0" err="1" smtClean="0">
+                <a:latin typeface="Garamond" panose="02020404030301010803" pitchFamily="18" charset="0"/>
+              </a:rPr>
+              <a:t>уради</a:t>
             </a:r>
             <a:r>
               <a:rPr lang="ru-RU" altLang="en-US" sz="2000" dirty="0" smtClean="0">
                 <a:latin typeface="Garamond" panose="02020404030301010803" pitchFamily="18" charset="0"/>
               </a:rPr>
-              <a:t>да </a:t>
+              <a:t> </a:t>
             </a:r>
             <a:r>
               <a:rPr lang="ru-RU" altLang="en-US" sz="2000" dirty="0" err="1" smtClean="0">
                 <a:latin typeface="Garamond" panose="02020404030301010803" pitchFamily="18" charset="0"/>
               </a:rPr>
-              <a:t>уради</a:t>
+              <a:t>јесте</a:t>
             </a:r>
             <a:r>
               <a:rPr lang="ru-RU" altLang="en-US" sz="2000" dirty="0" smtClean="0">
                 <a:latin typeface="Garamond" panose="02020404030301010803" pitchFamily="18" charset="0"/>
               </a:rPr>
-              <a:t> </a:t>
+              <a:t> да </a:t>
             </a:r>
             <a:r>
               <a:rPr lang="ru-RU" altLang="en-US" sz="2000" dirty="0" err="1" smtClean="0">
                 <a:latin typeface="Garamond" panose="02020404030301010803" pitchFamily="18" charset="0"/>
               </a:rPr>
-              <a:t>јесте</a:t>
+              <a:t>прочита</a:t>
             </a:r>
             <a:r>
               <a:rPr lang="ru-RU" altLang="en-US" sz="2000" dirty="0" smtClean="0">
                 <a:latin typeface="Garamond" panose="02020404030301010803" pitchFamily="18" charset="0"/>
               </a:rPr>
-              <a:t> да </a:t>
-            </a:r>
-            <a:r>
-              <a:rPr lang="ru-RU" altLang="en-US" sz="2000" dirty="0" err="1" smtClean="0">
-                <a:latin typeface="Garamond" panose="02020404030301010803" pitchFamily="18" charset="0"/>
-              </a:rPr>
-              <a:t>прочита</a:t>
-            </a:r>
-            <a:r>
-              <a:rPr lang="ru-RU" altLang="en-US" sz="2000" dirty="0" smtClean="0">
-                <a:latin typeface="Garamond" panose="02020404030301010803" pitchFamily="18" charset="0"/>
-              </a:rPr>
-              <a:t> </a:t>
-            </a:r>
-            <a:r>
-              <a:rPr lang="ru-RU" altLang="en-US" sz="2000" dirty="0" smtClean="0">
-                <a:latin typeface="Garamond" panose="02020404030301010803" pitchFamily="18" charset="0"/>
-              </a:rPr>
-              <a:t>поруку о </a:t>
+              <a:t> поруку о </a:t>
             </a:r>
             <a:r>
               <a:rPr lang="ru-RU" altLang="en-US" sz="2000" dirty="0" err="1" smtClean="0">
@@ -7740,85 +8398,55 @@
               <a:rPr lang="ru-RU" altLang="en-US" sz="2000" dirty="0" smtClean="0">
                 <a:latin typeface="Garamond" panose="02020404030301010803" pitchFamily="18" charset="0"/>
               </a:rPr>
-              <a:t> </a:t>
+              <a:t> да се схвати </a:t>
+            </a:r>
+            <a:r>
+              <a:rPr lang="ru-RU" altLang="en-US" sz="2000" dirty="0" err="1" smtClean="0">
+                <a:latin typeface="Garamond" panose="02020404030301010803" pitchFamily="18" charset="0"/>
+              </a:rPr>
+              <a:t>шта</a:t>
             </a:r>
             <a:r>
               <a:rPr lang="ru-RU" altLang="en-US" sz="2000" dirty="0" smtClean="0">
                 <a:latin typeface="Garamond" panose="02020404030301010803" pitchFamily="18" charset="0"/>
               </a:rPr>
-              <a:t>да </a:t>
+              <a:t> </a:t>
+            </a:r>
+            <a:r>
+              <a:rPr lang="ru-RU" altLang="en-US" sz="2000" dirty="0" err="1" smtClean="0">
+                <a:latin typeface="Garamond" panose="02020404030301010803" pitchFamily="18" charset="0"/>
+              </a:rPr>
+              <a:t>је</a:t>
             </a:r>
             <a:r>
               <a:rPr lang="ru-RU" altLang="en-US" sz="2000" dirty="0" smtClean="0">
                 <a:latin typeface="Garamond" panose="02020404030301010803" pitchFamily="18" charset="0"/>
               </a:rPr>
-              <a:t>се схвати </a:t>
+              <a:t> у </a:t>
             </a:r>
             <a:r>
               <a:rPr lang="ru-RU" altLang="en-US" sz="2000" dirty="0" err="1" smtClean="0">
                 <a:latin typeface="Garamond" panose="02020404030301010803" pitchFamily="18" charset="0"/>
               </a:rPr>
-              <a:t>шта</a:t>
+              <a:t>написаном</a:t>
             </a:r>
             <a:r>
               <a:rPr lang="ru-RU" altLang="en-US" sz="2000" dirty="0" smtClean="0">
                 <a:latin typeface="Garamond" panose="02020404030301010803" pitchFamily="18" charset="0"/>
               </a:rPr>
-              <a:t> </a:t>
+              <a:t> коду могло да </a:t>
             </a:r>
             <a:r>
               <a:rPr lang="ru-RU" altLang="en-US" sz="2000" dirty="0" err="1" smtClean="0">
                 <a:latin typeface="Garamond" panose="02020404030301010803" pitchFamily="18" charset="0"/>
               </a:rPr>
-              <a:t>је</a:t>
+              <a:t>изазове</a:t>
             </a:r>
             <a:r>
               <a:rPr lang="ru-RU" altLang="en-US" sz="2000" dirty="0" smtClean="0">
                 <a:latin typeface="Garamond" panose="02020404030301010803" pitchFamily="18" charset="0"/>
               </a:rPr>
-              <a:t> у </a:t>
-            </a:r>
-            <a:r>
-              <a:rPr lang="ru-RU" altLang="en-US" sz="2000" dirty="0" err="1" smtClean="0">
-                <a:latin typeface="Garamond" panose="02020404030301010803" pitchFamily="18" charset="0"/>
-              </a:rPr>
-              <a:t>написаном</a:t>
-            </a:r>
-            <a:r>
-              <a:rPr lang="ru-RU" altLang="en-US" sz="2000" dirty="0" smtClean="0">
-                <a:latin typeface="Garamond" panose="02020404030301010803" pitchFamily="18" charset="0"/>
-              </a:rPr>
-              <a:t> </a:t>
-            </a:r>
-            <a:r>
-              <a:rPr lang="ru-RU" altLang="en-US" sz="2000" dirty="0" smtClean="0">
-                <a:latin typeface="Garamond" panose="02020404030301010803" pitchFamily="18" charset="0"/>
-              </a:rPr>
-              <a:t>коду могло да </a:t>
-            </a:r>
-            <a:r>
-              <a:rPr lang="ru-RU" altLang="en-US" sz="2000" dirty="0" err="1" smtClean="0">
-                <a:latin typeface="Garamond" panose="02020404030301010803" pitchFamily="18" charset="0"/>
-              </a:rPr>
-              <a:t>изазове</a:t>
-            </a:r>
-            <a:r>
-              <a:rPr lang="ru-RU" altLang="en-US" sz="2000" dirty="0" smtClean="0">
-                <a:latin typeface="Garamond" panose="02020404030301010803" pitchFamily="18" charset="0"/>
-              </a:rPr>
-              <a:t> </a:t>
-            </a:r>
-            <a:r>
-              <a:rPr lang="ru-RU" altLang="en-US" sz="2000" dirty="0" smtClean="0">
-                <a:latin typeface="Garamond" panose="02020404030301010803" pitchFamily="18" charset="0"/>
-              </a:rPr>
-              <a:t>такав проблем</a:t>
-            </a:r>
-            <a:r>
-              <a:rPr lang="ru-RU" altLang="en-US" sz="2000" dirty="0" smtClean="0">
-                <a:latin typeface="Garamond" panose="02020404030301010803" pitchFamily="18" charset="0"/>
-              </a:rPr>
-              <a:t>.</a:t>
+              <a:t> такав проблем.</a:t>
             </a:r>
             <a:endParaRPr lang="en-GB" altLang="en-US" sz="2000" dirty="0" smtClean="0">
               <a:latin typeface="Garamond" panose="02020404030301010803" pitchFamily="18" charset="0"/>
@@ -8591,13 +9219,7 @@
               <a:rPr lang="ru-RU" altLang="en-US" sz="2000" dirty="0" smtClean="0">
                 <a:latin typeface="Garamond" panose="02020404030301010803" pitchFamily="18" charset="0"/>
               </a:rPr>
-              <a:t> </a:t>
-            </a:r>
-            <a:r>
-              <a:rPr lang="ru-RU" altLang="en-US" sz="2000" dirty="0" smtClean="0">
-                <a:latin typeface="Garamond" panose="02020404030301010803" pitchFamily="18" charset="0"/>
-              </a:rPr>
-              <a:t>коду.</a:t>
+              <a:t> коду.</a:t>
             </a:r>
           </a:p>
           <a:p>
@@ -9198,13 +9820,7 @@
               <a:rPr lang="ru-RU" altLang="en-US" sz="2400" dirty="0" smtClean="0">
                 <a:latin typeface="Garamond" panose="02020404030301010803" pitchFamily="18" charset="0"/>
               </a:rPr>
-              <a:t> потребно </a:t>
-            </a:r>
-            <a:r>
-              <a:rPr lang="ru-RU" altLang="en-US" sz="2400" dirty="0" smtClean="0">
-                <a:latin typeface="Garamond" panose="02020404030301010803" pitchFamily="18" charset="0"/>
-              </a:rPr>
-              <a:t>да </a:t>
+              <a:t> потребно да </a:t>
             </a:r>
             <a:r>
               <a:rPr lang="ru-RU" altLang="en-US" sz="2400" dirty="0" err="1" smtClean="0">
@@ -9228,13 +9844,7 @@
               <a:rPr lang="ru-RU" altLang="en-US" sz="2400" dirty="0" smtClean="0">
                 <a:latin typeface="Garamond" panose="02020404030301010803" pitchFamily="18" charset="0"/>
               </a:rPr>
-              <a:t> </a:t>
-            </a:r>
-            <a:r>
-              <a:rPr lang="ru-RU" altLang="en-US" sz="2400" dirty="0" smtClean="0">
-                <a:latin typeface="Garamond" panose="02020404030301010803" pitchFamily="18" charset="0"/>
-              </a:rPr>
-              <a:t>код за </a:t>
+              <a:t> код за </a:t>
             </a:r>
             <a:r>
               <a:rPr lang="ru-RU" altLang="en-US" sz="2400" dirty="0" err="1" smtClean="0">
@@ -10635,10 +11245,14 @@
               <a:t> (</a:t>
             </a:r>
             <a:r>
+              <a:rPr lang="sr-Latn-RS" altLang="en-US" sz="2000" dirty="0" smtClean="0"/>
+              <a:t>try-catch</a:t>
+            </a:r>
+            <a:r>
               <a:rPr lang="sr-Latn-RS" altLang="en-US" sz="2400" dirty="0" smtClean="0">
                 <a:latin typeface="Garamond" panose="02020404030301010803" pitchFamily="18" charset="0"/>
               </a:rPr>
-              <a:t>try-catch </a:t>
+              <a:t> </a:t>
             </a:r>
             <a:r>
               <a:rPr lang="sr-Cyrl-RS" altLang="en-US" sz="2400" dirty="0" smtClean="0">
@@ -10711,10 +11325,14 @@
               <a:t>(наредба </a:t>
             </a:r>
             <a:r>
+              <a:rPr lang="sr-Latn-RS" altLang="en-US" sz="2000" dirty="0" smtClean="0"/>
+              <a:t>throws</a:t>
+            </a:r>
+            <a:r>
               <a:rPr lang="sr-Latn-RS" altLang="en-US" sz="2400" dirty="0" smtClean="0">
                 <a:latin typeface="Garamond" panose="02020404030301010803" pitchFamily="18" charset="0"/>
               </a:rPr>
-              <a:t>throws)</a:t>
+              <a:t>)</a:t>
             </a:r>
             <a:r>
               <a:rPr lang="sr-Cyrl-RS" altLang="en-US" sz="2400" dirty="0" smtClean="0">
@@ -11948,19 +12566,25 @@
               <a:rPr lang="ru-RU" sz="2400" dirty="0" smtClean="0">
                 <a:latin typeface="Garamond" pitchFamily="18" charset="0"/>
               </a:rPr>
-              <a:t>, само </a:t>
+              <a:t>, само се </a:t>
+            </a:r>
+            <a:r>
+              <a:rPr lang="ru-RU" sz="2400" dirty="0" err="1" smtClean="0">
+                <a:latin typeface="Garamond" pitchFamily="18" charset="0"/>
+              </a:rPr>
+              <a:t>дода</a:t>
             </a:r>
             <a:r>
               <a:rPr lang="ru-RU" sz="2400" dirty="0" smtClean="0">
                 <a:latin typeface="Garamond" pitchFamily="18" charset="0"/>
               </a:rPr>
-              <a:t>се </a:t>
+              <a:t> </a:t>
             </a:r>
             <a:r>
               <a:rPr lang="ru-RU" sz="2400" dirty="0" err="1" smtClean="0">
                 <a:latin typeface="Garamond" pitchFamily="18" charset="0"/>
               </a:rPr>
-              <a:t>дода</a:t>
+              <a:t>кључна</a:t>
             </a:r>
             <a:r>
               <a:rPr lang="ru-RU" sz="2400" dirty="0" smtClean="0">
@@ -11972,7 +12596,7 @@
               <a:rPr lang="ru-RU" sz="2400" dirty="0" err="1" smtClean="0">
                 <a:latin typeface="Garamond" pitchFamily="18" charset="0"/>
               </a:rPr>
-              <a:t>кључна</a:t>
+              <a:t>реч</a:t>
             </a:r>
             <a:r>
               <a:rPr lang="ru-RU" sz="2400" dirty="0" smtClean="0">
@@ -11981,38 +12605,20 @@
               <a:t> </a:t>
             </a:r>
             <a:r>
-              <a:rPr lang="ru-RU" sz="2400" dirty="0" err="1" smtClean="0">
+              <a:rPr lang="en-GB" sz="1800" dirty="0" smtClean="0"/>
+              <a:t>throws</a:t>
+            </a:r>
+            <a:r>
+              <a:rPr lang="sr-Cyrl-RS" sz="1800" dirty="0">
                 <a:latin typeface="Garamond" pitchFamily="18" charset="0"/>
               </a:rPr>
-              <a:t>реч</a:t>
+              <a:t> </a:t>
             </a:r>
             <a:r>
               <a:rPr lang="ru-RU" sz="2400" dirty="0" smtClean="0">
                 <a:latin typeface="Garamond" pitchFamily="18" charset="0"/>
               </a:rPr>
-              <a:t> </a:t>
-            </a:r>
-            <a:r>
-              <a:rPr lang="en-GB" sz="1800" dirty="0" smtClean="0"/>
-              <a:t>throws</a:t>
-            </a:r>
-            <a:r>
-              <a:rPr lang="sr-Cyrl-RS" sz="1800" dirty="0">
-                <a:latin typeface="Garamond" pitchFamily="18" charset="0"/>
-              </a:rPr>
-              <a:t> </a:t>
-            </a:r>
-            <a:r>
-              <a:rPr lang="ru-RU" sz="2400" dirty="0" smtClean="0">
-                <a:latin typeface="Garamond" pitchFamily="18" charset="0"/>
-              </a:rPr>
-              <a:t>и</a:t>
-            </a:r>
-            <a:r>
-              <a:rPr lang="ru-RU" sz="2400" dirty="0" smtClean="0">
-                <a:latin typeface="Garamond" pitchFamily="18" charset="0"/>
-              </a:rPr>
-              <a:t> листа </a:t>
+              <a:t>и листа </a:t>
             </a:r>
             <a:r>
               <a:rPr lang="ru-RU" sz="2400" dirty="0" err="1" smtClean="0">
@@ -13250,55 +13856,31 @@
               <a:rPr lang="ru-RU" sz="2400" dirty="0" smtClean="0">
                 <a:latin typeface="Garamond" pitchFamily="18" charset="0"/>
               </a:rPr>
-              <a:t> </a:t>
+              <a:t> се </a:t>
+            </a:r>
+            <a:r>
+              <a:rPr lang="ru-RU" sz="2400" dirty="0" err="1" smtClean="0">
+                <a:latin typeface="Garamond" pitchFamily="18" charset="0"/>
+              </a:rPr>
+              <a:t>одлучи</a:t>
             </a:r>
             <a:r>
               <a:rPr lang="ru-RU" sz="2400" dirty="0" smtClean="0">
                 <a:latin typeface="Garamond" pitchFamily="18" charset="0"/>
               </a:rPr>
-              <a:t>се </a:t>
+              <a:t> да се </a:t>
             </a:r>
             <a:r>
               <a:rPr lang="ru-RU" sz="2400" dirty="0" err="1" smtClean="0">
                 <a:latin typeface="Garamond" pitchFamily="18" charset="0"/>
               </a:rPr>
-              <a:t>одлучи</a:t>
+              <a:t>рукује</a:t>
             </a:r>
             <a:r>
               <a:rPr lang="ru-RU" sz="2400" dirty="0" smtClean="0">
                 <a:latin typeface="Garamond" pitchFamily="18" charset="0"/>
               </a:rPr>
-              <a:t> </a:t>
-            </a:r>
-            <a:r>
-              <a:rPr lang="ru-RU" sz="2400" dirty="0" smtClean="0">
-                <a:latin typeface="Garamond" pitchFamily="18" charset="0"/>
-              </a:rPr>
-              <a:t>да </a:t>
-            </a:r>
-            <a:r>
-              <a:rPr lang="ru-RU" sz="2400" dirty="0" smtClean="0">
-                <a:latin typeface="Garamond" pitchFamily="18" charset="0"/>
-              </a:rPr>
-              <a:t>се </a:t>
-            </a:r>
-            <a:r>
-              <a:rPr lang="ru-RU" sz="2400" dirty="0" err="1" smtClean="0">
-                <a:latin typeface="Garamond" pitchFamily="18" charset="0"/>
-              </a:rPr>
-              <a:t>рукује</a:t>
-            </a:r>
-            <a:r>
-              <a:rPr lang="ru-RU" sz="2400" dirty="0" smtClean="0">
-                <a:latin typeface="Garamond" pitchFamily="18" charset="0"/>
-              </a:rPr>
-              <a:t> </a:t>
-            </a:r>
-            <a:r>
-              <a:rPr lang="ru-RU" sz="2400" dirty="0" smtClean="0">
-                <a:latin typeface="Garamond" pitchFamily="18" charset="0"/>
-              </a:rPr>
-              <a:t>изузецима тамо где се они десе, потребно је укључити три врсте блокова кода у метод који рукује изузецима, и то су:</a:t>
+              <a:t> изузецима тамо где се они десе, потребно је укључити три врсте блокова кода у метод који рукује изузецима, и то су:</a:t>
             </a:r>
           </a:p>
           <a:p>
@@ -16727,13 +17309,7 @@
               <a:rPr lang="ru-RU" altLang="en-US" sz="2400" dirty="0" smtClean="0">
                 <a:latin typeface="Garamond" panose="02020404030301010803" pitchFamily="18" charset="0"/>
               </a:rPr>
-              <a:t> </a:t>
-            </a:r>
-            <a:r>
-              <a:rPr lang="ru-RU" altLang="en-US" sz="2400" dirty="0" smtClean="0">
-                <a:latin typeface="Garamond" panose="02020404030301010803" pitchFamily="18" charset="0"/>
-              </a:rPr>
-              <a:t>успешно </a:t>
+              <a:t> успешно </a:t>
             </a:r>
             <a:r>
               <a:rPr lang="ru-RU" altLang="en-US" sz="2400" dirty="0" err="1" smtClean="0">
@@ -16747,9 +17323,6 @@
               </a:rPr>
               <a:t>.</a:t>
             </a:r>
-            <a:endParaRPr lang="ru-RU" altLang="en-US" sz="2400" dirty="0" smtClean="0">
-              <a:latin typeface="Garamond" panose="02020404030301010803" pitchFamily="18" charset="0"/>
-            </a:endParaRPr>
           </a:p>
           <a:p>
             <a:pPr>
@@ -17502,7 +18075,31 @@
                   <a:srgbClr val="3366FF"/>
                 </a:solidFill>
               </a:rPr>
-              <a:t>Изузеци </a:t>
+              <a:t>Изузеци</a:t>
+            </a:r>
+            <a:r>
+              <a:rPr lang="en-US" altLang="en-US" sz="5400" dirty="0" smtClean="0">
+                <a:solidFill>
+                  <a:srgbClr val="3366FF"/>
+                </a:solidFill>
+              </a:rPr>
+              <a:t> </a:t>
+            </a:r>
+            <a:r>
+              <a:rPr lang="sr-Cyrl-RS" altLang="en-US" sz="5400" dirty="0" smtClean="0">
+                <a:solidFill>
+                  <a:srgbClr val="3366FF"/>
+                </a:solidFill>
+              </a:rPr>
+              <a:t>и тврдње </a:t>
+            </a:r>
+            <a:r>
+              <a:rPr lang="sr-Cyrl-RS" altLang="en-US" sz="5400" dirty="0" smtClean="0">
+                <a:solidFill>
+                  <a:srgbClr val="3366FF"/>
+                </a:solidFill>
+              </a:rPr>
+              <a:t/>
             </a:r>
             <a:br>
               <a:rPr lang="sr-Cyrl-RS" altLang="en-US" sz="5400" dirty="0" smtClean="0">
@@ -20907,13 +21504,7 @@
               <a:rPr lang="ru-RU" altLang="en-US" sz="2000" dirty="0" smtClean="0">
                 <a:latin typeface="Garamond" panose="02020404030301010803" pitchFamily="18" charset="0"/>
               </a:rPr>
-              <a:t> </a:t>
-            </a:r>
-            <a:r>
-              <a:rPr lang="ru-RU" altLang="en-US" sz="2000" dirty="0" smtClean="0">
-                <a:latin typeface="Garamond" panose="02020404030301010803" pitchFamily="18" charset="0"/>
-              </a:rPr>
-              <a:t>те </a:t>
+              <a:t> те </a:t>
             </a:r>
             <a:r>
               <a:rPr lang="ru-RU" altLang="en-US" sz="2000" dirty="0" err="1" smtClean="0">
@@ -25188,13 +25779,7 @@
               <a:rPr lang="sr-Cyrl-RS" altLang="en-US" sz="2400" dirty="0" smtClean="0">
                 <a:latin typeface="Garamond" panose="02020404030301010803" pitchFamily="18" charset="0"/>
               </a:rPr>
-              <a:t>којом следи објекат типа изузетка који се </a:t>
-            </a:r>
-            <a:r>
-              <a:rPr lang="sr-Cyrl-RS" altLang="en-US" sz="2400" dirty="0" smtClean="0">
-                <a:latin typeface="Garamond" panose="02020404030301010803" pitchFamily="18" charset="0"/>
-              </a:rPr>
-              <a:t>избацује том наредбом.</a:t>
+              <a:t>којом следи објекат типа изузетка који се избацује том наредбом.</a:t>
             </a:r>
             <a:endParaRPr lang="en-GB" altLang="en-US" sz="2400" dirty="0" smtClean="0">
               <a:latin typeface="Garamond" panose="02020404030301010803" pitchFamily="18" charset="0"/>
@@ -26137,319 +26722,391 @@
       </p:grpSpPr>
       <p:sp>
         <p:nvSpPr>
-          <p:cNvPr id="31746" name="Rectangle 2"/>
+          <p:cNvPr id="30722" name="Rectangle 2"/>
           <p:cNvSpPr>
             <a:spLocks noGrp="1" noChangeArrowheads="1"/>
           </p:cNvSpPr>
           <p:nvPr>
-            <p:ph type="title" idx="4294967295"/>
+            <p:ph type="body" idx="1"/>
           </p:nvPr>
         </p:nvSpPr>
         <p:spPr>
           <a:xfrm>
-            <a:off x="3311525" y="427038"/>
-            <a:ext cx="5832475" cy="914400"/>
+            <a:off x="179388" y="1493838"/>
+            <a:ext cx="8785225" cy="4668837"/>
           </a:xfrm>
         </p:spPr>
         <p:txBody>
           <a:bodyPr/>
           <a:lstStyle/>
           <a:p>
-            <a:pPr eaLnBrk="1" hangingPunct="1"/>
-            <a:r>
-              <a:rPr lang="sr-Cyrl-RS" altLang="en-US" smtClean="0">
-                <a:solidFill>
-                  <a:srgbClr val="3366FF"/>
-                </a:solidFill>
-              </a:rPr>
-              <a:t>Захвалница</a:t>
-            </a:r>
-            <a:endParaRPr lang="sr-Latn-CS" altLang="en-US" smtClean="0">
+            <a:pPr>
+              <a:tabLst>
+                <a:tab pos="655638" algn="l"/>
+                <a:tab pos="1312863" algn="l"/>
+                <a:tab pos="1968500" algn="l"/>
+                <a:tab pos="2625725" algn="l"/>
+                <a:tab pos="3282950" algn="l"/>
+                <a:tab pos="3938588" algn="l"/>
+                <a:tab pos="4595813" algn="l"/>
+                <a:tab pos="5253038" algn="l"/>
+                <a:tab pos="5908675" algn="l"/>
+                <a:tab pos="6565900" algn="l"/>
+                <a:tab pos="7223125" algn="l"/>
+                <a:tab pos="7878763" algn="l"/>
+              </a:tabLst>
+            </a:pPr>
+            <a:r>
+              <a:rPr lang="sr-Cyrl-RS" altLang="en-US" sz="2400" dirty="0" smtClean="0">
+                <a:latin typeface="Garamond" panose="02020404030301010803" pitchFamily="18" charset="0"/>
+              </a:rPr>
+              <a:t>Тврдње допуштају да се тестира исправност било које од претпоставки која је направљена приликом писања програма</a:t>
+            </a:r>
+            <a:endParaRPr lang="en-US" altLang="en-US" sz="2400" dirty="0">
+              <a:latin typeface="Garamond" panose="02020404030301010803" pitchFamily="18" charset="0"/>
+            </a:endParaRPr>
+          </a:p>
+          <a:p>
+            <a:pPr>
+              <a:tabLst>
+                <a:tab pos="655638" algn="l"/>
+                <a:tab pos="1312863" algn="l"/>
+                <a:tab pos="1968500" algn="l"/>
+                <a:tab pos="2625725" algn="l"/>
+                <a:tab pos="3282950" algn="l"/>
+                <a:tab pos="3938588" algn="l"/>
+                <a:tab pos="4595813" algn="l"/>
+                <a:tab pos="5253038" algn="l"/>
+                <a:tab pos="5908675" algn="l"/>
+                <a:tab pos="6565900" algn="l"/>
+                <a:tab pos="7223125" algn="l"/>
+                <a:tab pos="7878763" algn="l"/>
+              </a:tabLst>
+            </a:pPr>
+            <a:r>
+              <a:rPr lang="sr-Cyrl-RS" altLang="en-US" sz="2400" dirty="0" smtClean="0">
+                <a:latin typeface="Garamond" panose="02020404030301010803" pitchFamily="18" charset="0"/>
+              </a:rPr>
+              <a:t>Тврдње се у Јави постављају помоћу наредбе </a:t>
+            </a:r>
+            <a:r>
+              <a:rPr lang="en-US" altLang="en-US" sz="2000" dirty="0" smtClean="0"/>
+              <a:t>assert</a:t>
+            </a:r>
+            <a:endParaRPr lang="sr-Cyrl-RS" altLang="en-US" sz="2400" dirty="0" smtClean="0"/>
+          </a:p>
+          <a:p>
+            <a:pPr>
+              <a:tabLst>
+                <a:tab pos="655638" algn="l"/>
+                <a:tab pos="1312863" algn="l"/>
+                <a:tab pos="1968500" algn="l"/>
+                <a:tab pos="2625725" algn="l"/>
+                <a:tab pos="3282950" algn="l"/>
+                <a:tab pos="3938588" algn="l"/>
+                <a:tab pos="4595813" algn="l"/>
+                <a:tab pos="5253038" algn="l"/>
+                <a:tab pos="5908675" algn="l"/>
+                <a:tab pos="6565900" algn="l"/>
+                <a:tab pos="7223125" algn="l"/>
+                <a:tab pos="7878763" algn="l"/>
+              </a:tabLst>
+            </a:pPr>
+            <a:r>
+              <a:rPr lang="en-US" altLang="en-US" sz="2400" dirty="0" smtClean="0">
+                <a:latin typeface="Garamond" panose="02020404030301010803" pitchFamily="18" charset="0"/>
+              </a:rPr>
+              <a:t> </a:t>
+            </a:r>
+            <a:r>
+              <a:rPr lang="sr-Cyrl-RS" altLang="en-US" sz="2400" dirty="0" smtClean="0">
+                <a:latin typeface="Garamond" panose="02020404030301010803" pitchFamily="18" charset="0"/>
+              </a:rPr>
+              <a:t>Током извршавања трдње, претпоставка је да је она тачна. Ако тврдња није тачна, тада ЈВМ избацује грешку типа </a:t>
+            </a:r>
+            <a:r>
+              <a:rPr lang="en-US" altLang="en-US" sz="2000" dirty="0" err="1" smtClean="0"/>
+              <a:t>AssertionError</a:t>
+            </a:r>
+            <a:endParaRPr lang="sr-Cyrl-RS" altLang="en-US" sz="2400" dirty="0" smtClean="0">
+              <a:latin typeface="Garamond" panose="02020404030301010803" pitchFamily="18" charset="0"/>
+            </a:endParaRPr>
+          </a:p>
+          <a:p>
+            <a:pPr>
+              <a:tabLst>
+                <a:tab pos="655638" algn="l"/>
+                <a:tab pos="1312863" algn="l"/>
+                <a:tab pos="1968500" algn="l"/>
+                <a:tab pos="2625725" algn="l"/>
+                <a:tab pos="3282950" algn="l"/>
+                <a:tab pos="3938588" algn="l"/>
+                <a:tab pos="4595813" algn="l"/>
+                <a:tab pos="5253038" algn="l"/>
+                <a:tab pos="5908675" algn="l"/>
+                <a:tab pos="6565900" algn="l"/>
+                <a:tab pos="7223125" algn="l"/>
+                <a:tab pos="7878763" algn="l"/>
+              </a:tabLst>
+            </a:pPr>
+            <a:r>
+              <a:rPr lang="sr-Cyrl-RS" altLang="en-US" sz="2400" dirty="0" smtClean="0">
+                <a:latin typeface="Garamond" panose="02020404030301010803" pitchFamily="18" charset="0"/>
+              </a:rPr>
+              <a:t>Тврдње се најчешће користе за потребе тестирања приликом развоја програма и њихово процесирање се по правилу искључује када програм пређе продукцију</a:t>
+            </a:r>
+          </a:p>
+          <a:p>
+            <a:pPr>
+              <a:tabLst>
+                <a:tab pos="655638" algn="l"/>
+                <a:tab pos="1312863" algn="l"/>
+                <a:tab pos="1968500" algn="l"/>
+                <a:tab pos="2625725" algn="l"/>
+                <a:tab pos="3282950" algn="l"/>
+                <a:tab pos="3938588" algn="l"/>
+                <a:tab pos="4595813" algn="l"/>
+                <a:tab pos="5253038" algn="l"/>
+                <a:tab pos="5908675" algn="l"/>
+                <a:tab pos="6565900" algn="l"/>
+                <a:tab pos="7223125" algn="l"/>
+                <a:tab pos="7878763" algn="l"/>
+              </a:tabLst>
+            </a:pPr>
+            <a:r>
+              <a:rPr lang="sr-Cyrl-RS" altLang="en-US" sz="2400" dirty="0" smtClean="0">
+                <a:latin typeface="Garamond" panose="02020404030301010803" pitchFamily="18" charset="0"/>
+              </a:rPr>
+              <a:t>Јединични тестови су у великој мери потписнули тврдње</a:t>
+            </a:r>
+            <a:endParaRPr lang="en-US" altLang="en-US" sz="2400" dirty="0">
+              <a:latin typeface="Garamond" panose="02020404030301010803" pitchFamily="18" charset="0"/>
+            </a:endParaRPr>
+          </a:p>
+          <a:p>
+            <a:pPr>
+              <a:tabLst>
+                <a:tab pos="655638" algn="l"/>
+                <a:tab pos="1312863" algn="l"/>
+                <a:tab pos="1968500" algn="l"/>
+                <a:tab pos="2625725" algn="l"/>
+                <a:tab pos="3282950" algn="l"/>
+                <a:tab pos="3938588" algn="l"/>
+                <a:tab pos="4595813" algn="l"/>
+                <a:tab pos="5253038" algn="l"/>
+                <a:tab pos="5908675" algn="l"/>
+                <a:tab pos="6565900" algn="l"/>
+                <a:tab pos="7223125" algn="l"/>
+                <a:tab pos="7878763" algn="l"/>
+              </a:tabLst>
+            </a:pPr>
+            <a:r>
+              <a:rPr lang="sr-Cyrl-RS" altLang="en-US" sz="2400" dirty="0" smtClean="0">
+                <a:latin typeface="Garamond" panose="02020404030301010803" pitchFamily="18" charset="0"/>
+              </a:rPr>
+              <a:t>Наредба</a:t>
+            </a:r>
+            <a:r>
+              <a:rPr lang="en-US" altLang="en-US" sz="2400" dirty="0" smtClean="0">
+                <a:latin typeface="Garamond" panose="02020404030301010803" pitchFamily="18" charset="0"/>
+              </a:rPr>
+              <a:t> </a:t>
+            </a:r>
+            <a:r>
+              <a:rPr lang="en-US" altLang="en-US" sz="2400" dirty="0">
+                <a:latin typeface="Garamond" panose="02020404030301010803" pitchFamily="18" charset="0"/>
+              </a:rPr>
+              <a:t>assert </a:t>
+            </a:r>
+            <a:r>
+              <a:rPr lang="sr-Cyrl-RS" altLang="en-US" sz="2400" dirty="0" smtClean="0">
+                <a:latin typeface="Garamond" panose="02020404030301010803" pitchFamily="18" charset="0"/>
+              </a:rPr>
+              <a:t>се може јавити у два облика:</a:t>
+            </a:r>
+            <a:endParaRPr lang="en-US" altLang="en-US" sz="2400" dirty="0">
+              <a:latin typeface="Garamond" panose="02020404030301010803" pitchFamily="18" charset="0"/>
+            </a:endParaRPr>
+          </a:p>
+          <a:p>
+            <a:pPr marL="457200" lvl="1" indent="0">
+              <a:buNone/>
+              <a:tabLst>
+                <a:tab pos="655638" algn="l"/>
+                <a:tab pos="1312863" algn="l"/>
+                <a:tab pos="1968500" algn="l"/>
+                <a:tab pos="2625725" algn="l"/>
+                <a:tab pos="3282950" algn="l"/>
+                <a:tab pos="3938588" algn="l"/>
+                <a:tab pos="4595813" algn="l"/>
+                <a:tab pos="5253038" algn="l"/>
+                <a:tab pos="5908675" algn="l"/>
+                <a:tab pos="6565900" algn="l"/>
+                <a:tab pos="7223125" algn="l"/>
+                <a:tab pos="7878763" algn="l"/>
+              </a:tabLst>
+            </a:pPr>
+            <a:r>
+              <a:rPr lang="sr-Cyrl-RS" altLang="en-US" sz="1900" dirty="0" smtClean="0">
+                <a:latin typeface="Garamond" panose="02020404030301010803" pitchFamily="18" charset="0"/>
+              </a:rPr>
+              <a:t>		</a:t>
+            </a:r>
+            <a:r>
+              <a:rPr lang="en-US" altLang="en-US" sz="2000" dirty="0" smtClean="0"/>
+              <a:t>assert </a:t>
+            </a:r>
+            <a:r>
+              <a:rPr lang="en-US" altLang="en-US" sz="2000" dirty="0" err="1" smtClean="0"/>
+              <a:t>logicki-izraz</a:t>
+            </a:r>
+            <a:r>
+              <a:rPr lang="en-US" altLang="en-US" sz="2000" dirty="0" smtClean="0"/>
+              <a:t>;</a:t>
+            </a:r>
+            <a:endParaRPr lang="sr-Cyrl-RS" altLang="en-US" sz="2000" dirty="0" smtClean="0"/>
+          </a:p>
+          <a:p>
+            <a:pPr marL="457200" lvl="1" indent="0">
+              <a:buNone/>
+              <a:tabLst>
+                <a:tab pos="655638" algn="l"/>
+                <a:tab pos="1312863" algn="l"/>
+                <a:tab pos="1968500" algn="l"/>
+                <a:tab pos="2625725" algn="l"/>
+                <a:tab pos="3282950" algn="l"/>
+                <a:tab pos="3938588" algn="l"/>
+                <a:tab pos="4595813" algn="l"/>
+                <a:tab pos="5253038" algn="l"/>
+                <a:tab pos="5908675" algn="l"/>
+                <a:tab pos="6565900" algn="l"/>
+                <a:tab pos="7223125" algn="l"/>
+                <a:tab pos="7878763" algn="l"/>
+              </a:tabLst>
+            </a:pPr>
+            <a:endParaRPr lang="en-US" altLang="en-US" sz="1900" dirty="0">
+              <a:latin typeface="Garamond" panose="02020404030301010803" pitchFamily="18" charset="0"/>
+            </a:endParaRPr>
+          </a:p>
+          <a:p>
+            <a:pPr marL="457200" lvl="1" indent="0">
+              <a:buNone/>
+              <a:tabLst>
+                <a:tab pos="655638" algn="l"/>
+                <a:tab pos="1312863" algn="l"/>
+                <a:tab pos="1968500" algn="l"/>
+                <a:tab pos="2625725" algn="l"/>
+                <a:tab pos="3282950" algn="l"/>
+                <a:tab pos="3938588" algn="l"/>
+                <a:tab pos="4595813" algn="l"/>
+                <a:tab pos="5253038" algn="l"/>
+                <a:tab pos="5908675" algn="l"/>
+                <a:tab pos="6565900" algn="l"/>
+                <a:tab pos="7223125" algn="l"/>
+                <a:tab pos="7878763" algn="l"/>
+              </a:tabLst>
+            </a:pPr>
+            <a:r>
+              <a:rPr lang="sr-Cyrl-RS" altLang="en-US" sz="1900" dirty="0" smtClean="0">
+                <a:latin typeface="Garamond" panose="02020404030301010803" pitchFamily="18" charset="0"/>
+              </a:rPr>
+              <a:t>		</a:t>
+            </a:r>
+            <a:r>
+              <a:rPr lang="en-US" altLang="en-US" sz="2000" dirty="0" smtClean="0"/>
+              <a:t>assert </a:t>
+            </a:r>
+            <a:r>
+              <a:rPr lang="en-US" altLang="en-US" sz="2000" dirty="0" err="1" smtClean="0"/>
+              <a:t>logicki-izraz</a:t>
+            </a:r>
+            <a:r>
+              <a:rPr lang="en-US" altLang="en-US" sz="2000" dirty="0" smtClean="0"/>
+              <a:t> </a:t>
+            </a:r>
+            <a:r>
+              <a:rPr lang="en-US" altLang="en-US" sz="2000" dirty="0"/>
+              <a:t>: </a:t>
+            </a:r>
+            <a:r>
+              <a:rPr lang="en-US" altLang="en-US" sz="2000" dirty="0" err="1" smtClean="0"/>
+              <a:t>niska-izraz</a:t>
+            </a:r>
+            <a:r>
+              <a:rPr lang="en-US" altLang="en-US" sz="2000" dirty="0" smtClean="0"/>
+              <a:t>;</a:t>
+            </a:r>
+            <a:endParaRPr lang="en-GB" altLang="en-US" sz="2000" dirty="0" smtClean="0"/>
+          </a:p>
+        </p:txBody>
+      </p:sp>
+      <p:sp>
+        <p:nvSpPr>
+          <p:cNvPr id="5" name="Rectangle 1"/>
+          <p:cNvSpPr>
+            <a:spLocks noGrp="1" noChangeArrowheads="1"/>
+          </p:cNvSpPr>
+          <p:nvPr>
+            <p:ph type="title"/>
+          </p:nvPr>
+        </p:nvSpPr>
+        <p:spPr>
+          <a:xfrm>
+            <a:off x="1476375" y="255588"/>
+            <a:ext cx="7667625" cy="1147762"/>
+          </a:xfrm>
+        </p:spPr>
+        <p:txBody>
+          <a:bodyPr/>
+          <a:lstStyle/>
+          <a:p>
+            <a:pPr marL="195843" indent="-195843">
+              <a:tabLst>
+                <a:tab pos="656650" algn="l"/>
+                <a:tab pos="1313299" algn="l"/>
+                <a:tab pos="1969949" algn="l"/>
+                <a:tab pos="2626599" algn="l"/>
+                <a:tab pos="3283248" algn="l"/>
+                <a:tab pos="3939898" algn="l"/>
+                <a:tab pos="4596548" algn="l"/>
+                <a:tab pos="5253198" algn="l"/>
+                <a:tab pos="5909847" algn="l"/>
+                <a:tab pos="6566497" algn="l"/>
+                <a:tab pos="7223147" algn="l"/>
+              </a:tabLst>
+              <a:defRPr/>
+            </a:pPr>
+            <a:r>
+              <a:rPr lang="sr-Cyrl-RS" dirty="0" smtClean="0">
+                <a:solidFill>
+                  <a:schemeClr val="accent1">
+                    <a:lumMod val="50000"/>
+                  </a:schemeClr>
+                </a:solidFill>
+              </a:rPr>
+              <a:t>Тврдње</a:t>
+            </a:r>
+            <a:endParaRPr lang="en-GB" dirty="0">
               <a:solidFill>
-                <a:srgbClr val="3366FF"/>
+                <a:schemeClr val="accent1">
+                  <a:lumMod val="50000"/>
+                </a:schemeClr>
               </a:solidFill>
             </a:endParaRPr>
           </a:p>
         </p:txBody>
       </p:sp>
-      <p:sp>
-        <p:nvSpPr>
-          <p:cNvPr id="8197" name="Text Box 3"/>
-          <p:cNvSpPr txBox="1">
-            <a:spLocks noChangeArrowheads="1"/>
-          </p:cNvSpPr>
-          <p:nvPr/>
-        </p:nvSpPr>
-        <p:spPr bwMode="auto">
-          <a:xfrm>
-            <a:off x="304800" y="1628775"/>
-            <a:ext cx="8610600" cy="4733925"/>
-          </a:xfrm>
-          <a:prstGeom prst="rect">
-            <a:avLst/>
-          </a:prstGeom>
-          <a:noFill/>
-          <a:ln>
-            <a:noFill/>
-          </a:ln>
-          <a:extLst>
-            <a:ext uri="{909E8E84-426E-40DD-AFC4-6F175D3DCCD1}">
-              <a14:hiddenFill xmlns:a14="http://schemas.microsoft.com/office/drawing/2010/main">
-                <a:solidFill>
-                  <a:srgbClr val="FFFFFF"/>
-                </a:solidFill>
-              </a14:hiddenFill>
-            </a:ext>
-            <a:ext uri="{91240B29-F687-4F45-9708-019B960494DF}">
-              <a14:hiddenLine xmlns:a14="http://schemas.microsoft.com/office/drawing/2010/main" w="9525">
-                <a:solidFill>
-                  <a:srgbClr val="000000"/>
-                </a:solidFill>
-                <a:miter lim="800000"/>
-                <a:headEnd/>
-                <a:tailEnd/>
-              </a14:hiddenLine>
-            </a:ext>
-          </a:extLst>
-        </p:spPr>
-        <p:txBody>
-          <a:bodyPr>
-            <a:spAutoFit/>
-          </a:bodyPr>
-          <a:lstStyle>
-            <a:lvl1pPr eaLnBrk="0" hangingPunct="0">
-              <a:spcBef>
-                <a:spcPct val="20000"/>
-              </a:spcBef>
-              <a:buClr>
-                <a:schemeClr val="accent1"/>
-              </a:buClr>
-              <a:buFont typeface="Wingdings" panose="05000000000000000000" pitchFamily="2" charset="2"/>
-              <a:buChar char="l"/>
-              <a:defRPr sz="3200">
-                <a:solidFill>
-                  <a:schemeClr val="tx1"/>
-                </a:solidFill>
-                <a:latin typeface="Arial" panose="020B0604020202020204" pitchFamily="34" charset="0"/>
-              </a:defRPr>
-            </a:lvl1pPr>
-            <a:lvl2pPr marL="742950" indent="-285750" eaLnBrk="0" hangingPunct="0">
-              <a:spcBef>
-                <a:spcPct val="20000"/>
-              </a:spcBef>
-              <a:buClr>
-                <a:schemeClr val="accent1"/>
-              </a:buClr>
-              <a:buFont typeface="Wingdings" panose="05000000000000000000" pitchFamily="2" charset="2"/>
-              <a:buChar char="¡"/>
-              <a:defRPr sz="2700">
-                <a:solidFill>
-                  <a:schemeClr val="tx1"/>
-                </a:solidFill>
-                <a:latin typeface="Arial" panose="020B0604020202020204" pitchFamily="34" charset="0"/>
-              </a:defRPr>
-            </a:lvl2pPr>
-            <a:lvl3pPr marL="1143000" indent="-228600" eaLnBrk="0" hangingPunct="0">
-              <a:spcBef>
-                <a:spcPct val="20000"/>
-              </a:spcBef>
-              <a:buClr>
-                <a:schemeClr val="accent1"/>
-              </a:buClr>
-              <a:buFont typeface="Wingdings" panose="05000000000000000000" pitchFamily="2" charset="2"/>
-              <a:buChar char="l"/>
-              <a:defRPr sz="2300">
-                <a:solidFill>
-                  <a:schemeClr val="tx1"/>
-                </a:solidFill>
-                <a:latin typeface="Arial" panose="020B0604020202020204" pitchFamily="34" charset="0"/>
-              </a:defRPr>
-            </a:lvl3pPr>
-            <a:lvl4pPr marL="1600200" indent="-228600" eaLnBrk="0" hangingPunct="0">
-              <a:spcBef>
-                <a:spcPct val="20000"/>
-              </a:spcBef>
-              <a:buClr>
-                <a:schemeClr val="accent1"/>
-              </a:buClr>
-              <a:buChar char="•"/>
-              <a:defRPr sz="2000">
-                <a:solidFill>
-                  <a:schemeClr val="tx1"/>
-                </a:solidFill>
-                <a:latin typeface="Arial" panose="020B0604020202020204" pitchFamily="34" charset="0"/>
-              </a:defRPr>
-            </a:lvl4pPr>
-            <a:lvl5pPr marL="2057400" indent="-228600" eaLnBrk="0" hangingPunct="0">
-              <a:spcBef>
-                <a:spcPct val="20000"/>
-              </a:spcBef>
-              <a:buClr>
-                <a:schemeClr val="accent1"/>
-              </a:buClr>
-              <a:buFont typeface="Wingdings" panose="05000000000000000000" pitchFamily="2" charset="2"/>
-              <a:buChar char=""/>
-              <a:defRPr sz="2000">
-                <a:solidFill>
-                  <a:schemeClr val="tx1"/>
-                </a:solidFill>
-                <a:latin typeface="Arial" panose="020B0604020202020204" pitchFamily="34" charset="0"/>
-              </a:defRPr>
-            </a:lvl5pPr>
-            <a:lvl6pPr marL="2514600" indent="-228600" eaLnBrk="0" fontAlgn="base" hangingPunct="0">
-              <a:spcBef>
-                <a:spcPct val="20000"/>
-              </a:spcBef>
-              <a:spcAft>
-                <a:spcPct val="0"/>
-              </a:spcAft>
-              <a:buClr>
-                <a:schemeClr val="accent1"/>
-              </a:buClr>
-              <a:buFont typeface="Wingdings" panose="05000000000000000000" pitchFamily="2" charset="2"/>
-              <a:buChar char=""/>
-              <a:defRPr sz="2000">
-                <a:solidFill>
-                  <a:schemeClr val="tx1"/>
-                </a:solidFill>
-                <a:latin typeface="Arial" panose="020B0604020202020204" pitchFamily="34" charset="0"/>
-              </a:defRPr>
-            </a:lvl6pPr>
-            <a:lvl7pPr marL="2971800" indent="-228600" eaLnBrk="0" fontAlgn="base" hangingPunct="0">
-              <a:spcBef>
-                <a:spcPct val="20000"/>
-              </a:spcBef>
-              <a:spcAft>
-                <a:spcPct val="0"/>
-              </a:spcAft>
-              <a:buClr>
-                <a:schemeClr val="accent1"/>
-              </a:buClr>
-              <a:buFont typeface="Wingdings" panose="05000000000000000000" pitchFamily="2" charset="2"/>
-              <a:buChar char=""/>
-              <a:defRPr sz="2000">
-                <a:solidFill>
-                  <a:schemeClr val="tx1"/>
-                </a:solidFill>
-                <a:latin typeface="Arial" panose="020B0604020202020204" pitchFamily="34" charset="0"/>
-              </a:defRPr>
-            </a:lvl7pPr>
-            <a:lvl8pPr marL="3429000" indent="-228600" eaLnBrk="0" fontAlgn="base" hangingPunct="0">
-              <a:spcBef>
-                <a:spcPct val="20000"/>
-              </a:spcBef>
-              <a:spcAft>
-                <a:spcPct val="0"/>
-              </a:spcAft>
-              <a:buClr>
-                <a:schemeClr val="accent1"/>
-              </a:buClr>
-              <a:buFont typeface="Wingdings" panose="05000000000000000000" pitchFamily="2" charset="2"/>
-              <a:buChar char=""/>
-              <a:defRPr sz="2000">
-                <a:solidFill>
-                  <a:schemeClr val="tx1"/>
-                </a:solidFill>
-                <a:latin typeface="Arial" panose="020B0604020202020204" pitchFamily="34" charset="0"/>
-              </a:defRPr>
-            </a:lvl8pPr>
-            <a:lvl9pPr marL="3886200" indent="-228600" eaLnBrk="0" fontAlgn="base" hangingPunct="0">
-              <a:spcBef>
-                <a:spcPct val="20000"/>
-              </a:spcBef>
-              <a:spcAft>
-                <a:spcPct val="0"/>
-              </a:spcAft>
-              <a:buClr>
-                <a:schemeClr val="accent1"/>
-              </a:buClr>
-              <a:buFont typeface="Wingdings" panose="05000000000000000000" pitchFamily="2" charset="2"/>
-              <a:buChar char=""/>
-              <a:defRPr sz="2000">
-                <a:solidFill>
-                  <a:schemeClr val="tx1"/>
-                </a:solidFill>
-                <a:latin typeface="Arial" panose="020B0604020202020204" pitchFamily="34" charset="0"/>
-              </a:defRPr>
-            </a:lvl9pPr>
-          </a:lstStyle>
-          <a:p>
-            <a:pPr eaLnBrk="1" hangingPunct="1">
-              <a:buClrTx/>
-              <a:buFontTx/>
-              <a:buNone/>
-            </a:pPr>
-            <a:r>
-              <a:rPr lang="sr-Cyrl-RS" altLang="en-US" sz="2600">
-                <a:solidFill>
-                  <a:srgbClr val="000073"/>
-                </a:solidFill>
-                <a:latin typeface="Garamond" panose="02020404030301010803" pitchFamily="18" charset="0"/>
-              </a:rPr>
-              <a:t>Велики део материјала који је укључен у ову презентацију је преузет из презентације коју је раније (у време када је он држао курс Објектно орјентисано програмирање) направио проф. др Душан Тошић.</a:t>
-            </a:r>
-          </a:p>
-          <a:p>
-            <a:pPr eaLnBrk="1" hangingPunct="1">
-              <a:buClrTx/>
-              <a:buFontTx/>
-              <a:buNone/>
-            </a:pPr>
-            <a:r>
-              <a:rPr lang="sr-Cyrl-RS" altLang="en-US" sz="2600">
-                <a:solidFill>
-                  <a:srgbClr val="000073"/>
-                </a:solidFill>
-                <a:latin typeface="Garamond" panose="02020404030301010803" pitchFamily="18" charset="0"/>
-              </a:rPr>
-              <a:t>Хвала проф. Тошићу што се сагласио са укључивањем тог материјала у садашњу презентацији, као и на помоћи коју ми је пружио током конципцирања и реализације курса. </a:t>
-            </a:r>
-          </a:p>
-          <a:p>
-            <a:pPr eaLnBrk="1" hangingPunct="1">
-              <a:buClrTx/>
-              <a:buFontTx/>
-              <a:buNone/>
-            </a:pPr>
-            <a:r>
-              <a:rPr lang="sr-Cyrl-RS" altLang="en-US" sz="2600">
-                <a:solidFill>
-                  <a:srgbClr val="000073"/>
-                </a:solidFill>
-                <a:latin typeface="Garamond" panose="02020404030301010803" pitchFamily="18" charset="0"/>
-              </a:rPr>
-              <a:t>Надаље, један део материјала је преузет од колегинице Марије Милановић. </a:t>
-            </a:r>
-          </a:p>
-          <a:p>
-            <a:pPr eaLnBrk="1" hangingPunct="1">
-              <a:buClrTx/>
-              <a:buFontTx/>
-              <a:buNone/>
-            </a:pPr>
-            <a:r>
-              <a:rPr lang="sr-Cyrl-RS" altLang="en-US" sz="2600">
-                <a:solidFill>
-                  <a:srgbClr val="000073"/>
-                </a:solidFill>
-                <a:latin typeface="Garamond" panose="02020404030301010803" pitchFamily="18" charset="0"/>
-              </a:rPr>
-              <a:t>Хвала Марији Милановић на помоћи у реализацији ове презентације.</a:t>
-            </a:r>
-            <a:endParaRPr lang="sr-Latn-CS" altLang="en-US" sz="2600">
-              <a:solidFill>
-                <a:srgbClr val="000073"/>
-              </a:solidFill>
-              <a:latin typeface="Garamond" panose="02020404030301010803" pitchFamily="18" charset="0"/>
-            </a:endParaRPr>
-          </a:p>
-        </p:txBody>
-      </p:sp>
     </p:spTree>
+    <p:extLst>
+      <p:ext uri="{BB962C8B-B14F-4D97-AF65-F5344CB8AC3E}">
+        <p14:creationId xmlns:p14="http://schemas.microsoft.com/office/powerpoint/2010/main" val="4265754372"/>
+      </p:ext>
+    </p:extLst>
   </p:cSld>
   <p:clrMapOvr>
     <a:masterClrMapping/>
   </p:clrMapOvr>
+  <p:transition spd="med"/>
   <p:timing>
     <p:tnLst>
       <p:par>
@@ -26462,9 +27119,6 @@
                     <p:cTn id="3" fill="hold" nodeType="clickPar">
                       <p:stCondLst>
                         <p:cond delay="indefinite"/>
-                        <p:cond evt="onBegin" delay="0">
-                          <p:tn val="2"/>
-                        </p:cond>
                       </p:stCondLst>
                       <p:childTnLst>
                         <p:par>
@@ -26474,7 +27128,7 @@
                             </p:stCondLst>
                             <p:childTnLst>
                               <p:par>
-                                <p:cTn id="5" presetID="10" presetClass="entr" presetSubtype="0" fill="hold" nodeType="withEffect">
+                                <p:cTn id="5" presetID="10" presetClass="entr" presetSubtype="0" fill="hold" nodeType="clickEffect">
                                   <p:stCondLst>
                                     <p:cond delay="0"/>
                                   </p:stCondLst>
@@ -26487,7 +27141,7 @@
                                           </p:stCondLst>
                                         </p:cTn>
                                         <p:tgtEl>
-                                          <p:spTgt spid="8197">
+                                          <p:spTgt spid="30722">
                                             <p:txEl>
                                               <p:pRg st="0" end="0"/>
                                             </p:txEl>
@@ -26505,7 +27159,7 @@
                                       <p:cBhvr>
                                         <p:cTn id="7" dur="500"/>
                                         <p:tgtEl>
-                                          <p:spTgt spid="8197">
+                                          <p:spTgt spid="30722">
                                             <p:txEl>
                                               <p:pRg st="0" end="0"/>
                                             </p:txEl>
@@ -26516,21 +27170,39 @@
                                   </p:childTnLst>
                                 </p:cTn>
                               </p:par>
+                            </p:childTnLst>
+                          </p:cTn>
+                        </p:par>
+                      </p:childTnLst>
+                    </p:cTn>
+                  </p:par>
+                  <p:par>
+                    <p:cTn id="8" fill="hold">
+                      <p:stCondLst>
+                        <p:cond delay="indefinite"/>
+                      </p:stCondLst>
+                      <p:childTnLst>
+                        <p:par>
+                          <p:cTn id="9" fill="hold">
+                            <p:stCondLst>
+                              <p:cond delay="0"/>
+                            </p:stCondLst>
+                            <p:childTnLst>
                               <p:par>
-                                <p:cTn id="8" presetID="10" presetClass="entr" presetSubtype="0" fill="hold" nodeType="withEffect">
+                                <p:cTn id="10" presetID="10" presetClass="entr" presetSubtype="0" fill="hold" nodeType="clickEffect">
                                   <p:stCondLst>
                                     <p:cond delay="0"/>
                                   </p:stCondLst>
                                   <p:childTnLst>
                                     <p:set>
                                       <p:cBhvr>
-                                        <p:cTn id="9" dur="1" fill="hold">
+                                        <p:cTn id="11" dur="1" fill="hold">
                                           <p:stCondLst>
                                             <p:cond delay="0"/>
                                           </p:stCondLst>
                                         </p:cTn>
                                         <p:tgtEl>
-                                          <p:spTgt spid="8197">
+                                          <p:spTgt spid="30722">
                                             <p:txEl>
                                               <p:pRg st="1" end="1"/>
                                             </p:txEl>
@@ -26546,9 +27218,9 @@
                                     </p:set>
                                     <p:animEffect transition="in" filter="fade">
                                       <p:cBhvr>
-                                        <p:cTn id="10" dur="500"/>
+                                        <p:cTn id="12" dur="500"/>
                                         <p:tgtEl>
-                                          <p:spTgt spid="8197">
+                                          <p:spTgt spid="30722">
                                             <p:txEl>
                                               <p:pRg st="1" end="1"/>
                                             </p:txEl>
@@ -26559,21 +27231,39 @@
                                   </p:childTnLst>
                                 </p:cTn>
                               </p:par>
+                            </p:childTnLst>
+                          </p:cTn>
+                        </p:par>
+                      </p:childTnLst>
+                    </p:cTn>
+                  </p:par>
+                  <p:par>
+                    <p:cTn id="13" fill="hold">
+                      <p:stCondLst>
+                        <p:cond delay="indefinite"/>
+                      </p:stCondLst>
+                      <p:childTnLst>
+                        <p:par>
+                          <p:cTn id="14" fill="hold">
+                            <p:stCondLst>
+                              <p:cond delay="0"/>
+                            </p:stCondLst>
+                            <p:childTnLst>
                               <p:par>
-                                <p:cTn id="11" presetID="10" presetClass="entr" presetSubtype="0" fill="hold" nodeType="withEffect">
+                                <p:cTn id="15" presetID="10" presetClass="entr" presetSubtype="0" fill="hold" nodeType="clickEffect">
                                   <p:stCondLst>
                                     <p:cond delay="0"/>
                                   </p:stCondLst>
                                   <p:childTnLst>
                                     <p:set>
                                       <p:cBhvr>
-                                        <p:cTn id="12" dur="1" fill="hold">
+                                        <p:cTn id="16" dur="1" fill="hold">
                                           <p:stCondLst>
                                             <p:cond delay="0"/>
                                           </p:stCondLst>
                                         </p:cTn>
                                         <p:tgtEl>
-                                          <p:spTgt spid="8197">
+                                          <p:spTgt spid="30722">
                                             <p:txEl>
                                               <p:pRg st="2" end="2"/>
                                             </p:txEl>
@@ -26589,9 +27279,9 @@
                                     </p:set>
                                     <p:animEffect transition="in" filter="fade">
                                       <p:cBhvr>
-                                        <p:cTn id="13" dur="500"/>
+                                        <p:cTn id="17" dur="500"/>
                                         <p:tgtEl>
-                                          <p:spTgt spid="8197">
+                                          <p:spTgt spid="30722">
                                             <p:txEl>
                                               <p:pRg st="2" end="2"/>
                                             </p:txEl>
@@ -26602,21 +27292,39 @@
                                   </p:childTnLst>
                                 </p:cTn>
                               </p:par>
+                            </p:childTnLst>
+                          </p:cTn>
+                        </p:par>
+                      </p:childTnLst>
+                    </p:cTn>
+                  </p:par>
+                  <p:par>
+                    <p:cTn id="18" fill="hold">
+                      <p:stCondLst>
+                        <p:cond delay="indefinite"/>
+                      </p:stCondLst>
+                      <p:childTnLst>
+                        <p:par>
+                          <p:cTn id="19" fill="hold">
+                            <p:stCondLst>
+                              <p:cond delay="0"/>
+                            </p:stCondLst>
+                            <p:childTnLst>
                               <p:par>
-                                <p:cTn id="14" presetID="10" presetClass="entr" presetSubtype="0" fill="hold" nodeType="withEffect">
+                                <p:cTn id="20" presetID="10" presetClass="entr" presetSubtype="0" fill="hold" nodeType="clickEffect">
                                   <p:stCondLst>
                                     <p:cond delay="0"/>
                                   </p:stCondLst>
                                   <p:childTnLst>
                                     <p:set>
                                       <p:cBhvr>
-                                        <p:cTn id="15" dur="1" fill="hold">
+                                        <p:cTn id="21" dur="1" fill="hold">
                                           <p:stCondLst>
                                             <p:cond delay="0"/>
                                           </p:stCondLst>
                                         </p:cTn>
                                         <p:tgtEl>
-                                          <p:spTgt spid="8197">
+                                          <p:spTgt spid="30722">
                                             <p:txEl>
                                               <p:pRg st="3" end="3"/>
                                             </p:txEl>
@@ -26632,11 +27340,1378 @@
                                     </p:set>
                                     <p:animEffect transition="in" filter="fade">
                                       <p:cBhvr>
-                                        <p:cTn id="16" dur="500"/>
+                                        <p:cTn id="22" dur="500"/>
                                         <p:tgtEl>
-                                          <p:spTgt spid="8197">
+                                          <p:spTgt spid="30722">
                                             <p:txEl>
                                               <p:pRg st="3" end="3"/>
+                                            </p:txEl>
+                                          </p:spTgt>
+                                        </p:tgtEl>
+                                      </p:cBhvr>
+                                    </p:animEffect>
+                                  </p:childTnLst>
+                                </p:cTn>
+                              </p:par>
+                            </p:childTnLst>
+                          </p:cTn>
+                        </p:par>
+                      </p:childTnLst>
+                    </p:cTn>
+                  </p:par>
+                  <p:par>
+                    <p:cTn id="23" fill="hold">
+                      <p:stCondLst>
+                        <p:cond delay="indefinite"/>
+                      </p:stCondLst>
+                      <p:childTnLst>
+                        <p:par>
+                          <p:cTn id="24" fill="hold">
+                            <p:stCondLst>
+                              <p:cond delay="0"/>
+                            </p:stCondLst>
+                            <p:childTnLst>
+                              <p:par>
+                                <p:cTn id="25" presetID="10" presetClass="entr" presetSubtype="0" fill="hold" nodeType="clickEffect">
+                                  <p:stCondLst>
+                                    <p:cond delay="0"/>
+                                  </p:stCondLst>
+                                  <p:childTnLst>
+                                    <p:set>
+                                      <p:cBhvr>
+                                        <p:cTn id="26" dur="1" fill="hold">
+                                          <p:stCondLst>
+                                            <p:cond delay="0"/>
+                                          </p:stCondLst>
+                                        </p:cTn>
+                                        <p:tgtEl>
+                                          <p:spTgt spid="30722">
+                                            <p:txEl>
+                                              <p:pRg st="4" end="4"/>
+                                            </p:txEl>
+                                          </p:spTgt>
+                                        </p:tgtEl>
+                                        <p:attrNameLst>
+                                          <p:attrName>style.visibility</p:attrName>
+                                        </p:attrNameLst>
+                                      </p:cBhvr>
+                                      <p:to>
+                                        <p:strVal val="visible"/>
+                                      </p:to>
+                                    </p:set>
+                                    <p:animEffect transition="in" filter="fade">
+                                      <p:cBhvr>
+                                        <p:cTn id="27" dur="500"/>
+                                        <p:tgtEl>
+                                          <p:spTgt spid="30722">
+                                            <p:txEl>
+                                              <p:pRg st="4" end="4"/>
+                                            </p:txEl>
+                                          </p:spTgt>
+                                        </p:tgtEl>
+                                      </p:cBhvr>
+                                    </p:animEffect>
+                                  </p:childTnLst>
+                                </p:cTn>
+                              </p:par>
+                            </p:childTnLst>
+                          </p:cTn>
+                        </p:par>
+                      </p:childTnLst>
+                    </p:cTn>
+                  </p:par>
+                  <p:par>
+                    <p:cTn id="28" fill="hold">
+                      <p:stCondLst>
+                        <p:cond delay="indefinite"/>
+                      </p:stCondLst>
+                      <p:childTnLst>
+                        <p:par>
+                          <p:cTn id="29" fill="hold">
+                            <p:stCondLst>
+                              <p:cond delay="0"/>
+                            </p:stCondLst>
+                            <p:childTnLst>
+                              <p:par>
+                                <p:cTn id="30" presetID="10" presetClass="entr" presetSubtype="0" fill="hold" nodeType="clickEffect">
+                                  <p:stCondLst>
+                                    <p:cond delay="0"/>
+                                  </p:stCondLst>
+                                  <p:childTnLst>
+                                    <p:set>
+                                      <p:cBhvr>
+                                        <p:cTn id="31" dur="1" fill="hold">
+                                          <p:stCondLst>
+                                            <p:cond delay="0"/>
+                                          </p:stCondLst>
+                                        </p:cTn>
+                                        <p:tgtEl>
+                                          <p:spTgt spid="30722">
+                                            <p:txEl>
+                                              <p:pRg st="5" end="5"/>
+                                            </p:txEl>
+                                          </p:spTgt>
+                                        </p:tgtEl>
+                                        <p:attrNameLst>
+                                          <p:attrName>style.visibility</p:attrName>
+                                        </p:attrNameLst>
+                                      </p:cBhvr>
+                                      <p:to>
+                                        <p:strVal val="visible"/>
+                                      </p:to>
+                                    </p:set>
+                                    <p:animEffect transition="in" filter="fade">
+                                      <p:cBhvr>
+                                        <p:cTn id="32" dur="500"/>
+                                        <p:tgtEl>
+                                          <p:spTgt spid="30722">
+                                            <p:txEl>
+                                              <p:pRg st="5" end="5"/>
+                                            </p:txEl>
+                                          </p:spTgt>
+                                        </p:tgtEl>
+                                      </p:cBhvr>
+                                    </p:animEffect>
+                                  </p:childTnLst>
+                                </p:cTn>
+                              </p:par>
+                              <p:par>
+                                <p:cTn id="33" presetID="10" presetClass="entr" presetSubtype="0" fill="hold" nodeType="withEffect">
+                                  <p:stCondLst>
+                                    <p:cond delay="0"/>
+                                  </p:stCondLst>
+                                  <p:childTnLst>
+                                    <p:set>
+                                      <p:cBhvr>
+                                        <p:cTn id="34" dur="1" fill="hold">
+                                          <p:stCondLst>
+                                            <p:cond delay="0"/>
+                                          </p:stCondLst>
+                                        </p:cTn>
+                                        <p:tgtEl>
+                                          <p:spTgt spid="30722">
+                                            <p:txEl>
+                                              <p:pRg st="6" end="6"/>
+                                            </p:txEl>
+                                          </p:spTgt>
+                                        </p:tgtEl>
+                                        <p:attrNameLst>
+                                          <p:attrName>style.visibility</p:attrName>
+                                        </p:attrNameLst>
+                                      </p:cBhvr>
+                                      <p:to>
+                                        <p:strVal val="visible"/>
+                                      </p:to>
+                                    </p:set>
+                                    <p:animEffect transition="in" filter="fade">
+                                      <p:cBhvr>
+                                        <p:cTn id="35" dur="500"/>
+                                        <p:tgtEl>
+                                          <p:spTgt spid="30722">
+                                            <p:txEl>
+                                              <p:pRg st="6" end="6"/>
+                                            </p:txEl>
+                                          </p:spTgt>
+                                        </p:tgtEl>
+                                      </p:cBhvr>
+                                    </p:animEffect>
+                                  </p:childTnLst>
+                                </p:cTn>
+                              </p:par>
+                              <p:par>
+                                <p:cTn id="36" presetID="10" presetClass="entr" presetSubtype="0" fill="hold" nodeType="withEffect">
+                                  <p:stCondLst>
+                                    <p:cond delay="0"/>
+                                  </p:stCondLst>
+                                  <p:childTnLst>
+                                    <p:set>
+                                      <p:cBhvr>
+                                        <p:cTn id="37" dur="1" fill="hold">
+                                          <p:stCondLst>
+                                            <p:cond delay="0"/>
+                                          </p:stCondLst>
+                                        </p:cTn>
+                                        <p:tgtEl>
+                                          <p:spTgt spid="30722">
+                                            <p:txEl>
+                                              <p:pRg st="8" end="8"/>
+                                            </p:txEl>
+                                          </p:spTgt>
+                                        </p:tgtEl>
+                                        <p:attrNameLst>
+                                          <p:attrName>style.visibility</p:attrName>
+                                        </p:attrNameLst>
+                                      </p:cBhvr>
+                                      <p:to>
+                                        <p:strVal val="visible"/>
+                                      </p:to>
+                                    </p:set>
+                                    <p:animEffect transition="in" filter="fade">
+                                      <p:cBhvr>
+                                        <p:cTn id="38" dur="500"/>
+                                        <p:tgtEl>
+                                          <p:spTgt spid="30722">
+                                            <p:txEl>
+                                              <p:pRg st="8" end="8"/>
+                                            </p:txEl>
+                                          </p:spTgt>
+                                        </p:tgtEl>
+                                      </p:cBhvr>
+                                    </p:animEffect>
+                                  </p:childTnLst>
+                                </p:cTn>
+                              </p:par>
+                            </p:childTnLst>
+                          </p:cTn>
+                        </p:par>
+                      </p:childTnLst>
+                    </p:cTn>
+                  </p:par>
+                </p:childTnLst>
+              </p:cTn>
+              <p:prevCondLst>
+                <p:cond evt="onPrev" delay="0">
+                  <p:tgtEl>
+                    <p:sldTgt/>
+                  </p:tgtEl>
+                </p:cond>
+              </p:prevCondLst>
+              <p:nextCondLst>
+                <p:cond evt="onNext" delay="0">
+                  <p:tgtEl>
+                    <p:sldTgt/>
+                  </p:tgtEl>
+                </p:cond>
+              </p:nextCondLst>
+            </p:seq>
+          </p:childTnLst>
+        </p:cTn>
+      </p:par>
+    </p:tnLst>
+  </p:timing>
+</p:sld>
+</file>
+
+<file path=ppt/slides/slide29.xml><?xml version="1.0" encoding="utf-8"?>
+<p:sld xmlns:a="http://schemas.openxmlformats.org/drawingml/2006/main" xmlns:r="http://schemas.openxmlformats.org/officeDocument/2006/relationships" xmlns:p="http://schemas.openxmlformats.org/presentationml/2006/main">
+  <p:cSld>
+    <p:spTree>
+      <p:nvGrpSpPr>
+        <p:cNvPr id="1" name=""/>
+        <p:cNvGrpSpPr/>
+        <p:nvPr/>
+      </p:nvGrpSpPr>
+      <p:grpSpPr>
+        <a:xfrm>
+          <a:off x="0" y="0"/>
+          <a:ext cx="0" cy="0"/>
+          <a:chOff x="0" y="0"/>
+          <a:chExt cx="0" cy="0"/>
+        </a:xfrm>
+      </p:grpSpPr>
+      <p:sp>
+        <p:nvSpPr>
+          <p:cNvPr id="30722" name="Rectangle 2"/>
+          <p:cNvSpPr>
+            <a:spLocks noGrp="1" noChangeArrowheads="1"/>
+          </p:cNvSpPr>
+          <p:nvPr>
+            <p:ph type="body" idx="1"/>
+          </p:nvPr>
+        </p:nvSpPr>
+        <p:spPr>
+          <a:xfrm>
+            <a:off x="179388" y="1493838"/>
+            <a:ext cx="8785225" cy="4668837"/>
+          </a:xfrm>
+        </p:spPr>
+        <p:txBody>
+          <a:bodyPr/>
+          <a:lstStyle/>
+          <a:p>
+            <a:pPr>
+              <a:tabLst>
+                <a:tab pos="655638" algn="l"/>
+                <a:tab pos="1312863" algn="l"/>
+                <a:tab pos="1968500" algn="l"/>
+                <a:tab pos="2625725" algn="l"/>
+                <a:tab pos="3282950" algn="l"/>
+                <a:tab pos="3938588" algn="l"/>
+                <a:tab pos="4595813" algn="l"/>
+                <a:tab pos="5253038" algn="l"/>
+                <a:tab pos="5908675" algn="l"/>
+                <a:tab pos="6565900" algn="l"/>
+                <a:tab pos="7223125" algn="l"/>
+                <a:tab pos="7878763" algn="l"/>
+              </a:tabLst>
+            </a:pPr>
+            <a:r>
+              <a:rPr lang="sr-Cyrl-RS" altLang="en-US" sz="2400" dirty="0" smtClean="0">
+                <a:latin typeface="Garamond" panose="02020404030301010803" pitchFamily="18" charset="0"/>
+              </a:rPr>
+              <a:t>Омогућавање тврдњи</a:t>
+            </a:r>
+            <a:endParaRPr lang="en-US" altLang="en-US" sz="2400" dirty="0">
+              <a:latin typeface="Garamond" panose="02020404030301010803" pitchFamily="18" charset="0"/>
+            </a:endParaRPr>
+          </a:p>
+          <a:p>
+            <a:pPr lvl="1">
+              <a:tabLst>
+                <a:tab pos="655638" algn="l"/>
+                <a:tab pos="1312863" algn="l"/>
+                <a:tab pos="1968500" algn="l"/>
+                <a:tab pos="2625725" algn="l"/>
+                <a:tab pos="3282950" algn="l"/>
+                <a:tab pos="3938588" algn="l"/>
+                <a:tab pos="4595813" algn="l"/>
+                <a:tab pos="5253038" algn="l"/>
+                <a:tab pos="5908675" algn="l"/>
+                <a:tab pos="6565900" algn="l"/>
+                <a:tab pos="7223125" algn="l"/>
+                <a:tab pos="7878763" algn="l"/>
+              </a:tabLst>
+            </a:pPr>
+            <a:r>
+              <a:rPr lang="sr-Cyrl-RS" altLang="en-US" sz="2400" dirty="0" smtClean="0">
+                <a:latin typeface="Garamond" panose="02020404030301010803" pitchFamily="18" charset="0"/>
+              </a:rPr>
+              <a:t>Подразумевано је постављено да су тврдње онемогућене</a:t>
+            </a:r>
+          </a:p>
+          <a:p>
+            <a:pPr lvl="1">
+              <a:tabLst>
+                <a:tab pos="655638" algn="l"/>
+                <a:tab pos="1312863" algn="l"/>
+                <a:tab pos="1968500" algn="l"/>
+                <a:tab pos="2625725" algn="l"/>
+                <a:tab pos="3282950" algn="l"/>
+                <a:tab pos="3938588" algn="l"/>
+                <a:tab pos="4595813" algn="l"/>
+                <a:tab pos="5253038" algn="l"/>
+                <a:tab pos="5908675" algn="l"/>
+                <a:tab pos="6565900" algn="l"/>
+                <a:tab pos="7223125" algn="l"/>
+                <a:tab pos="7878763" algn="l"/>
+              </a:tabLst>
+            </a:pPr>
+            <a:r>
+              <a:rPr lang="sr-Cyrl-RS" altLang="en-US" sz="2400" dirty="0" smtClean="0">
+                <a:latin typeface="Garamond" panose="02020404030301010803" pitchFamily="18" charset="0"/>
+              </a:rPr>
+              <a:t>Покретање Јава програма тако да буду омогућене тврдње</a:t>
+            </a:r>
+            <a:r>
+              <a:rPr lang="en-US" altLang="en-US" sz="2400" dirty="0" smtClean="0">
+                <a:latin typeface="Garamond" panose="02020404030301010803" pitchFamily="18" charset="0"/>
+              </a:rPr>
+              <a:t> </a:t>
+            </a:r>
+            <a:r>
+              <a:rPr lang="sr-Cyrl-RS" altLang="en-US" sz="2400" dirty="0" smtClean="0">
+                <a:latin typeface="Garamond" panose="02020404030301010803" pitchFamily="18" charset="0"/>
+              </a:rPr>
+              <a:t>зактева укључивање </a:t>
+            </a:r>
+            <a:r>
+              <a:rPr lang="sr-Cyrl-RS" altLang="en-US" sz="2000" dirty="0" smtClean="0"/>
+              <a:t>–еа</a:t>
+            </a:r>
+            <a:r>
+              <a:rPr lang="sr-Cyrl-RS" altLang="en-US" sz="2400" dirty="0" smtClean="0">
+                <a:latin typeface="Garamond" panose="02020404030301010803" pitchFamily="18" charset="0"/>
+              </a:rPr>
+              <a:t> опције за ЈВМ.</a:t>
+            </a:r>
+          </a:p>
+          <a:p>
+            <a:pPr lvl="1">
+              <a:tabLst>
+                <a:tab pos="655638" algn="l"/>
+                <a:tab pos="1312863" algn="l"/>
+                <a:tab pos="1968500" algn="l"/>
+                <a:tab pos="2625725" algn="l"/>
+                <a:tab pos="3282950" algn="l"/>
+                <a:tab pos="3938588" algn="l"/>
+                <a:tab pos="4595813" algn="l"/>
+                <a:tab pos="5253038" algn="l"/>
+                <a:tab pos="5908675" algn="l"/>
+                <a:tab pos="6565900" algn="l"/>
+                <a:tab pos="7223125" algn="l"/>
+                <a:tab pos="7878763" algn="l"/>
+              </a:tabLst>
+            </a:pPr>
+            <a:r>
+              <a:rPr lang="sr-Cyrl-RS" altLang="en-US" sz="2400" dirty="0" smtClean="0">
+                <a:latin typeface="Garamond" panose="02020404030301010803" pitchFamily="18" charset="0"/>
+              </a:rPr>
+              <a:t>На пример, покретање </a:t>
+            </a:r>
+            <a:r>
+              <a:rPr lang="en-US" altLang="en-US" sz="2000" dirty="0" smtClean="0"/>
+              <a:t>main</a:t>
+            </a:r>
+            <a:r>
+              <a:rPr lang="en-US" altLang="en-US" sz="2400" dirty="0" smtClean="0">
+                <a:latin typeface="Garamond" panose="02020404030301010803" pitchFamily="18" charset="0"/>
+              </a:rPr>
+              <a:t> </a:t>
+            </a:r>
+            <a:r>
+              <a:rPr lang="sr-Cyrl-RS" altLang="en-US" sz="2400" dirty="0" smtClean="0">
+                <a:latin typeface="Garamond" panose="02020404030301010803" pitchFamily="18" charset="0"/>
+              </a:rPr>
+              <a:t>метода у класи </a:t>
+            </a:r>
+            <a:r>
+              <a:rPr lang="en-US" altLang="en-US" sz="2000" dirty="0" smtClean="0"/>
+              <a:t>Test</a:t>
+            </a:r>
+            <a:r>
+              <a:rPr lang="sr-Cyrl-RS" altLang="en-US" sz="2400" dirty="0" smtClean="0">
+                <a:latin typeface="Garamond" panose="02020404030301010803" pitchFamily="18" charset="0"/>
+              </a:rPr>
+              <a:t> садржаној у</a:t>
+            </a:r>
+            <a:r>
+              <a:rPr lang="en-US" altLang="en-US" sz="2400" dirty="0" smtClean="0">
+                <a:latin typeface="Garamond" panose="02020404030301010803" pitchFamily="18" charset="0"/>
+              </a:rPr>
+              <a:t> </a:t>
+            </a:r>
+            <a:r>
+              <a:rPr lang="sr-Cyrl-RS" altLang="en-US" sz="2400" dirty="0" smtClean="0">
+                <a:latin typeface="Garamond" panose="02020404030301010803" pitchFamily="18" charset="0"/>
+              </a:rPr>
+              <a:t>датотеци </a:t>
+            </a:r>
+            <a:r>
+              <a:rPr lang="en-US" altLang="en-US" sz="2000" dirty="0" smtClean="0"/>
+              <a:t>Test.java</a:t>
+            </a:r>
+            <a:r>
+              <a:rPr lang="en-US" altLang="en-US" sz="2400" dirty="0" smtClean="0">
+                <a:latin typeface="Garamond" panose="02020404030301010803" pitchFamily="18" charset="0"/>
+              </a:rPr>
+              <a:t> </a:t>
+            </a:r>
+            <a:r>
+              <a:rPr lang="sr-Cyrl-RS" altLang="en-US" sz="2400" dirty="0" smtClean="0">
+                <a:latin typeface="Garamond" panose="02020404030301010803" pitchFamily="18" charset="0"/>
+              </a:rPr>
+              <a:t>са омогућеним тврдњама постиже се са:</a:t>
+            </a:r>
+            <a:endParaRPr lang="en-US" altLang="en-US" sz="2400" dirty="0">
+              <a:latin typeface="Garamond" panose="02020404030301010803" pitchFamily="18" charset="0"/>
+            </a:endParaRPr>
+          </a:p>
+          <a:p>
+            <a:pPr marL="457200" lvl="1" indent="0">
+              <a:buNone/>
+              <a:tabLst>
+                <a:tab pos="655638" algn="l"/>
+                <a:tab pos="1312863" algn="l"/>
+                <a:tab pos="1968500" algn="l"/>
+                <a:tab pos="2625725" algn="l"/>
+                <a:tab pos="3282950" algn="l"/>
+                <a:tab pos="3938588" algn="l"/>
+                <a:tab pos="4595813" algn="l"/>
+                <a:tab pos="5253038" algn="l"/>
+                <a:tab pos="5908675" algn="l"/>
+                <a:tab pos="6565900" algn="l"/>
+                <a:tab pos="7223125" algn="l"/>
+                <a:tab pos="7878763" algn="l"/>
+              </a:tabLst>
+            </a:pPr>
+            <a:r>
+              <a:rPr lang="sr-Cyrl-RS" altLang="en-US" sz="1900" dirty="0" smtClean="0">
+                <a:latin typeface="Garamond" panose="02020404030301010803" pitchFamily="18" charset="0"/>
+              </a:rPr>
+              <a:t>		</a:t>
+            </a:r>
+            <a:r>
+              <a:rPr lang="en-US" altLang="en-US" sz="2000" dirty="0" smtClean="0"/>
+              <a:t>java </a:t>
+            </a:r>
+            <a:r>
+              <a:rPr lang="en-US" altLang="en-US" sz="2000" dirty="0"/>
+              <a:t>–</a:t>
+            </a:r>
+            <a:r>
+              <a:rPr lang="en-US" altLang="en-US" sz="2000" dirty="0" err="1"/>
+              <a:t>ea</a:t>
+            </a:r>
+            <a:r>
+              <a:rPr lang="en-US" altLang="en-US" sz="2000" dirty="0"/>
+              <a:t> Test</a:t>
+            </a:r>
+            <a:endParaRPr lang="en-US" altLang="en-US" sz="1900" dirty="0"/>
+          </a:p>
+          <a:p>
+            <a:pPr>
+              <a:tabLst>
+                <a:tab pos="655638" algn="l"/>
+                <a:tab pos="1312863" algn="l"/>
+                <a:tab pos="1968500" algn="l"/>
+                <a:tab pos="2625725" algn="l"/>
+                <a:tab pos="3282950" algn="l"/>
+                <a:tab pos="3938588" algn="l"/>
+                <a:tab pos="4595813" algn="l"/>
+                <a:tab pos="5253038" algn="l"/>
+                <a:tab pos="5908675" algn="l"/>
+                <a:tab pos="6565900" algn="l"/>
+                <a:tab pos="7223125" algn="l"/>
+                <a:tab pos="7878763" algn="l"/>
+              </a:tabLst>
+            </a:pPr>
+            <a:r>
+              <a:rPr lang="sr-Cyrl-RS" altLang="en-US" sz="2400" dirty="0" smtClean="0">
+                <a:latin typeface="Garamond" panose="02020404030301010803" pitchFamily="18" charset="0"/>
+              </a:rPr>
+              <a:t>Онемогућавање </a:t>
+            </a:r>
+            <a:r>
+              <a:rPr lang="sr-Cyrl-RS" altLang="en-US" sz="2400" dirty="0">
+                <a:latin typeface="Garamond" panose="02020404030301010803" pitchFamily="18" charset="0"/>
+              </a:rPr>
+              <a:t>тврдњи</a:t>
+            </a:r>
+            <a:endParaRPr lang="en-US" altLang="en-US" sz="2400" dirty="0">
+              <a:latin typeface="Garamond" panose="02020404030301010803" pitchFamily="18" charset="0"/>
+            </a:endParaRPr>
+          </a:p>
+          <a:p>
+            <a:pPr lvl="1">
+              <a:tabLst>
+                <a:tab pos="655638" algn="l"/>
+                <a:tab pos="1312863" algn="l"/>
+                <a:tab pos="1968500" algn="l"/>
+                <a:tab pos="2625725" algn="l"/>
+                <a:tab pos="3282950" algn="l"/>
+                <a:tab pos="3938588" algn="l"/>
+                <a:tab pos="4595813" algn="l"/>
+                <a:tab pos="5253038" algn="l"/>
+                <a:tab pos="5908675" algn="l"/>
+                <a:tab pos="6565900" algn="l"/>
+                <a:tab pos="7223125" algn="l"/>
+                <a:tab pos="7878763" algn="l"/>
+              </a:tabLst>
+            </a:pPr>
+            <a:r>
+              <a:rPr lang="sr-Cyrl-RS" altLang="en-US" sz="2400" dirty="0" smtClean="0">
+                <a:latin typeface="Garamond" panose="02020404030301010803" pitchFamily="18" charset="0"/>
+              </a:rPr>
+              <a:t>Покретање </a:t>
+            </a:r>
+            <a:r>
+              <a:rPr lang="sr-Cyrl-RS" altLang="en-US" sz="2400" dirty="0">
+                <a:latin typeface="Garamond" panose="02020404030301010803" pitchFamily="18" charset="0"/>
+              </a:rPr>
+              <a:t>Јава програма тако да буду </a:t>
+            </a:r>
+            <a:r>
+              <a:rPr lang="sr-Cyrl-RS" altLang="en-US" sz="2400" dirty="0" smtClean="0">
+                <a:latin typeface="Garamond" panose="02020404030301010803" pitchFamily="18" charset="0"/>
+              </a:rPr>
+              <a:t>онемогућене </a:t>
+            </a:r>
+            <a:r>
+              <a:rPr lang="sr-Cyrl-RS" altLang="en-US" sz="2400" dirty="0">
+                <a:latin typeface="Garamond" panose="02020404030301010803" pitchFamily="18" charset="0"/>
+              </a:rPr>
+              <a:t>тврдње</a:t>
+            </a:r>
+            <a:r>
+              <a:rPr lang="en-US" altLang="en-US" sz="2400" dirty="0">
+                <a:latin typeface="Garamond" panose="02020404030301010803" pitchFamily="18" charset="0"/>
+              </a:rPr>
+              <a:t> </a:t>
+            </a:r>
+            <a:r>
+              <a:rPr lang="sr-Cyrl-RS" altLang="en-US" sz="2400" dirty="0">
+                <a:latin typeface="Garamond" panose="02020404030301010803" pitchFamily="18" charset="0"/>
+              </a:rPr>
+              <a:t>зактева укључивање </a:t>
+            </a:r>
+            <a:r>
+              <a:rPr lang="sr-Cyrl-RS" altLang="en-US" sz="2000" dirty="0" smtClean="0"/>
+              <a:t>–</a:t>
+            </a:r>
+            <a:r>
+              <a:rPr lang="en-US" altLang="en-US" sz="2000" dirty="0" smtClean="0"/>
+              <a:t>d</a:t>
+            </a:r>
+            <a:r>
+              <a:rPr lang="sr-Cyrl-RS" altLang="en-US" sz="2000" dirty="0" smtClean="0"/>
+              <a:t>а</a:t>
+            </a:r>
+            <a:r>
+              <a:rPr lang="sr-Cyrl-RS" altLang="en-US" sz="2400" dirty="0" smtClean="0">
+                <a:latin typeface="Garamond" panose="02020404030301010803" pitchFamily="18" charset="0"/>
+              </a:rPr>
+              <a:t> </a:t>
+            </a:r>
+            <a:r>
+              <a:rPr lang="sr-Cyrl-RS" altLang="en-US" sz="2400" dirty="0">
+                <a:latin typeface="Garamond" panose="02020404030301010803" pitchFamily="18" charset="0"/>
+              </a:rPr>
+              <a:t>опције за ЈВМ.</a:t>
+            </a:r>
+          </a:p>
+          <a:p>
+            <a:pPr lvl="1">
+              <a:tabLst>
+                <a:tab pos="655638" algn="l"/>
+                <a:tab pos="1312863" algn="l"/>
+                <a:tab pos="1968500" algn="l"/>
+                <a:tab pos="2625725" algn="l"/>
+                <a:tab pos="3282950" algn="l"/>
+                <a:tab pos="3938588" algn="l"/>
+                <a:tab pos="4595813" algn="l"/>
+                <a:tab pos="5253038" algn="l"/>
+                <a:tab pos="5908675" algn="l"/>
+                <a:tab pos="6565900" algn="l"/>
+                <a:tab pos="7223125" algn="l"/>
+                <a:tab pos="7878763" algn="l"/>
+              </a:tabLst>
+            </a:pPr>
+            <a:r>
+              <a:rPr lang="sr-Cyrl-RS" altLang="en-US" sz="2400" dirty="0">
+                <a:latin typeface="Garamond" panose="02020404030301010803" pitchFamily="18" charset="0"/>
+              </a:rPr>
+              <a:t>На пример, покретање </a:t>
+            </a:r>
+            <a:r>
+              <a:rPr lang="en-US" altLang="en-US" sz="2000" dirty="0"/>
+              <a:t>main</a:t>
+            </a:r>
+            <a:r>
+              <a:rPr lang="en-US" altLang="en-US" sz="2400" dirty="0">
+                <a:latin typeface="Garamond" panose="02020404030301010803" pitchFamily="18" charset="0"/>
+              </a:rPr>
+              <a:t> </a:t>
+            </a:r>
+            <a:r>
+              <a:rPr lang="sr-Cyrl-RS" altLang="en-US" sz="2400" dirty="0">
+                <a:latin typeface="Garamond" panose="02020404030301010803" pitchFamily="18" charset="0"/>
+              </a:rPr>
+              <a:t>метода у класи </a:t>
+            </a:r>
+            <a:r>
+              <a:rPr lang="en-US" altLang="en-US" sz="2000" dirty="0"/>
+              <a:t>Test</a:t>
+            </a:r>
+            <a:r>
+              <a:rPr lang="sr-Cyrl-RS" altLang="en-US" sz="2400" dirty="0">
+                <a:latin typeface="Garamond" panose="02020404030301010803" pitchFamily="18" charset="0"/>
+              </a:rPr>
+              <a:t> садржаној у</a:t>
+            </a:r>
+            <a:r>
+              <a:rPr lang="en-US" altLang="en-US" sz="2400" dirty="0">
+                <a:latin typeface="Garamond" panose="02020404030301010803" pitchFamily="18" charset="0"/>
+              </a:rPr>
+              <a:t> </a:t>
+            </a:r>
+            <a:r>
+              <a:rPr lang="sr-Cyrl-RS" altLang="en-US" sz="2400" dirty="0">
+                <a:latin typeface="Garamond" panose="02020404030301010803" pitchFamily="18" charset="0"/>
+              </a:rPr>
+              <a:t>датотеци </a:t>
+            </a:r>
+            <a:r>
+              <a:rPr lang="en-US" altLang="en-US" sz="2000" dirty="0"/>
+              <a:t>Test.java</a:t>
+            </a:r>
+            <a:r>
+              <a:rPr lang="en-US" altLang="en-US" sz="2400" dirty="0">
+                <a:latin typeface="Garamond" panose="02020404030301010803" pitchFamily="18" charset="0"/>
+              </a:rPr>
+              <a:t> </a:t>
+            </a:r>
+            <a:r>
+              <a:rPr lang="sr-Cyrl-RS" altLang="en-US" sz="2400" dirty="0">
+                <a:latin typeface="Garamond" panose="02020404030301010803" pitchFamily="18" charset="0"/>
+              </a:rPr>
+              <a:t>са </a:t>
+            </a:r>
+            <a:r>
+              <a:rPr lang="sr-Cyrl-RS" altLang="en-US" sz="2400" dirty="0" smtClean="0">
+                <a:latin typeface="Garamond" panose="02020404030301010803" pitchFamily="18" charset="0"/>
+              </a:rPr>
+              <a:t>онемогућеним </a:t>
+            </a:r>
+            <a:r>
+              <a:rPr lang="sr-Cyrl-RS" altLang="en-US" sz="2400" dirty="0">
+                <a:latin typeface="Garamond" panose="02020404030301010803" pitchFamily="18" charset="0"/>
+              </a:rPr>
+              <a:t>тврдњама </a:t>
+            </a:r>
+            <a:r>
+              <a:rPr lang="sr-Cyrl-RS" altLang="en-US" sz="2400" dirty="0" smtClean="0">
+                <a:latin typeface="Garamond" panose="02020404030301010803" pitchFamily="18" charset="0"/>
+              </a:rPr>
+              <a:t>постиже </a:t>
+            </a:r>
+            <a:r>
+              <a:rPr lang="sr-Cyrl-RS" altLang="en-US" sz="2400" dirty="0">
+                <a:latin typeface="Garamond" panose="02020404030301010803" pitchFamily="18" charset="0"/>
+              </a:rPr>
+              <a:t>се са</a:t>
+            </a:r>
+            <a:r>
+              <a:rPr lang="sr-Cyrl-RS" altLang="en-US" sz="2400" dirty="0" smtClean="0">
+                <a:latin typeface="Garamond" panose="02020404030301010803" pitchFamily="18" charset="0"/>
+              </a:rPr>
+              <a:t>:</a:t>
+            </a:r>
+          </a:p>
+          <a:p>
+            <a:pPr marL="457200" lvl="1" indent="0">
+              <a:buNone/>
+              <a:tabLst>
+                <a:tab pos="655638" algn="l"/>
+                <a:tab pos="1312863" algn="l"/>
+                <a:tab pos="1968500" algn="l"/>
+                <a:tab pos="2625725" algn="l"/>
+                <a:tab pos="3282950" algn="l"/>
+                <a:tab pos="3938588" algn="l"/>
+                <a:tab pos="4595813" algn="l"/>
+                <a:tab pos="5253038" algn="l"/>
+                <a:tab pos="5908675" algn="l"/>
+                <a:tab pos="6565900" algn="l"/>
+                <a:tab pos="7223125" algn="l"/>
+                <a:tab pos="7878763" algn="l"/>
+              </a:tabLst>
+            </a:pPr>
+            <a:r>
+              <a:rPr lang="sr-Cyrl-RS" altLang="en-US" sz="2000" dirty="0">
+                <a:latin typeface="Garamond" panose="02020404030301010803" pitchFamily="18" charset="0"/>
+              </a:rPr>
+              <a:t>	</a:t>
+            </a:r>
+            <a:r>
+              <a:rPr lang="en-US" altLang="en-US" sz="2000" dirty="0" smtClean="0">
+                <a:latin typeface="Garamond" panose="02020404030301010803" pitchFamily="18" charset="0"/>
+              </a:rPr>
+              <a:t>	</a:t>
+            </a:r>
+            <a:r>
+              <a:rPr lang="en-US" altLang="en-US" sz="2000" dirty="0" smtClean="0"/>
+              <a:t>java –</a:t>
+            </a:r>
+            <a:r>
+              <a:rPr lang="en-US" altLang="en-US" sz="2000" dirty="0"/>
+              <a:t>d</a:t>
+            </a:r>
+            <a:r>
+              <a:rPr lang="en-US" altLang="en-US" sz="2000" dirty="0" smtClean="0"/>
+              <a:t>a </a:t>
+            </a:r>
+            <a:r>
+              <a:rPr lang="en-US" altLang="en-US" sz="2000" dirty="0"/>
+              <a:t>Test</a:t>
+            </a:r>
+          </a:p>
+          <a:p>
+            <a:pPr marL="457200" lvl="1" indent="0">
+              <a:buNone/>
+              <a:tabLst>
+                <a:tab pos="655638" algn="l"/>
+                <a:tab pos="1312863" algn="l"/>
+                <a:tab pos="1968500" algn="l"/>
+                <a:tab pos="2625725" algn="l"/>
+                <a:tab pos="3282950" algn="l"/>
+                <a:tab pos="3938588" algn="l"/>
+                <a:tab pos="4595813" algn="l"/>
+                <a:tab pos="5253038" algn="l"/>
+                <a:tab pos="5908675" algn="l"/>
+                <a:tab pos="6565900" algn="l"/>
+                <a:tab pos="7223125" algn="l"/>
+                <a:tab pos="7878763" algn="l"/>
+              </a:tabLst>
+            </a:pPr>
+            <a:endParaRPr lang="en-US" altLang="en-US" sz="2400" dirty="0">
+              <a:latin typeface="Garamond" panose="02020404030301010803" pitchFamily="18" charset="0"/>
+            </a:endParaRPr>
+          </a:p>
+        </p:txBody>
+      </p:sp>
+      <p:sp>
+        <p:nvSpPr>
+          <p:cNvPr id="5" name="Rectangle 1"/>
+          <p:cNvSpPr>
+            <a:spLocks noGrp="1" noChangeArrowheads="1"/>
+          </p:cNvSpPr>
+          <p:nvPr>
+            <p:ph type="title"/>
+          </p:nvPr>
+        </p:nvSpPr>
+        <p:spPr>
+          <a:xfrm>
+            <a:off x="1476375" y="255588"/>
+            <a:ext cx="7667625" cy="1147762"/>
+          </a:xfrm>
+        </p:spPr>
+        <p:txBody>
+          <a:bodyPr/>
+          <a:lstStyle/>
+          <a:p>
+            <a:pPr marL="195843" indent="-195843">
+              <a:tabLst>
+                <a:tab pos="656650" algn="l"/>
+                <a:tab pos="1313299" algn="l"/>
+                <a:tab pos="1969949" algn="l"/>
+                <a:tab pos="2626599" algn="l"/>
+                <a:tab pos="3283248" algn="l"/>
+                <a:tab pos="3939898" algn="l"/>
+                <a:tab pos="4596548" algn="l"/>
+                <a:tab pos="5253198" algn="l"/>
+                <a:tab pos="5909847" algn="l"/>
+                <a:tab pos="6566497" algn="l"/>
+                <a:tab pos="7223147" algn="l"/>
+              </a:tabLst>
+              <a:defRPr/>
+            </a:pPr>
+            <a:r>
+              <a:rPr lang="sr-Cyrl-RS" dirty="0" smtClean="0">
+                <a:solidFill>
+                  <a:schemeClr val="accent1">
+                    <a:lumMod val="50000"/>
+                  </a:schemeClr>
+                </a:solidFill>
+              </a:rPr>
+              <a:t>Тврдње (2)</a:t>
+            </a:r>
+            <a:endParaRPr lang="en-GB" dirty="0">
+              <a:solidFill>
+                <a:schemeClr val="accent1">
+                  <a:lumMod val="50000"/>
+                </a:schemeClr>
+              </a:solidFill>
+            </a:endParaRPr>
+          </a:p>
+        </p:txBody>
+      </p:sp>
+    </p:spTree>
+    <p:extLst>
+      <p:ext uri="{BB962C8B-B14F-4D97-AF65-F5344CB8AC3E}">
+        <p14:creationId xmlns:p14="http://schemas.microsoft.com/office/powerpoint/2010/main" val="2050459569"/>
+      </p:ext>
+    </p:extLst>
+  </p:cSld>
+  <p:clrMapOvr>
+    <a:masterClrMapping/>
+  </p:clrMapOvr>
+  <p:transition spd="med"/>
+  <p:timing>
+    <p:tnLst>
+      <p:par>
+        <p:cTn id="1" dur="indefinite" restart="never" nodeType="tmRoot">
+          <p:childTnLst>
+            <p:seq concurrent="1" nextAc="seek">
+              <p:cTn id="2" dur="indefinite" nodeType="mainSeq">
+                <p:childTnLst>
+                  <p:par>
+                    <p:cTn id="3" fill="hold" nodeType="clickPar">
+                      <p:stCondLst>
+                        <p:cond delay="indefinite"/>
+                      </p:stCondLst>
+                      <p:childTnLst>
+                        <p:par>
+                          <p:cTn id="4" fill="hold" nodeType="withGroup">
+                            <p:stCondLst>
+                              <p:cond delay="0"/>
+                            </p:stCondLst>
+                            <p:childTnLst>
+                              <p:par>
+                                <p:cTn id="5" presetID="10" presetClass="entr" presetSubtype="0" fill="hold" nodeType="clickEffect">
+                                  <p:stCondLst>
+                                    <p:cond delay="0"/>
+                                  </p:stCondLst>
+                                  <p:childTnLst>
+                                    <p:set>
+                                      <p:cBhvr>
+                                        <p:cTn id="6" dur="1" fill="hold">
+                                          <p:stCondLst>
+                                            <p:cond delay="0"/>
+                                          </p:stCondLst>
+                                        </p:cTn>
+                                        <p:tgtEl>
+                                          <p:spTgt spid="30722">
+                                            <p:txEl>
+                                              <p:pRg st="0" end="0"/>
+                                            </p:txEl>
+                                          </p:spTgt>
+                                        </p:tgtEl>
+                                        <p:attrNameLst>
+                                          <p:attrName>style.visibility</p:attrName>
+                                        </p:attrNameLst>
+                                      </p:cBhvr>
+                                      <p:to>
+                                        <p:strVal val="visible"/>
+                                      </p:to>
+                                    </p:set>
+                                    <p:animEffect transition="in" filter="fade">
+                                      <p:cBhvr>
+                                        <p:cTn id="7" dur="500"/>
+                                        <p:tgtEl>
+                                          <p:spTgt spid="30722">
+                                            <p:txEl>
+                                              <p:pRg st="0" end="0"/>
+                                            </p:txEl>
+                                          </p:spTgt>
+                                        </p:tgtEl>
+                                      </p:cBhvr>
+                                    </p:animEffect>
+                                  </p:childTnLst>
+                                </p:cTn>
+                              </p:par>
+                            </p:childTnLst>
+                          </p:cTn>
+                        </p:par>
+                      </p:childTnLst>
+                    </p:cTn>
+                  </p:par>
+                  <p:par>
+                    <p:cTn id="8" fill="hold">
+                      <p:stCondLst>
+                        <p:cond delay="indefinite"/>
+                      </p:stCondLst>
+                      <p:childTnLst>
+                        <p:par>
+                          <p:cTn id="9" fill="hold">
+                            <p:stCondLst>
+                              <p:cond delay="0"/>
+                            </p:stCondLst>
+                            <p:childTnLst>
+                              <p:par>
+                                <p:cTn id="10" presetID="10" presetClass="entr" presetSubtype="0" fill="hold" nodeType="clickEffect">
+                                  <p:stCondLst>
+                                    <p:cond delay="0"/>
+                                  </p:stCondLst>
+                                  <p:childTnLst>
+                                    <p:set>
+                                      <p:cBhvr>
+                                        <p:cTn id="11" dur="1" fill="hold">
+                                          <p:stCondLst>
+                                            <p:cond delay="0"/>
+                                          </p:stCondLst>
+                                        </p:cTn>
+                                        <p:tgtEl>
+                                          <p:spTgt spid="30722">
+                                            <p:txEl>
+                                              <p:pRg st="1" end="1"/>
+                                            </p:txEl>
+                                          </p:spTgt>
+                                        </p:tgtEl>
+                                        <p:attrNameLst>
+                                          <p:attrName>style.visibility</p:attrName>
+                                        </p:attrNameLst>
+                                      </p:cBhvr>
+                                      <p:to>
+                                        <p:strVal val="visible"/>
+                                      </p:to>
+                                    </p:set>
+                                    <p:animEffect transition="in" filter="fade">
+                                      <p:cBhvr>
+                                        <p:cTn id="12" dur="500"/>
+                                        <p:tgtEl>
+                                          <p:spTgt spid="30722">
+                                            <p:txEl>
+                                              <p:pRg st="1" end="1"/>
+                                            </p:txEl>
+                                          </p:spTgt>
+                                        </p:tgtEl>
+                                      </p:cBhvr>
+                                    </p:animEffect>
+                                  </p:childTnLst>
+                                </p:cTn>
+                              </p:par>
+                            </p:childTnLst>
+                          </p:cTn>
+                        </p:par>
+                      </p:childTnLst>
+                    </p:cTn>
+                  </p:par>
+                  <p:par>
+                    <p:cTn id="13" fill="hold">
+                      <p:stCondLst>
+                        <p:cond delay="indefinite"/>
+                      </p:stCondLst>
+                      <p:childTnLst>
+                        <p:par>
+                          <p:cTn id="14" fill="hold">
+                            <p:stCondLst>
+                              <p:cond delay="0"/>
+                            </p:stCondLst>
+                            <p:childTnLst>
+                              <p:par>
+                                <p:cTn id="15" presetID="10" presetClass="entr" presetSubtype="0" fill="hold" nodeType="clickEffect">
+                                  <p:stCondLst>
+                                    <p:cond delay="0"/>
+                                  </p:stCondLst>
+                                  <p:childTnLst>
+                                    <p:set>
+                                      <p:cBhvr>
+                                        <p:cTn id="16" dur="1" fill="hold">
+                                          <p:stCondLst>
+                                            <p:cond delay="0"/>
+                                          </p:stCondLst>
+                                        </p:cTn>
+                                        <p:tgtEl>
+                                          <p:spTgt spid="30722">
+                                            <p:txEl>
+                                              <p:pRg st="2" end="2"/>
+                                            </p:txEl>
+                                          </p:spTgt>
+                                        </p:tgtEl>
+                                        <p:attrNameLst>
+                                          <p:attrName>style.visibility</p:attrName>
+                                        </p:attrNameLst>
+                                      </p:cBhvr>
+                                      <p:to>
+                                        <p:strVal val="visible"/>
+                                      </p:to>
+                                    </p:set>
+                                    <p:animEffect transition="in" filter="fade">
+                                      <p:cBhvr>
+                                        <p:cTn id="17" dur="500"/>
+                                        <p:tgtEl>
+                                          <p:spTgt spid="30722">
+                                            <p:txEl>
+                                              <p:pRg st="2" end="2"/>
+                                            </p:txEl>
+                                          </p:spTgt>
+                                        </p:tgtEl>
+                                      </p:cBhvr>
+                                    </p:animEffect>
+                                  </p:childTnLst>
+                                </p:cTn>
+                              </p:par>
+                            </p:childTnLst>
+                          </p:cTn>
+                        </p:par>
+                      </p:childTnLst>
+                    </p:cTn>
+                  </p:par>
+                  <p:par>
+                    <p:cTn id="18" fill="hold">
+                      <p:stCondLst>
+                        <p:cond delay="indefinite"/>
+                      </p:stCondLst>
+                      <p:childTnLst>
+                        <p:par>
+                          <p:cTn id="19" fill="hold">
+                            <p:stCondLst>
+                              <p:cond delay="0"/>
+                            </p:stCondLst>
+                            <p:childTnLst>
+                              <p:par>
+                                <p:cTn id="20" presetID="10" presetClass="entr" presetSubtype="0" fill="hold" nodeType="clickEffect">
+                                  <p:stCondLst>
+                                    <p:cond delay="0"/>
+                                  </p:stCondLst>
+                                  <p:childTnLst>
+                                    <p:set>
+                                      <p:cBhvr>
+                                        <p:cTn id="21" dur="1" fill="hold">
+                                          <p:stCondLst>
+                                            <p:cond delay="0"/>
+                                          </p:stCondLst>
+                                        </p:cTn>
+                                        <p:tgtEl>
+                                          <p:spTgt spid="30722">
+                                            <p:txEl>
+                                              <p:pRg st="3" end="3"/>
+                                            </p:txEl>
+                                          </p:spTgt>
+                                        </p:tgtEl>
+                                        <p:attrNameLst>
+                                          <p:attrName>style.visibility</p:attrName>
+                                        </p:attrNameLst>
+                                      </p:cBhvr>
+                                      <p:to>
+                                        <p:strVal val="visible"/>
+                                      </p:to>
+                                    </p:set>
+                                    <p:animEffect transition="in" filter="fade">
+                                      <p:cBhvr>
+                                        <p:cTn id="22" dur="500"/>
+                                        <p:tgtEl>
+                                          <p:spTgt spid="30722">
+                                            <p:txEl>
+                                              <p:pRg st="3" end="3"/>
+                                            </p:txEl>
+                                          </p:spTgt>
+                                        </p:tgtEl>
+                                      </p:cBhvr>
+                                    </p:animEffect>
+                                  </p:childTnLst>
+                                </p:cTn>
+                              </p:par>
+                              <p:par>
+                                <p:cTn id="23" presetID="10" presetClass="entr" presetSubtype="0" fill="hold" nodeType="withEffect">
+                                  <p:stCondLst>
+                                    <p:cond delay="0"/>
+                                  </p:stCondLst>
+                                  <p:childTnLst>
+                                    <p:set>
+                                      <p:cBhvr>
+                                        <p:cTn id="24" dur="1" fill="hold">
+                                          <p:stCondLst>
+                                            <p:cond delay="0"/>
+                                          </p:stCondLst>
+                                        </p:cTn>
+                                        <p:tgtEl>
+                                          <p:spTgt spid="30722">
+                                            <p:txEl>
+                                              <p:pRg st="4" end="4"/>
+                                            </p:txEl>
+                                          </p:spTgt>
+                                        </p:tgtEl>
+                                        <p:attrNameLst>
+                                          <p:attrName>style.visibility</p:attrName>
+                                        </p:attrNameLst>
+                                      </p:cBhvr>
+                                      <p:to>
+                                        <p:strVal val="visible"/>
+                                      </p:to>
+                                    </p:set>
+                                    <p:animEffect transition="in" filter="fade">
+                                      <p:cBhvr>
+                                        <p:cTn id="25" dur="500"/>
+                                        <p:tgtEl>
+                                          <p:spTgt spid="30722">
+                                            <p:txEl>
+                                              <p:pRg st="4" end="4"/>
+                                            </p:txEl>
+                                          </p:spTgt>
+                                        </p:tgtEl>
+                                      </p:cBhvr>
+                                    </p:animEffect>
+                                  </p:childTnLst>
+                                </p:cTn>
+                              </p:par>
+                            </p:childTnLst>
+                          </p:cTn>
+                        </p:par>
+                      </p:childTnLst>
+                    </p:cTn>
+                  </p:par>
+                  <p:par>
+                    <p:cTn id="26" fill="hold">
+                      <p:stCondLst>
+                        <p:cond delay="indefinite"/>
+                      </p:stCondLst>
+                      <p:childTnLst>
+                        <p:par>
+                          <p:cTn id="27" fill="hold">
+                            <p:stCondLst>
+                              <p:cond delay="0"/>
+                            </p:stCondLst>
+                            <p:childTnLst>
+                              <p:par>
+                                <p:cTn id="28" presetID="10" presetClass="entr" presetSubtype="0" fill="hold" nodeType="clickEffect">
+                                  <p:stCondLst>
+                                    <p:cond delay="0"/>
+                                  </p:stCondLst>
+                                  <p:childTnLst>
+                                    <p:set>
+                                      <p:cBhvr>
+                                        <p:cTn id="29" dur="1" fill="hold">
+                                          <p:stCondLst>
+                                            <p:cond delay="0"/>
+                                          </p:stCondLst>
+                                        </p:cTn>
+                                        <p:tgtEl>
+                                          <p:spTgt spid="30722">
+                                            <p:txEl>
+                                              <p:pRg st="5" end="5"/>
+                                            </p:txEl>
+                                          </p:spTgt>
+                                        </p:tgtEl>
+                                        <p:attrNameLst>
+                                          <p:attrName>style.visibility</p:attrName>
+                                        </p:attrNameLst>
+                                      </p:cBhvr>
+                                      <p:to>
+                                        <p:strVal val="visible"/>
+                                      </p:to>
+                                    </p:set>
+                                    <p:animEffect transition="in" filter="fade">
+                                      <p:cBhvr>
+                                        <p:cTn id="30" dur="500"/>
+                                        <p:tgtEl>
+                                          <p:spTgt spid="30722">
+                                            <p:txEl>
+                                              <p:pRg st="5" end="5"/>
+                                            </p:txEl>
+                                          </p:spTgt>
+                                        </p:tgtEl>
+                                      </p:cBhvr>
+                                    </p:animEffect>
+                                  </p:childTnLst>
+                                </p:cTn>
+                              </p:par>
+                            </p:childTnLst>
+                          </p:cTn>
+                        </p:par>
+                      </p:childTnLst>
+                    </p:cTn>
+                  </p:par>
+                  <p:par>
+                    <p:cTn id="31" fill="hold">
+                      <p:stCondLst>
+                        <p:cond delay="indefinite"/>
+                      </p:stCondLst>
+                      <p:childTnLst>
+                        <p:par>
+                          <p:cTn id="32" fill="hold">
+                            <p:stCondLst>
+                              <p:cond delay="0"/>
+                            </p:stCondLst>
+                            <p:childTnLst>
+                              <p:par>
+                                <p:cTn id="33" presetID="10" presetClass="entr" presetSubtype="0" fill="hold" nodeType="clickEffect">
+                                  <p:stCondLst>
+                                    <p:cond delay="0"/>
+                                  </p:stCondLst>
+                                  <p:childTnLst>
+                                    <p:set>
+                                      <p:cBhvr>
+                                        <p:cTn id="34" dur="1" fill="hold">
+                                          <p:stCondLst>
+                                            <p:cond delay="0"/>
+                                          </p:stCondLst>
+                                        </p:cTn>
+                                        <p:tgtEl>
+                                          <p:spTgt spid="30722">
+                                            <p:txEl>
+                                              <p:pRg st="6" end="6"/>
+                                            </p:txEl>
+                                          </p:spTgt>
+                                        </p:tgtEl>
+                                        <p:attrNameLst>
+                                          <p:attrName>style.visibility</p:attrName>
+                                        </p:attrNameLst>
+                                      </p:cBhvr>
+                                      <p:to>
+                                        <p:strVal val="visible"/>
+                                      </p:to>
+                                    </p:set>
+                                    <p:animEffect transition="in" filter="fade">
+                                      <p:cBhvr>
+                                        <p:cTn id="35" dur="500"/>
+                                        <p:tgtEl>
+                                          <p:spTgt spid="30722">
+                                            <p:txEl>
+                                              <p:pRg st="6" end="6"/>
+                                            </p:txEl>
+                                          </p:spTgt>
+                                        </p:tgtEl>
+                                      </p:cBhvr>
+                                    </p:animEffect>
+                                  </p:childTnLst>
+                                </p:cTn>
+                              </p:par>
+                            </p:childTnLst>
+                          </p:cTn>
+                        </p:par>
+                      </p:childTnLst>
+                    </p:cTn>
+                  </p:par>
+                  <p:par>
+                    <p:cTn id="36" fill="hold">
+                      <p:stCondLst>
+                        <p:cond delay="indefinite"/>
+                      </p:stCondLst>
+                      <p:childTnLst>
+                        <p:par>
+                          <p:cTn id="37" fill="hold">
+                            <p:stCondLst>
+                              <p:cond delay="0"/>
+                            </p:stCondLst>
+                            <p:childTnLst>
+                              <p:par>
+                                <p:cTn id="38" presetID="10" presetClass="entr" presetSubtype="0" fill="hold" nodeType="clickEffect">
+                                  <p:stCondLst>
+                                    <p:cond delay="0"/>
+                                  </p:stCondLst>
+                                  <p:childTnLst>
+                                    <p:set>
+                                      <p:cBhvr>
+                                        <p:cTn id="39" dur="1" fill="hold">
+                                          <p:stCondLst>
+                                            <p:cond delay="0"/>
+                                          </p:stCondLst>
+                                        </p:cTn>
+                                        <p:tgtEl>
+                                          <p:spTgt spid="30722">
+                                            <p:txEl>
+                                              <p:pRg st="7" end="7"/>
+                                            </p:txEl>
+                                          </p:spTgt>
+                                        </p:tgtEl>
+                                        <p:attrNameLst>
+                                          <p:attrName>style.visibility</p:attrName>
+                                        </p:attrNameLst>
+                                      </p:cBhvr>
+                                      <p:to>
+                                        <p:strVal val="visible"/>
+                                      </p:to>
+                                    </p:set>
+                                    <p:animEffect transition="in" filter="fade">
+                                      <p:cBhvr>
+                                        <p:cTn id="40" dur="500"/>
+                                        <p:tgtEl>
+                                          <p:spTgt spid="30722">
+                                            <p:txEl>
+                                              <p:pRg st="7" end="7"/>
+                                            </p:txEl>
+                                          </p:spTgt>
+                                        </p:tgtEl>
+                                      </p:cBhvr>
+                                    </p:animEffect>
+                                  </p:childTnLst>
+                                </p:cTn>
+                              </p:par>
+                              <p:par>
+                                <p:cTn id="41" presetID="10" presetClass="entr" presetSubtype="0" fill="hold" nodeType="withEffect">
+                                  <p:stCondLst>
+                                    <p:cond delay="0"/>
+                                  </p:stCondLst>
+                                  <p:childTnLst>
+                                    <p:set>
+                                      <p:cBhvr>
+                                        <p:cTn id="42" dur="1" fill="hold">
+                                          <p:stCondLst>
+                                            <p:cond delay="0"/>
+                                          </p:stCondLst>
+                                        </p:cTn>
+                                        <p:tgtEl>
+                                          <p:spTgt spid="30722">
+                                            <p:txEl>
+                                              <p:pRg st="8" end="8"/>
+                                            </p:txEl>
+                                          </p:spTgt>
+                                        </p:tgtEl>
+                                        <p:attrNameLst>
+                                          <p:attrName>style.visibility</p:attrName>
+                                        </p:attrNameLst>
+                                      </p:cBhvr>
+                                      <p:to>
+                                        <p:strVal val="visible"/>
+                                      </p:to>
+                                    </p:set>
+                                    <p:animEffect transition="in" filter="fade">
+                                      <p:cBhvr>
+                                        <p:cTn id="43" dur="500"/>
+                                        <p:tgtEl>
+                                          <p:spTgt spid="30722">
+                                            <p:txEl>
+                                              <p:pRg st="8" end="8"/>
                                             </p:txEl>
                                           </p:spTgt>
                                         </p:tgtEl>
@@ -27602,6 +29677,2534 @@
                                         <p:cTn id="22" dur="500"/>
                                         <p:tgtEl>
                                           <p:spTgt spid="4098">
+                                            <p:txEl>
+                                              <p:pRg st="3" end="3"/>
+                                            </p:txEl>
+                                          </p:spTgt>
+                                        </p:tgtEl>
+                                      </p:cBhvr>
+                                    </p:animEffect>
+                                  </p:childTnLst>
+                                </p:cTn>
+                              </p:par>
+                            </p:childTnLst>
+                          </p:cTn>
+                        </p:par>
+                      </p:childTnLst>
+                    </p:cTn>
+                  </p:par>
+                </p:childTnLst>
+              </p:cTn>
+              <p:prevCondLst>
+                <p:cond evt="onPrev" delay="0">
+                  <p:tgtEl>
+                    <p:sldTgt/>
+                  </p:tgtEl>
+                </p:cond>
+              </p:prevCondLst>
+              <p:nextCondLst>
+                <p:cond evt="onNext" delay="0">
+                  <p:tgtEl>
+                    <p:sldTgt/>
+                  </p:tgtEl>
+                </p:cond>
+              </p:nextCondLst>
+            </p:seq>
+          </p:childTnLst>
+        </p:cTn>
+      </p:par>
+    </p:tnLst>
+  </p:timing>
+</p:sld>
+</file>
+
+<file path=ppt/slides/slide30.xml><?xml version="1.0" encoding="utf-8"?>
+<p:sld xmlns:a="http://schemas.openxmlformats.org/drawingml/2006/main" xmlns:r="http://schemas.openxmlformats.org/officeDocument/2006/relationships" xmlns:p="http://schemas.openxmlformats.org/presentationml/2006/main">
+  <p:cSld>
+    <p:spTree>
+      <p:nvGrpSpPr>
+        <p:cNvPr id="1" name=""/>
+        <p:cNvGrpSpPr/>
+        <p:nvPr/>
+      </p:nvGrpSpPr>
+      <p:grpSpPr>
+        <a:xfrm>
+          <a:off x="0" y="0"/>
+          <a:ext cx="0" cy="0"/>
+          <a:chOff x="0" y="0"/>
+          <a:chExt cx="0" cy="0"/>
+        </a:xfrm>
+      </p:grpSpPr>
+      <p:sp>
+        <p:nvSpPr>
+          <p:cNvPr id="30722" name="Rectangle 2"/>
+          <p:cNvSpPr>
+            <a:spLocks noGrp="1" noChangeArrowheads="1"/>
+          </p:cNvSpPr>
+          <p:nvPr>
+            <p:ph type="body" idx="1"/>
+          </p:nvPr>
+        </p:nvSpPr>
+        <p:spPr>
+          <a:xfrm>
+            <a:off x="179388" y="1493838"/>
+            <a:ext cx="8785225" cy="4668837"/>
+          </a:xfrm>
+        </p:spPr>
+        <p:txBody>
+          <a:bodyPr/>
+          <a:lstStyle/>
+          <a:p>
+            <a:pPr>
+              <a:tabLst>
+                <a:tab pos="655638" algn="l"/>
+                <a:tab pos="1312863" algn="l"/>
+                <a:tab pos="1968500" algn="l"/>
+                <a:tab pos="2625725" algn="l"/>
+                <a:tab pos="3282950" algn="l"/>
+                <a:tab pos="3938588" algn="l"/>
+                <a:tab pos="4595813" algn="l"/>
+                <a:tab pos="5253038" algn="l"/>
+                <a:tab pos="5908675" algn="l"/>
+                <a:tab pos="6565900" algn="l"/>
+                <a:tab pos="7223125" algn="l"/>
+                <a:tab pos="7878763" algn="l"/>
+              </a:tabLst>
+            </a:pPr>
+            <a:r>
+              <a:rPr lang="sr-Cyrl-RS" altLang="en-US" sz="2400" dirty="0" smtClean="0">
+                <a:latin typeface="Garamond" panose="02020404030301010803" pitchFamily="18" charset="0"/>
+              </a:rPr>
+              <a:t>Основни разлог за коришћење тврдњи је жеља програмера да провери да ли важе претпоставке које је увео и на којима се ослања његов програмски код</a:t>
+            </a:r>
+          </a:p>
+          <a:p>
+            <a:pPr>
+              <a:tabLst>
+                <a:tab pos="655638" algn="l"/>
+                <a:tab pos="1312863" algn="l"/>
+                <a:tab pos="1968500" algn="l"/>
+                <a:tab pos="2625725" algn="l"/>
+                <a:tab pos="3282950" algn="l"/>
+                <a:tab pos="3938588" algn="l"/>
+                <a:tab pos="4595813" algn="l"/>
+                <a:tab pos="5253038" algn="l"/>
+                <a:tab pos="5908675" algn="l"/>
+                <a:tab pos="6565900" algn="l"/>
+                <a:tab pos="7223125" algn="l"/>
+                <a:tab pos="7878763" algn="l"/>
+              </a:tabLst>
+            </a:pPr>
+            <a:r>
+              <a:rPr lang="sr-Cyrl-RS" altLang="en-US" sz="2400" dirty="0" smtClean="0">
+                <a:latin typeface="Garamond" panose="02020404030301010803" pitchFamily="18" charset="0"/>
+              </a:rPr>
+              <a:t>Тврдњама се обезбеђује:  </a:t>
+            </a:r>
+            <a:endParaRPr lang="en-US" altLang="en-US" sz="2400" dirty="0">
+              <a:latin typeface="Garamond" panose="02020404030301010803" pitchFamily="18" charset="0"/>
+            </a:endParaRPr>
+          </a:p>
+          <a:p>
+            <a:pPr lvl="1">
+              <a:tabLst>
+                <a:tab pos="655638" algn="l"/>
+                <a:tab pos="1312863" algn="l"/>
+                <a:tab pos="1968500" algn="l"/>
+                <a:tab pos="2625725" algn="l"/>
+                <a:tab pos="3282950" algn="l"/>
+                <a:tab pos="3938588" algn="l"/>
+                <a:tab pos="4595813" algn="l"/>
+                <a:tab pos="5253038" algn="l"/>
+                <a:tab pos="5908675" algn="l"/>
+                <a:tab pos="6565900" algn="l"/>
+                <a:tab pos="7223125" algn="l"/>
+                <a:tab pos="7878763" algn="l"/>
+              </a:tabLst>
+            </a:pPr>
+            <a:r>
+              <a:rPr lang="sr-Cyrl-RS" altLang="en-US" sz="2400" dirty="0" smtClean="0">
+                <a:latin typeface="Garamond" panose="02020404030301010803" pitchFamily="18" charset="0"/>
+              </a:rPr>
+              <a:t> да програмски код који изгледа недоступан заиста и јесте недоступан</a:t>
+            </a:r>
+          </a:p>
+          <a:p>
+            <a:pPr lvl="1">
+              <a:tabLst>
+                <a:tab pos="655638" algn="l"/>
+                <a:tab pos="1312863" algn="l"/>
+                <a:tab pos="1968500" algn="l"/>
+                <a:tab pos="2625725" algn="l"/>
+                <a:tab pos="3282950" algn="l"/>
+                <a:tab pos="3938588" algn="l"/>
+                <a:tab pos="4595813" algn="l"/>
+                <a:tab pos="5253038" algn="l"/>
+                <a:tab pos="5908675" algn="l"/>
+                <a:tab pos="6565900" algn="l"/>
+                <a:tab pos="7223125" algn="l"/>
+                <a:tab pos="7878763" algn="l"/>
+              </a:tabLst>
+            </a:pPr>
+            <a:r>
+              <a:rPr lang="sr-Cyrl-RS" altLang="en-US" sz="2400" dirty="0" smtClean="0">
+                <a:latin typeface="Garamond" panose="02020404030301010803" pitchFamily="18" charset="0"/>
+              </a:rPr>
+              <a:t> да претпоставке описане у коментарима заиста важе</a:t>
+            </a:r>
+            <a:endParaRPr lang="en-US" altLang="en-US" sz="2400" dirty="0">
+              <a:latin typeface="Garamond" panose="02020404030301010803" pitchFamily="18" charset="0"/>
+            </a:endParaRPr>
+          </a:p>
+          <a:p>
+            <a:pPr lvl="1">
+              <a:tabLst>
+                <a:tab pos="655638" algn="l"/>
+                <a:tab pos="1312863" algn="l"/>
+                <a:tab pos="1968500" algn="l"/>
+                <a:tab pos="2625725" algn="l"/>
+                <a:tab pos="3282950" algn="l"/>
+                <a:tab pos="3938588" algn="l"/>
+                <a:tab pos="4595813" algn="l"/>
+                <a:tab pos="5253038" algn="l"/>
+                <a:tab pos="5908675" algn="l"/>
+                <a:tab pos="6565900" algn="l"/>
+                <a:tab pos="7223125" algn="l"/>
+                <a:tab pos="7878763" algn="l"/>
+              </a:tabLst>
+            </a:pPr>
+            <a:r>
+              <a:rPr lang="sr-Cyrl-RS" altLang="en-US" sz="2400" dirty="0" smtClean="0">
+                <a:latin typeface="Garamond" panose="02020404030301010803" pitchFamily="18" charset="0"/>
+              </a:rPr>
+              <a:t> да се не догађа да у </a:t>
+            </a:r>
+            <a:r>
+              <a:rPr lang="en-US" altLang="en-US" sz="2000" dirty="0" smtClean="0"/>
+              <a:t>switch</a:t>
+            </a:r>
+            <a:r>
+              <a:rPr lang="en-US" altLang="en-US" sz="2400" dirty="0" smtClean="0">
+                <a:latin typeface="Garamond" panose="02020404030301010803" pitchFamily="18" charset="0"/>
+              </a:rPr>
+              <a:t> </a:t>
+            </a:r>
+            <a:r>
+              <a:rPr lang="sr-Cyrl-RS" altLang="en-US" sz="2400" dirty="0" smtClean="0">
+                <a:latin typeface="Garamond" panose="02020404030301010803" pitchFamily="18" charset="0"/>
+              </a:rPr>
+              <a:t>наредби извршавање долази у </a:t>
+            </a:r>
+            <a:r>
+              <a:rPr lang="en-US" altLang="en-US" sz="2000" dirty="0" smtClean="0"/>
+              <a:t>default</a:t>
+            </a:r>
+            <a:r>
+              <a:rPr lang="sr-Cyrl-RS" altLang="en-US" sz="2400" dirty="0" smtClean="0">
+                <a:latin typeface="Garamond" panose="02020404030301010803" pitchFamily="18" charset="0"/>
+              </a:rPr>
+              <a:t> грану</a:t>
+            </a:r>
+            <a:endParaRPr lang="en-US" altLang="en-US" sz="2400" dirty="0">
+              <a:latin typeface="Garamond" panose="02020404030301010803" pitchFamily="18" charset="0"/>
+            </a:endParaRPr>
+          </a:p>
+          <a:p>
+            <a:pPr lvl="1">
+              <a:tabLst>
+                <a:tab pos="655638" algn="l"/>
+                <a:tab pos="1312863" algn="l"/>
+                <a:tab pos="1968500" algn="l"/>
+                <a:tab pos="2625725" algn="l"/>
+                <a:tab pos="3282950" algn="l"/>
+                <a:tab pos="3938588" algn="l"/>
+                <a:tab pos="4595813" algn="l"/>
+                <a:tab pos="5253038" algn="l"/>
+                <a:tab pos="5908675" algn="l"/>
+                <a:tab pos="6565900" algn="l"/>
+                <a:tab pos="7223125" algn="l"/>
+                <a:tab pos="7878763" algn="l"/>
+              </a:tabLst>
+            </a:pPr>
+            <a:r>
+              <a:rPr lang="sr-Cyrl-RS" altLang="en-US" sz="2400" dirty="0" smtClean="0">
+                <a:latin typeface="Garamond" panose="02020404030301010803" pitchFamily="18" charset="0"/>
+              </a:rPr>
+              <a:t> да се потврди исправност стања објекта</a:t>
+            </a:r>
+          </a:p>
+          <a:p>
+            <a:pPr>
+              <a:tabLst>
+                <a:tab pos="655638" algn="l"/>
+                <a:tab pos="1312863" algn="l"/>
+                <a:tab pos="1968500" algn="l"/>
+                <a:tab pos="2625725" algn="l"/>
+                <a:tab pos="3282950" algn="l"/>
+                <a:tab pos="3938588" algn="l"/>
+                <a:tab pos="4595813" algn="l"/>
+                <a:tab pos="5253038" algn="l"/>
+                <a:tab pos="5908675" algn="l"/>
+                <a:tab pos="6565900" algn="l"/>
+                <a:tab pos="7223125" algn="l"/>
+                <a:tab pos="7878763" algn="l"/>
+              </a:tabLst>
+            </a:pPr>
+            <a:r>
+              <a:rPr lang="sr-Cyrl-RS" altLang="en-US" sz="2400" dirty="0" smtClean="0">
+                <a:latin typeface="Garamond" panose="02020404030301010803" pitchFamily="18" charset="0"/>
+              </a:rPr>
+              <a:t>Тврдње се обично постављају или на почетку извршења метода (предуслови) или по завршетку позива метода (постуслови)</a:t>
+            </a:r>
+            <a:endParaRPr lang="en-US" altLang="en-US" sz="2400" dirty="0">
+              <a:latin typeface="Garamond" panose="02020404030301010803" pitchFamily="18" charset="0"/>
+            </a:endParaRPr>
+          </a:p>
+        </p:txBody>
+      </p:sp>
+      <p:sp>
+        <p:nvSpPr>
+          <p:cNvPr id="5" name="Rectangle 1"/>
+          <p:cNvSpPr>
+            <a:spLocks noGrp="1" noChangeArrowheads="1"/>
+          </p:cNvSpPr>
+          <p:nvPr>
+            <p:ph type="title"/>
+          </p:nvPr>
+        </p:nvSpPr>
+        <p:spPr>
+          <a:xfrm>
+            <a:off x="1476375" y="255588"/>
+            <a:ext cx="7667625" cy="1147762"/>
+          </a:xfrm>
+        </p:spPr>
+        <p:txBody>
+          <a:bodyPr/>
+          <a:lstStyle/>
+          <a:p>
+            <a:pPr marL="195843" indent="-195843">
+              <a:tabLst>
+                <a:tab pos="656650" algn="l"/>
+                <a:tab pos="1313299" algn="l"/>
+                <a:tab pos="1969949" algn="l"/>
+                <a:tab pos="2626599" algn="l"/>
+                <a:tab pos="3283248" algn="l"/>
+                <a:tab pos="3939898" algn="l"/>
+                <a:tab pos="4596548" algn="l"/>
+                <a:tab pos="5253198" algn="l"/>
+                <a:tab pos="5909847" algn="l"/>
+                <a:tab pos="6566497" algn="l"/>
+                <a:tab pos="7223147" algn="l"/>
+              </a:tabLst>
+              <a:defRPr/>
+            </a:pPr>
+            <a:r>
+              <a:rPr lang="sr-Cyrl-RS" dirty="0" smtClean="0">
+                <a:solidFill>
+                  <a:schemeClr val="accent1">
+                    <a:lumMod val="50000"/>
+                  </a:schemeClr>
+                </a:solidFill>
+              </a:rPr>
+              <a:t>Тврдње (3)</a:t>
+            </a:r>
+            <a:endParaRPr lang="en-GB" dirty="0">
+              <a:solidFill>
+                <a:schemeClr val="accent1">
+                  <a:lumMod val="50000"/>
+                </a:schemeClr>
+              </a:solidFill>
+            </a:endParaRPr>
+          </a:p>
+        </p:txBody>
+      </p:sp>
+    </p:spTree>
+    <p:extLst>
+      <p:ext uri="{BB962C8B-B14F-4D97-AF65-F5344CB8AC3E}">
+        <p14:creationId xmlns:p14="http://schemas.microsoft.com/office/powerpoint/2010/main" val="3953430261"/>
+      </p:ext>
+    </p:extLst>
+  </p:cSld>
+  <p:clrMapOvr>
+    <a:masterClrMapping/>
+  </p:clrMapOvr>
+  <p:transition spd="med"/>
+  <p:timing>
+    <p:tnLst>
+      <p:par>
+        <p:cTn id="1" dur="indefinite" restart="never" nodeType="tmRoot">
+          <p:childTnLst>
+            <p:seq concurrent="1" nextAc="seek">
+              <p:cTn id="2" dur="indefinite" nodeType="mainSeq">
+                <p:childTnLst>
+                  <p:par>
+                    <p:cTn id="3" fill="hold">
+                      <p:stCondLst>
+                        <p:cond delay="indefinite"/>
+                      </p:stCondLst>
+                      <p:childTnLst>
+                        <p:par>
+                          <p:cTn id="4" fill="hold">
+                            <p:stCondLst>
+                              <p:cond delay="0"/>
+                            </p:stCondLst>
+                            <p:childTnLst>
+                              <p:par>
+                                <p:cTn id="5" presetID="10" presetClass="entr" presetSubtype="0" fill="hold" grpId="0" nodeType="clickEffect">
+                                  <p:stCondLst>
+                                    <p:cond delay="0"/>
+                                  </p:stCondLst>
+                                  <p:childTnLst>
+                                    <p:set>
+                                      <p:cBhvr>
+                                        <p:cTn id="6" dur="1" fill="hold">
+                                          <p:stCondLst>
+                                            <p:cond delay="0"/>
+                                          </p:stCondLst>
+                                        </p:cTn>
+                                        <p:tgtEl>
+                                          <p:spTgt spid="30722">
+                                            <p:txEl>
+                                              <p:pRg st="0" end="0"/>
+                                            </p:txEl>
+                                          </p:spTgt>
+                                        </p:tgtEl>
+                                        <p:attrNameLst>
+                                          <p:attrName>style.visibility</p:attrName>
+                                        </p:attrNameLst>
+                                      </p:cBhvr>
+                                      <p:to>
+                                        <p:strVal val="visible"/>
+                                      </p:to>
+                                    </p:set>
+                                    <p:animEffect transition="in" filter="fade">
+                                      <p:cBhvr>
+                                        <p:cTn id="7" dur="500"/>
+                                        <p:tgtEl>
+                                          <p:spTgt spid="30722">
+                                            <p:txEl>
+                                              <p:pRg st="0" end="0"/>
+                                            </p:txEl>
+                                          </p:spTgt>
+                                        </p:tgtEl>
+                                      </p:cBhvr>
+                                    </p:animEffect>
+                                  </p:childTnLst>
+                                </p:cTn>
+                              </p:par>
+                            </p:childTnLst>
+                          </p:cTn>
+                        </p:par>
+                      </p:childTnLst>
+                    </p:cTn>
+                  </p:par>
+                  <p:par>
+                    <p:cTn id="8" fill="hold">
+                      <p:stCondLst>
+                        <p:cond delay="indefinite"/>
+                      </p:stCondLst>
+                      <p:childTnLst>
+                        <p:par>
+                          <p:cTn id="9" fill="hold">
+                            <p:stCondLst>
+                              <p:cond delay="0"/>
+                            </p:stCondLst>
+                            <p:childTnLst>
+                              <p:par>
+                                <p:cTn id="10" presetID="10" presetClass="entr" presetSubtype="0" fill="hold" grpId="0" nodeType="clickEffect">
+                                  <p:stCondLst>
+                                    <p:cond delay="0"/>
+                                  </p:stCondLst>
+                                  <p:childTnLst>
+                                    <p:set>
+                                      <p:cBhvr>
+                                        <p:cTn id="11" dur="1" fill="hold">
+                                          <p:stCondLst>
+                                            <p:cond delay="0"/>
+                                          </p:stCondLst>
+                                        </p:cTn>
+                                        <p:tgtEl>
+                                          <p:spTgt spid="30722">
+                                            <p:txEl>
+                                              <p:pRg st="1" end="1"/>
+                                            </p:txEl>
+                                          </p:spTgt>
+                                        </p:tgtEl>
+                                        <p:attrNameLst>
+                                          <p:attrName>style.visibility</p:attrName>
+                                        </p:attrNameLst>
+                                      </p:cBhvr>
+                                      <p:to>
+                                        <p:strVal val="visible"/>
+                                      </p:to>
+                                    </p:set>
+                                    <p:animEffect transition="in" filter="fade">
+                                      <p:cBhvr>
+                                        <p:cTn id="12" dur="500"/>
+                                        <p:tgtEl>
+                                          <p:spTgt spid="30722">
+                                            <p:txEl>
+                                              <p:pRg st="1" end="1"/>
+                                            </p:txEl>
+                                          </p:spTgt>
+                                        </p:tgtEl>
+                                      </p:cBhvr>
+                                    </p:animEffect>
+                                  </p:childTnLst>
+                                </p:cTn>
+                              </p:par>
+                              <p:par>
+                                <p:cTn id="13" presetID="10" presetClass="entr" presetSubtype="0" fill="hold" grpId="0" nodeType="withEffect">
+                                  <p:stCondLst>
+                                    <p:cond delay="0"/>
+                                  </p:stCondLst>
+                                  <p:childTnLst>
+                                    <p:set>
+                                      <p:cBhvr>
+                                        <p:cTn id="14" dur="1" fill="hold">
+                                          <p:stCondLst>
+                                            <p:cond delay="0"/>
+                                          </p:stCondLst>
+                                        </p:cTn>
+                                        <p:tgtEl>
+                                          <p:spTgt spid="30722">
+                                            <p:txEl>
+                                              <p:pRg st="2" end="2"/>
+                                            </p:txEl>
+                                          </p:spTgt>
+                                        </p:tgtEl>
+                                        <p:attrNameLst>
+                                          <p:attrName>style.visibility</p:attrName>
+                                        </p:attrNameLst>
+                                      </p:cBhvr>
+                                      <p:to>
+                                        <p:strVal val="visible"/>
+                                      </p:to>
+                                    </p:set>
+                                    <p:animEffect transition="in" filter="fade">
+                                      <p:cBhvr>
+                                        <p:cTn id="15" dur="500"/>
+                                        <p:tgtEl>
+                                          <p:spTgt spid="30722">
+                                            <p:txEl>
+                                              <p:pRg st="2" end="2"/>
+                                            </p:txEl>
+                                          </p:spTgt>
+                                        </p:tgtEl>
+                                      </p:cBhvr>
+                                    </p:animEffect>
+                                  </p:childTnLst>
+                                </p:cTn>
+                              </p:par>
+                            </p:childTnLst>
+                          </p:cTn>
+                        </p:par>
+                      </p:childTnLst>
+                    </p:cTn>
+                  </p:par>
+                  <p:par>
+                    <p:cTn id="16" fill="hold">
+                      <p:stCondLst>
+                        <p:cond delay="indefinite"/>
+                      </p:stCondLst>
+                      <p:childTnLst>
+                        <p:par>
+                          <p:cTn id="17" fill="hold">
+                            <p:stCondLst>
+                              <p:cond delay="0"/>
+                            </p:stCondLst>
+                            <p:childTnLst>
+                              <p:par>
+                                <p:cTn id="18" presetID="10" presetClass="entr" presetSubtype="0" fill="hold" grpId="0" nodeType="clickEffect">
+                                  <p:stCondLst>
+                                    <p:cond delay="0"/>
+                                  </p:stCondLst>
+                                  <p:childTnLst>
+                                    <p:set>
+                                      <p:cBhvr>
+                                        <p:cTn id="19" dur="1" fill="hold">
+                                          <p:stCondLst>
+                                            <p:cond delay="0"/>
+                                          </p:stCondLst>
+                                        </p:cTn>
+                                        <p:tgtEl>
+                                          <p:spTgt spid="30722">
+                                            <p:txEl>
+                                              <p:pRg st="3" end="3"/>
+                                            </p:txEl>
+                                          </p:spTgt>
+                                        </p:tgtEl>
+                                        <p:attrNameLst>
+                                          <p:attrName>style.visibility</p:attrName>
+                                        </p:attrNameLst>
+                                      </p:cBhvr>
+                                      <p:to>
+                                        <p:strVal val="visible"/>
+                                      </p:to>
+                                    </p:set>
+                                    <p:animEffect transition="in" filter="fade">
+                                      <p:cBhvr>
+                                        <p:cTn id="20" dur="500"/>
+                                        <p:tgtEl>
+                                          <p:spTgt spid="30722">
+                                            <p:txEl>
+                                              <p:pRg st="3" end="3"/>
+                                            </p:txEl>
+                                          </p:spTgt>
+                                        </p:tgtEl>
+                                      </p:cBhvr>
+                                    </p:animEffect>
+                                  </p:childTnLst>
+                                </p:cTn>
+                              </p:par>
+                            </p:childTnLst>
+                          </p:cTn>
+                        </p:par>
+                      </p:childTnLst>
+                    </p:cTn>
+                  </p:par>
+                  <p:par>
+                    <p:cTn id="21" fill="hold">
+                      <p:stCondLst>
+                        <p:cond delay="indefinite"/>
+                      </p:stCondLst>
+                      <p:childTnLst>
+                        <p:par>
+                          <p:cTn id="22" fill="hold">
+                            <p:stCondLst>
+                              <p:cond delay="0"/>
+                            </p:stCondLst>
+                            <p:childTnLst>
+                              <p:par>
+                                <p:cTn id="23" presetID="10" presetClass="entr" presetSubtype="0" fill="hold" grpId="0" nodeType="clickEffect">
+                                  <p:stCondLst>
+                                    <p:cond delay="0"/>
+                                  </p:stCondLst>
+                                  <p:childTnLst>
+                                    <p:set>
+                                      <p:cBhvr>
+                                        <p:cTn id="24" dur="1" fill="hold">
+                                          <p:stCondLst>
+                                            <p:cond delay="0"/>
+                                          </p:stCondLst>
+                                        </p:cTn>
+                                        <p:tgtEl>
+                                          <p:spTgt spid="30722">
+                                            <p:txEl>
+                                              <p:pRg st="4" end="4"/>
+                                            </p:txEl>
+                                          </p:spTgt>
+                                        </p:tgtEl>
+                                        <p:attrNameLst>
+                                          <p:attrName>style.visibility</p:attrName>
+                                        </p:attrNameLst>
+                                      </p:cBhvr>
+                                      <p:to>
+                                        <p:strVal val="visible"/>
+                                      </p:to>
+                                    </p:set>
+                                    <p:animEffect transition="in" filter="fade">
+                                      <p:cBhvr>
+                                        <p:cTn id="25" dur="500"/>
+                                        <p:tgtEl>
+                                          <p:spTgt spid="30722">
+                                            <p:txEl>
+                                              <p:pRg st="4" end="4"/>
+                                            </p:txEl>
+                                          </p:spTgt>
+                                        </p:tgtEl>
+                                      </p:cBhvr>
+                                    </p:animEffect>
+                                  </p:childTnLst>
+                                </p:cTn>
+                              </p:par>
+                            </p:childTnLst>
+                          </p:cTn>
+                        </p:par>
+                      </p:childTnLst>
+                    </p:cTn>
+                  </p:par>
+                  <p:par>
+                    <p:cTn id="26" fill="hold">
+                      <p:stCondLst>
+                        <p:cond delay="indefinite"/>
+                      </p:stCondLst>
+                      <p:childTnLst>
+                        <p:par>
+                          <p:cTn id="27" fill="hold">
+                            <p:stCondLst>
+                              <p:cond delay="0"/>
+                            </p:stCondLst>
+                            <p:childTnLst>
+                              <p:par>
+                                <p:cTn id="28" presetID="10" presetClass="entr" presetSubtype="0" fill="hold" grpId="0" nodeType="clickEffect">
+                                  <p:stCondLst>
+                                    <p:cond delay="0"/>
+                                  </p:stCondLst>
+                                  <p:childTnLst>
+                                    <p:set>
+                                      <p:cBhvr>
+                                        <p:cTn id="29" dur="1" fill="hold">
+                                          <p:stCondLst>
+                                            <p:cond delay="0"/>
+                                          </p:stCondLst>
+                                        </p:cTn>
+                                        <p:tgtEl>
+                                          <p:spTgt spid="30722">
+                                            <p:txEl>
+                                              <p:pRg st="5" end="5"/>
+                                            </p:txEl>
+                                          </p:spTgt>
+                                        </p:tgtEl>
+                                        <p:attrNameLst>
+                                          <p:attrName>style.visibility</p:attrName>
+                                        </p:attrNameLst>
+                                      </p:cBhvr>
+                                      <p:to>
+                                        <p:strVal val="visible"/>
+                                      </p:to>
+                                    </p:set>
+                                    <p:animEffect transition="in" filter="fade">
+                                      <p:cBhvr>
+                                        <p:cTn id="30" dur="500"/>
+                                        <p:tgtEl>
+                                          <p:spTgt spid="30722">
+                                            <p:txEl>
+                                              <p:pRg st="5" end="5"/>
+                                            </p:txEl>
+                                          </p:spTgt>
+                                        </p:tgtEl>
+                                      </p:cBhvr>
+                                    </p:animEffect>
+                                  </p:childTnLst>
+                                </p:cTn>
+                              </p:par>
+                            </p:childTnLst>
+                          </p:cTn>
+                        </p:par>
+                      </p:childTnLst>
+                    </p:cTn>
+                  </p:par>
+                  <p:par>
+                    <p:cTn id="31" fill="hold">
+                      <p:stCondLst>
+                        <p:cond delay="indefinite"/>
+                      </p:stCondLst>
+                      <p:childTnLst>
+                        <p:par>
+                          <p:cTn id="32" fill="hold">
+                            <p:stCondLst>
+                              <p:cond delay="0"/>
+                            </p:stCondLst>
+                            <p:childTnLst>
+                              <p:par>
+                                <p:cTn id="33" presetID="10" presetClass="entr" presetSubtype="0" fill="hold" grpId="0" nodeType="clickEffect">
+                                  <p:stCondLst>
+                                    <p:cond delay="0"/>
+                                  </p:stCondLst>
+                                  <p:childTnLst>
+                                    <p:set>
+                                      <p:cBhvr>
+                                        <p:cTn id="34" dur="1" fill="hold">
+                                          <p:stCondLst>
+                                            <p:cond delay="0"/>
+                                          </p:stCondLst>
+                                        </p:cTn>
+                                        <p:tgtEl>
+                                          <p:spTgt spid="30722">
+                                            <p:txEl>
+                                              <p:pRg st="6" end="6"/>
+                                            </p:txEl>
+                                          </p:spTgt>
+                                        </p:tgtEl>
+                                        <p:attrNameLst>
+                                          <p:attrName>style.visibility</p:attrName>
+                                        </p:attrNameLst>
+                                      </p:cBhvr>
+                                      <p:to>
+                                        <p:strVal val="visible"/>
+                                      </p:to>
+                                    </p:set>
+                                    <p:animEffect transition="in" filter="fade">
+                                      <p:cBhvr>
+                                        <p:cTn id="35" dur="500"/>
+                                        <p:tgtEl>
+                                          <p:spTgt spid="30722">
+                                            <p:txEl>
+                                              <p:pRg st="6" end="6"/>
+                                            </p:txEl>
+                                          </p:spTgt>
+                                        </p:tgtEl>
+                                      </p:cBhvr>
+                                    </p:animEffect>
+                                  </p:childTnLst>
+                                </p:cTn>
+                              </p:par>
+                            </p:childTnLst>
+                          </p:cTn>
+                        </p:par>
+                      </p:childTnLst>
+                    </p:cTn>
+                  </p:par>
+                </p:childTnLst>
+              </p:cTn>
+              <p:prevCondLst>
+                <p:cond evt="onPrev" delay="0">
+                  <p:tgtEl>
+                    <p:sldTgt/>
+                  </p:tgtEl>
+                </p:cond>
+              </p:prevCondLst>
+              <p:nextCondLst>
+                <p:cond evt="onNext" delay="0">
+                  <p:tgtEl>
+                    <p:sldTgt/>
+                  </p:tgtEl>
+                </p:cond>
+              </p:nextCondLst>
+            </p:seq>
+          </p:childTnLst>
+        </p:cTn>
+      </p:par>
+    </p:tnLst>
+    <p:bldLst>
+      <p:bldP spid="30722" grpId="0" uiExpand="1" build="p"/>
+    </p:bldLst>
+  </p:timing>
+</p:sld>
+</file>
+
+<file path=ppt/slides/slide31.xml><?xml version="1.0" encoding="utf-8"?>
+<p:sld xmlns:a="http://schemas.openxmlformats.org/drawingml/2006/main" xmlns:r="http://schemas.openxmlformats.org/officeDocument/2006/relationships" xmlns:p="http://schemas.openxmlformats.org/presentationml/2006/main">
+  <p:cSld>
+    <p:spTree>
+      <p:nvGrpSpPr>
+        <p:cNvPr id="1" name=""/>
+        <p:cNvGrpSpPr/>
+        <p:nvPr/>
+      </p:nvGrpSpPr>
+      <p:grpSpPr>
+        <a:xfrm>
+          <a:off x="0" y="0"/>
+          <a:ext cx="0" cy="0"/>
+          <a:chOff x="0" y="0"/>
+          <a:chExt cx="0" cy="0"/>
+        </a:xfrm>
+      </p:grpSpPr>
+      <p:sp>
+        <p:nvSpPr>
+          <p:cNvPr id="30722" name="Rectangle 2"/>
+          <p:cNvSpPr>
+            <a:spLocks noGrp="1" noChangeArrowheads="1"/>
+          </p:cNvSpPr>
+          <p:nvPr>
+            <p:ph type="body" idx="1"/>
+          </p:nvPr>
+        </p:nvSpPr>
+        <p:spPr>
+          <a:xfrm>
+            <a:off x="179388" y="1493838"/>
+            <a:ext cx="8785225" cy="4668837"/>
+          </a:xfrm>
+        </p:spPr>
+        <p:txBody>
+          <a:bodyPr/>
+          <a:lstStyle/>
+          <a:p>
+            <a:pPr>
+              <a:tabLst>
+                <a:tab pos="655638" algn="l"/>
+                <a:tab pos="1312863" algn="l"/>
+                <a:tab pos="1968500" algn="l"/>
+                <a:tab pos="2625725" algn="l"/>
+                <a:tab pos="3282950" algn="l"/>
+                <a:tab pos="3938588" algn="l"/>
+                <a:tab pos="4595813" algn="l"/>
+                <a:tab pos="5253038" algn="l"/>
+                <a:tab pos="5908675" algn="l"/>
+                <a:tab pos="6565900" algn="l"/>
+                <a:tab pos="7223125" algn="l"/>
+                <a:tab pos="7878763" algn="l"/>
+              </a:tabLst>
+            </a:pPr>
+            <a:r>
+              <a:rPr lang="sr-Cyrl-RS" altLang="en-US" sz="2400" dirty="0" smtClean="0">
+                <a:latin typeface="Garamond" panose="02020404030301010803" pitchFamily="18" charset="0"/>
+              </a:rPr>
+              <a:t>У принципу, тврдње се користе за проверу логички немогућих ситуација, тј. ситуација које не би смеле да се догоде и из којих нема регуларног опоравка</a:t>
+            </a:r>
+          </a:p>
+          <a:p>
+            <a:pPr>
+              <a:tabLst>
+                <a:tab pos="655638" algn="l"/>
+                <a:tab pos="1312863" algn="l"/>
+                <a:tab pos="1968500" algn="l"/>
+                <a:tab pos="2625725" algn="l"/>
+                <a:tab pos="3282950" algn="l"/>
+                <a:tab pos="3938588" algn="l"/>
+                <a:tab pos="4595813" algn="l"/>
+                <a:tab pos="5253038" algn="l"/>
+                <a:tab pos="5908675" algn="l"/>
+                <a:tab pos="6565900" algn="l"/>
+                <a:tab pos="7223125" algn="l"/>
+                <a:tab pos="7878763" algn="l"/>
+              </a:tabLst>
+            </a:pPr>
+            <a:r>
+              <a:rPr lang="sr-Cyrl-RS" altLang="en-US" sz="2400" dirty="0" smtClean="0">
+                <a:latin typeface="Garamond" panose="02020404030301010803" pitchFamily="18" charset="0"/>
+              </a:rPr>
+              <a:t>Стога, за разлику од рада са „нормалним“ изузетцима, нема смисла да се они обрађују током извршавања када проблем буде детектован</a:t>
+            </a:r>
+          </a:p>
+          <a:p>
+            <a:pPr>
+              <a:tabLst>
+                <a:tab pos="655638" algn="l"/>
+                <a:tab pos="1312863" algn="l"/>
+                <a:tab pos="1968500" algn="l"/>
+                <a:tab pos="2625725" algn="l"/>
+                <a:tab pos="3282950" algn="l"/>
+                <a:tab pos="3938588" algn="l"/>
+                <a:tab pos="4595813" algn="l"/>
+                <a:tab pos="5253038" algn="l"/>
+                <a:tab pos="5908675" algn="l"/>
+                <a:tab pos="6565900" algn="l"/>
+                <a:tab pos="7223125" algn="l"/>
+                <a:tab pos="7878763" algn="l"/>
+              </a:tabLst>
+            </a:pPr>
+            <a:r>
+              <a:rPr lang="sr-Cyrl-RS" altLang="en-US" sz="2400" dirty="0" smtClean="0">
+                <a:latin typeface="Garamond" panose="02020404030301010803" pitchFamily="18" charset="0"/>
+              </a:rPr>
+              <a:t>Обично се тврдње искључују у продукционом коду</a:t>
+            </a:r>
+          </a:p>
+          <a:p>
+            <a:pPr>
+              <a:tabLst>
+                <a:tab pos="655638" algn="l"/>
+                <a:tab pos="1312863" algn="l"/>
+                <a:tab pos="1968500" algn="l"/>
+                <a:tab pos="2625725" algn="l"/>
+                <a:tab pos="3282950" algn="l"/>
+                <a:tab pos="3938588" algn="l"/>
+                <a:tab pos="4595813" algn="l"/>
+                <a:tab pos="5253038" algn="l"/>
+                <a:tab pos="5908675" algn="l"/>
+                <a:tab pos="6565900" algn="l"/>
+                <a:tab pos="7223125" algn="l"/>
+                <a:tab pos="7878763" algn="l"/>
+              </a:tabLst>
+            </a:pPr>
+            <a:r>
+              <a:rPr lang="sr-Cyrl-RS" altLang="en-US" sz="2400" dirty="0" smtClean="0">
+                <a:latin typeface="Garamond" panose="02020404030301010803" pitchFamily="18" charset="0"/>
+              </a:rPr>
+              <a:t>Где се обично користе тврдње:</a:t>
+            </a:r>
+          </a:p>
+          <a:p>
+            <a:pPr lvl="1">
+              <a:tabLst>
+                <a:tab pos="655638" algn="l"/>
+                <a:tab pos="1312863" algn="l"/>
+                <a:tab pos="1968500" algn="l"/>
+                <a:tab pos="2625725" algn="l"/>
+                <a:tab pos="3282950" algn="l"/>
+                <a:tab pos="3938588" algn="l"/>
+                <a:tab pos="4595813" algn="l"/>
+                <a:tab pos="5253038" algn="l"/>
+                <a:tab pos="5908675" algn="l"/>
+                <a:tab pos="6565900" algn="l"/>
+                <a:tab pos="7223125" algn="l"/>
+                <a:tab pos="7878763" algn="l"/>
+              </a:tabLst>
+            </a:pPr>
+            <a:r>
+              <a:rPr lang="sr-Cyrl-RS" altLang="en-US" sz="2400" dirty="0" smtClean="0">
+                <a:latin typeface="Garamond" panose="02020404030301010803" pitchFamily="18" charset="0"/>
+              </a:rPr>
+              <a:t> За проверу аргумената прослеђених приватним методама</a:t>
+            </a:r>
+            <a:endParaRPr lang="en-US" altLang="en-US" sz="2400" dirty="0">
+              <a:latin typeface="Garamond" panose="02020404030301010803" pitchFamily="18" charset="0"/>
+            </a:endParaRPr>
+          </a:p>
+          <a:p>
+            <a:pPr lvl="1">
+              <a:tabLst>
+                <a:tab pos="655638" algn="l"/>
+                <a:tab pos="1312863" algn="l"/>
+                <a:tab pos="1968500" algn="l"/>
+                <a:tab pos="2625725" algn="l"/>
+                <a:tab pos="3282950" algn="l"/>
+                <a:tab pos="3938588" algn="l"/>
+                <a:tab pos="4595813" algn="l"/>
+                <a:tab pos="5253038" algn="l"/>
+                <a:tab pos="5908675" algn="l"/>
+                <a:tab pos="6565900" algn="l"/>
+                <a:tab pos="7223125" algn="l"/>
+                <a:tab pos="7878763" algn="l"/>
+              </a:tabLst>
+            </a:pPr>
+            <a:r>
+              <a:rPr lang="sr-Cyrl-RS" altLang="en-US" sz="2400" dirty="0" smtClean="0">
+                <a:latin typeface="Garamond" panose="02020404030301010803" pitchFamily="18" charset="0"/>
+              </a:rPr>
+              <a:t> За проверу исправностипроласка кроз наредбе гранања</a:t>
+            </a:r>
+            <a:endParaRPr lang="en-US" altLang="en-US" sz="2400" dirty="0">
+              <a:latin typeface="Garamond" panose="02020404030301010803" pitchFamily="18" charset="0"/>
+            </a:endParaRPr>
+          </a:p>
+          <a:p>
+            <a:pPr lvl="1">
+              <a:tabLst>
+                <a:tab pos="655638" algn="l"/>
+                <a:tab pos="1312863" algn="l"/>
+                <a:tab pos="1968500" algn="l"/>
+                <a:tab pos="2625725" algn="l"/>
+                <a:tab pos="3282950" algn="l"/>
+                <a:tab pos="3938588" algn="l"/>
+                <a:tab pos="4595813" algn="l"/>
+                <a:tab pos="5253038" algn="l"/>
+                <a:tab pos="5908675" algn="l"/>
+                <a:tab pos="6565900" algn="l"/>
+                <a:tab pos="7223125" algn="l"/>
+                <a:tab pos="7878763" algn="l"/>
+              </a:tabLst>
+            </a:pPr>
+            <a:r>
+              <a:rPr lang="sr-Cyrl-RS" altLang="en-US" sz="2400" dirty="0" smtClean="0">
+                <a:latin typeface="Garamond" panose="02020404030301010803" pitchFamily="18" charset="0"/>
+              </a:rPr>
+              <a:t> За проверу важења датих услова на почетку метода</a:t>
+            </a:r>
+            <a:endParaRPr lang="en-US" altLang="en-US" sz="2400" dirty="0">
+              <a:latin typeface="Garamond" panose="02020404030301010803" pitchFamily="18" charset="0"/>
+            </a:endParaRPr>
+          </a:p>
+          <a:p>
+            <a:pPr lvl="1">
+              <a:tabLst>
+                <a:tab pos="655638" algn="l"/>
+                <a:tab pos="1312863" algn="l"/>
+                <a:tab pos="1968500" algn="l"/>
+                <a:tab pos="2625725" algn="l"/>
+                <a:tab pos="3282950" algn="l"/>
+                <a:tab pos="3938588" algn="l"/>
+                <a:tab pos="4595813" algn="l"/>
+                <a:tab pos="5253038" algn="l"/>
+                <a:tab pos="5908675" algn="l"/>
+                <a:tab pos="6565900" algn="l"/>
+                <a:tab pos="7223125" algn="l"/>
+                <a:tab pos="7878763" algn="l"/>
+              </a:tabLst>
+            </a:pPr>
+            <a:endParaRPr lang="en-US" altLang="en-US" sz="1900" dirty="0">
+              <a:latin typeface="Garamond" panose="02020404030301010803" pitchFamily="18" charset="0"/>
+            </a:endParaRPr>
+          </a:p>
+        </p:txBody>
+      </p:sp>
+      <p:sp>
+        <p:nvSpPr>
+          <p:cNvPr id="5" name="Rectangle 1"/>
+          <p:cNvSpPr>
+            <a:spLocks noGrp="1" noChangeArrowheads="1"/>
+          </p:cNvSpPr>
+          <p:nvPr>
+            <p:ph type="title"/>
+          </p:nvPr>
+        </p:nvSpPr>
+        <p:spPr>
+          <a:xfrm>
+            <a:off x="1476375" y="255588"/>
+            <a:ext cx="7667625" cy="1147762"/>
+          </a:xfrm>
+        </p:spPr>
+        <p:txBody>
+          <a:bodyPr/>
+          <a:lstStyle/>
+          <a:p>
+            <a:pPr marL="195843" indent="-195843">
+              <a:tabLst>
+                <a:tab pos="656650" algn="l"/>
+                <a:tab pos="1313299" algn="l"/>
+                <a:tab pos="1969949" algn="l"/>
+                <a:tab pos="2626599" algn="l"/>
+                <a:tab pos="3283248" algn="l"/>
+                <a:tab pos="3939898" algn="l"/>
+                <a:tab pos="4596548" algn="l"/>
+                <a:tab pos="5253198" algn="l"/>
+                <a:tab pos="5909847" algn="l"/>
+                <a:tab pos="6566497" algn="l"/>
+                <a:tab pos="7223147" algn="l"/>
+              </a:tabLst>
+              <a:defRPr/>
+            </a:pPr>
+            <a:r>
+              <a:rPr lang="sr-Cyrl-RS" dirty="0" smtClean="0">
+                <a:solidFill>
+                  <a:schemeClr val="accent1">
+                    <a:lumMod val="50000"/>
+                  </a:schemeClr>
+                </a:solidFill>
+              </a:rPr>
+              <a:t>Тврдње (4)</a:t>
+            </a:r>
+            <a:endParaRPr lang="en-GB" dirty="0">
+              <a:solidFill>
+                <a:schemeClr val="accent1">
+                  <a:lumMod val="50000"/>
+                </a:schemeClr>
+              </a:solidFill>
+            </a:endParaRPr>
+          </a:p>
+        </p:txBody>
+      </p:sp>
+    </p:spTree>
+    <p:extLst>
+      <p:ext uri="{BB962C8B-B14F-4D97-AF65-F5344CB8AC3E}">
+        <p14:creationId xmlns:p14="http://schemas.microsoft.com/office/powerpoint/2010/main" val="4215248540"/>
+      </p:ext>
+    </p:extLst>
+  </p:cSld>
+  <p:clrMapOvr>
+    <a:masterClrMapping/>
+  </p:clrMapOvr>
+  <p:transition spd="med"/>
+  <p:timing>
+    <p:tnLst>
+      <p:par>
+        <p:cTn id="1" dur="indefinite" restart="never" nodeType="tmRoot">
+          <p:childTnLst>
+            <p:seq concurrent="1" nextAc="seek">
+              <p:cTn id="2" dur="indefinite" nodeType="mainSeq">
+                <p:childTnLst>
+                  <p:par>
+                    <p:cTn id="3" fill="hold" nodeType="clickPar">
+                      <p:stCondLst>
+                        <p:cond delay="indefinite"/>
+                      </p:stCondLst>
+                      <p:childTnLst>
+                        <p:par>
+                          <p:cTn id="4" fill="hold" nodeType="withGroup">
+                            <p:stCondLst>
+                              <p:cond delay="0"/>
+                            </p:stCondLst>
+                            <p:childTnLst>
+                              <p:par>
+                                <p:cTn id="5" presetID="10" presetClass="entr" presetSubtype="0" fill="hold" nodeType="clickEffect">
+                                  <p:stCondLst>
+                                    <p:cond delay="0"/>
+                                  </p:stCondLst>
+                                  <p:childTnLst>
+                                    <p:set>
+                                      <p:cBhvr>
+                                        <p:cTn id="6" dur="1" fill="hold">
+                                          <p:stCondLst>
+                                            <p:cond delay="0"/>
+                                          </p:stCondLst>
+                                        </p:cTn>
+                                        <p:tgtEl>
+                                          <p:spTgt spid="30722">
+                                            <p:txEl>
+                                              <p:pRg st="0" end="0"/>
+                                            </p:txEl>
+                                          </p:spTgt>
+                                        </p:tgtEl>
+                                        <p:attrNameLst>
+                                          <p:attrName>style.visibility</p:attrName>
+                                        </p:attrNameLst>
+                                      </p:cBhvr>
+                                      <p:to>
+                                        <p:strVal val="visible"/>
+                                      </p:to>
+                                    </p:set>
+                                    <p:animEffect transition="in" filter="fade">
+                                      <p:cBhvr>
+                                        <p:cTn id="7" dur="500"/>
+                                        <p:tgtEl>
+                                          <p:spTgt spid="30722">
+                                            <p:txEl>
+                                              <p:pRg st="0" end="0"/>
+                                            </p:txEl>
+                                          </p:spTgt>
+                                        </p:tgtEl>
+                                      </p:cBhvr>
+                                    </p:animEffect>
+                                  </p:childTnLst>
+                                </p:cTn>
+                              </p:par>
+                            </p:childTnLst>
+                          </p:cTn>
+                        </p:par>
+                      </p:childTnLst>
+                    </p:cTn>
+                  </p:par>
+                  <p:par>
+                    <p:cTn id="8" fill="hold">
+                      <p:stCondLst>
+                        <p:cond delay="indefinite"/>
+                      </p:stCondLst>
+                      <p:childTnLst>
+                        <p:par>
+                          <p:cTn id="9" fill="hold">
+                            <p:stCondLst>
+                              <p:cond delay="0"/>
+                            </p:stCondLst>
+                            <p:childTnLst>
+                              <p:par>
+                                <p:cTn id="10" presetID="10" presetClass="entr" presetSubtype="0" fill="hold" nodeType="clickEffect">
+                                  <p:stCondLst>
+                                    <p:cond delay="0"/>
+                                  </p:stCondLst>
+                                  <p:childTnLst>
+                                    <p:set>
+                                      <p:cBhvr>
+                                        <p:cTn id="11" dur="1" fill="hold">
+                                          <p:stCondLst>
+                                            <p:cond delay="0"/>
+                                          </p:stCondLst>
+                                        </p:cTn>
+                                        <p:tgtEl>
+                                          <p:spTgt spid="30722">
+                                            <p:txEl>
+                                              <p:pRg st="1" end="1"/>
+                                            </p:txEl>
+                                          </p:spTgt>
+                                        </p:tgtEl>
+                                        <p:attrNameLst>
+                                          <p:attrName>style.visibility</p:attrName>
+                                        </p:attrNameLst>
+                                      </p:cBhvr>
+                                      <p:to>
+                                        <p:strVal val="visible"/>
+                                      </p:to>
+                                    </p:set>
+                                    <p:animEffect transition="in" filter="fade">
+                                      <p:cBhvr>
+                                        <p:cTn id="12" dur="500"/>
+                                        <p:tgtEl>
+                                          <p:spTgt spid="30722">
+                                            <p:txEl>
+                                              <p:pRg st="1" end="1"/>
+                                            </p:txEl>
+                                          </p:spTgt>
+                                        </p:tgtEl>
+                                      </p:cBhvr>
+                                    </p:animEffect>
+                                  </p:childTnLst>
+                                </p:cTn>
+                              </p:par>
+                            </p:childTnLst>
+                          </p:cTn>
+                        </p:par>
+                      </p:childTnLst>
+                    </p:cTn>
+                  </p:par>
+                  <p:par>
+                    <p:cTn id="13" fill="hold">
+                      <p:stCondLst>
+                        <p:cond delay="indefinite"/>
+                      </p:stCondLst>
+                      <p:childTnLst>
+                        <p:par>
+                          <p:cTn id="14" fill="hold">
+                            <p:stCondLst>
+                              <p:cond delay="0"/>
+                            </p:stCondLst>
+                            <p:childTnLst>
+                              <p:par>
+                                <p:cTn id="15" presetID="10" presetClass="entr" presetSubtype="0" fill="hold" nodeType="clickEffect">
+                                  <p:stCondLst>
+                                    <p:cond delay="0"/>
+                                  </p:stCondLst>
+                                  <p:childTnLst>
+                                    <p:set>
+                                      <p:cBhvr>
+                                        <p:cTn id="16" dur="1" fill="hold">
+                                          <p:stCondLst>
+                                            <p:cond delay="0"/>
+                                          </p:stCondLst>
+                                        </p:cTn>
+                                        <p:tgtEl>
+                                          <p:spTgt spid="30722">
+                                            <p:txEl>
+                                              <p:pRg st="2" end="2"/>
+                                            </p:txEl>
+                                          </p:spTgt>
+                                        </p:tgtEl>
+                                        <p:attrNameLst>
+                                          <p:attrName>style.visibility</p:attrName>
+                                        </p:attrNameLst>
+                                      </p:cBhvr>
+                                      <p:to>
+                                        <p:strVal val="visible"/>
+                                      </p:to>
+                                    </p:set>
+                                    <p:animEffect transition="in" filter="fade">
+                                      <p:cBhvr>
+                                        <p:cTn id="17" dur="500"/>
+                                        <p:tgtEl>
+                                          <p:spTgt spid="30722">
+                                            <p:txEl>
+                                              <p:pRg st="2" end="2"/>
+                                            </p:txEl>
+                                          </p:spTgt>
+                                        </p:tgtEl>
+                                      </p:cBhvr>
+                                    </p:animEffect>
+                                  </p:childTnLst>
+                                </p:cTn>
+                              </p:par>
+                            </p:childTnLst>
+                          </p:cTn>
+                        </p:par>
+                      </p:childTnLst>
+                    </p:cTn>
+                  </p:par>
+                  <p:par>
+                    <p:cTn id="18" fill="hold">
+                      <p:stCondLst>
+                        <p:cond delay="indefinite"/>
+                      </p:stCondLst>
+                      <p:childTnLst>
+                        <p:par>
+                          <p:cTn id="19" fill="hold">
+                            <p:stCondLst>
+                              <p:cond delay="0"/>
+                            </p:stCondLst>
+                            <p:childTnLst>
+                              <p:par>
+                                <p:cTn id="20" presetID="10" presetClass="entr" presetSubtype="0" fill="hold" nodeType="clickEffect">
+                                  <p:stCondLst>
+                                    <p:cond delay="0"/>
+                                  </p:stCondLst>
+                                  <p:childTnLst>
+                                    <p:set>
+                                      <p:cBhvr>
+                                        <p:cTn id="21" dur="1" fill="hold">
+                                          <p:stCondLst>
+                                            <p:cond delay="0"/>
+                                          </p:stCondLst>
+                                        </p:cTn>
+                                        <p:tgtEl>
+                                          <p:spTgt spid="30722">
+                                            <p:txEl>
+                                              <p:pRg st="3" end="3"/>
+                                            </p:txEl>
+                                          </p:spTgt>
+                                        </p:tgtEl>
+                                        <p:attrNameLst>
+                                          <p:attrName>style.visibility</p:attrName>
+                                        </p:attrNameLst>
+                                      </p:cBhvr>
+                                      <p:to>
+                                        <p:strVal val="visible"/>
+                                      </p:to>
+                                    </p:set>
+                                    <p:animEffect transition="in" filter="fade">
+                                      <p:cBhvr>
+                                        <p:cTn id="22" dur="500"/>
+                                        <p:tgtEl>
+                                          <p:spTgt spid="30722">
+                                            <p:txEl>
+                                              <p:pRg st="3" end="3"/>
+                                            </p:txEl>
+                                          </p:spTgt>
+                                        </p:tgtEl>
+                                      </p:cBhvr>
+                                    </p:animEffect>
+                                  </p:childTnLst>
+                                </p:cTn>
+                              </p:par>
+                              <p:par>
+                                <p:cTn id="23" presetID="10" presetClass="entr" presetSubtype="0" fill="hold" nodeType="withEffect">
+                                  <p:stCondLst>
+                                    <p:cond delay="0"/>
+                                  </p:stCondLst>
+                                  <p:childTnLst>
+                                    <p:set>
+                                      <p:cBhvr>
+                                        <p:cTn id="24" dur="1" fill="hold">
+                                          <p:stCondLst>
+                                            <p:cond delay="0"/>
+                                          </p:stCondLst>
+                                        </p:cTn>
+                                        <p:tgtEl>
+                                          <p:spTgt spid="30722">
+                                            <p:txEl>
+                                              <p:pRg st="4" end="4"/>
+                                            </p:txEl>
+                                          </p:spTgt>
+                                        </p:tgtEl>
+                                        <p:attrNameLst>
+                                          <p:attrName>style.visibility</p:attrName>
+                                        </p:attrNameLst>
+                                      </p:cBhvr>
+                                      <p:to>
+                                        <p:strVal val="visible"/>
+                                      </p:to>
+                                    </p:set>
+                                    <p:animEffect transition="in" filter="fade">
+                                      <p:cBhvr>
+                                        <p:cTn id="25" dur="500"/>
+                                        <p:tgtEl>
+                                          <p:spTgt spid="30722">
+                                            <p:txEl>
+                                              <p:pRg st="4" end="4"/>
+                                            </p:txEl>
+                                          </p:spTgt>
+                                        </p:tgtEl>
+                                      </p:cBhvr>
+                                    </p:animEffect>
+                                  </p:childTnLst>
+                                </p:cTn>
+                              </p:par>
+                            </p:childTnLst>
+                          </p:cTn>
+                        </p:par>
+                      </p:childTnLst>
+                    </p:cTn>
+                  </p:par>
+                  <p:par>
+                    <p:cTn id="26" fill="hold">
+                      <p:stCondLst>
+                        <p:cond delay="indefinite"/>
+                      </p:stCondLst>
+                      <p:childTnLst>
+                        <p:par>
+                          <p:cTn id="27" fill="hold">
+                            <p:stCondLst>
+                              <p:cond delay="0"/>
+                            </p:stCondLst>
+                            <p:childTnLst>
+                              <p:par>
+                                <p:cTn id="28" presetID="10" presetClass="entr" presetSubtype="0" fill="hold" nodeType="clickEffect">
+                                  <p:stCondLst>
+                                    <p:cond delay="0"/>
+                                  </p:stCondLst>
+                                  <p:childTnLst>
+                                    <p:set>
+                                      <p:cBhvr>
+                                        <p:cTn id="29" dur="1" fill="hold">
+                                          <p:stCondLst>
+                                            <p:cond delay="0"/>
+                                          </p:stCondLst>
+                                        </p:cTn>
+                                        <p:tgtEl>
+                                          <p:spTgt spid="30722">
+                                            <p:txEl>
+                                              <p:pRg st="5" end="5"/>
+                                            </p:txEl>
+                                          </p:spTgt>
+                                        </p:tgtEl>
+                                        <p:attrNameLst>
+                                          <p:attrName>style.visibility</p:attrName>
+                                        </p:attrNameLst>
+                                      </p:cBhvr>
+                                      <p:to>
+                                        <p:strVal val="visible"/>
+                                      </p:to>
+                                    </p:set>
+                                    <p:animEffect transition="in" filter="fade">
+                                      <p:cBhvr>
+                                        <p:cTn id="30" dur="500"/>
+                                        <p:tgtEl>
+                                          <p:spTgt spid="30722">
+                                            <p:txEl>
+                                              <p:pRg st="5" end="5"/>
+                                            </p:txEl>
+                                          </p:spTgt>
+                                        </p:tgtEl>
+                                      </p:cBhvr>
+                                    </p:animEffect>
+                                  </p:childTnLst>
+                                </p:cTn>
+                              </p:par>
+                            </p:childTnLst>
+                          </p:cTn>
+                        </p:par>
+                      </p:childTnLst>
+                    </p:cTn>
+                  </p:par>
+                  <p:par>
+                    <p:cTn id="31" fill="hold">
+                      <p:stCondLst>
+                        <p:cond delay="indefinite"/>
+                      </p:stCondLst>
+                      <p:childTnLst>
+                        <p:par>
+                          <p:cTn id="32" fill="hold">
+                            <p:stCondLst>
+                              <p:cond delay="0"/>
+                            </p:stCondLst>
+                            <p:childTnLst>
+                              <p:par>
+                                <p:cTn id="33" presetID="10" presetClass="entr" presetSubtype="0" fill="hold" nodeType="clickEffect">
+                                  <p:stCondLst>
+                                    <p:cond delay="0"/>
+                                  </p:stCondLst>
+                                  <p:childTnLst>
+                                    <p:set>
+                                      <p:cBhvr>
+                                        <p:cTn id="34" dur="1" fill="hold">
+                                          <p:stCondLst>
+                                            <p:cond delay="0"/>
+                                          </p:stCondLst>
+                                        </p:cTn>
+                                        <p:tgtEl>
+                                          <p:spTgt spid="30722">
+                                            <p:txEl>
+                                              <p:pRg st="6" end="6"/>
+                                            </p:txEl>
+                                          </p:spTgt>
+                                        </p:tgtEl>
+                                        <p:attrNameLst>
+                                          <p:attrName>style.visibility</p:attrName>
+                                        </p:attrNameLst>
+                                      </p:cBhvr>
+                                      <p:to>
+                                        <p:strVal val="visible"/>
+                                      </p:to>
+                                    </p:set>
+                                    <p:animEffect transition="in" filter="fade">
+                                      <p:cBhvr>
+                                        <p:cTn id="35" dur="500"/>
+                                        <p:tgtEl>
+                                          <p:spTgt spid="30722">
+                                            <p:txEl>
+                                              <p:pRg st="6" end="6"/>
+                                            </p:txEl>
+                                          </p:spTgt>
+                                        </p:tgtEl>
+                                      </p:cBhvr>
+                                    </p:animEffect>
+                                  </p:childTnLst>
+                                </p:cTn>
+                              </p:par>
+                            </p:childTnLst>
+                          </p:cTn>
+                        </p:par>
+                      </p:childTnLst>
+                    </p:cTn>
+                  </p:par>
+                </p:childTnLst>
+              </p:cTn>
+              <p:prevCondLst>
+                <p:cond evt="onPrev" delay="0">
+                  <p:tgtEl>
+                    <p:sldTgt/>
+                  </p:tgtEl>
+                </p:cond>
+              </p:prevCondLst>
+              <p:nextCondLst>
+                <p:cond evt="onNext" delay="0">
+                  <p:tgtEl>
+                    <p:sldTgt/>
+                  </p:tgtEl>
+                </p:cond>
+              </p:nextCondLst>
+            </p:seq>
+          </p:childTnLst>
+        </p:cTn>
+      </p:par>
+    </p:tnLst>
+  </p:timing>
+</p:sld>
+</file>
+
+<file path=ppt/slides/slide32.xml><?xml version="1.0" encoding="utf-8"?>
+<p:sld xmlns:a="http://schemas.openxmlformats.org/drawingml/2006/main" xmlns:r="http://schemas.openxmlformats.org/officeDocument/2006/relationships" xmlns:p="http://schemas.openxmlformats.org/presentationml/2006/main">
+  <p:cSld>
+    <p:spTree>
+      <p:nvGrpSpPr>
+        <p:cNvPr id="1" name=""/>
+        <p:cNvGrpSpPr/>
+        <p:nvPr/>
+      </p:nvGrpSpPr>
+      <p:grpSpPr>
+        <a:xfrm>
+          <a:off x="0" y="0"/>
+          <a:ext cx="0" cy="0"/>
+          <a:chOff x="0" y="0"/>
+          <a:chExt cx="0" cy="0"/>
+        </a:xfrm>
+      </p:grpSpPr>
+      <p:sp>
+        <p:nvSpPr>
+          <p:cNvPr id="30722" name="Rectangle 2"/>
+          <p:cNvSpPr>
+            <a:spLocks noGrp="1" noChangeArrowheads="1"/>
+          </p:cNvSpPr>
+          <p:nvPr>
+            <p:ph type="body" idx="1"/>
+          </p:nvPr>
+        </p:nvSpPr>
+        <p:spPr>
+          <a:xfrm>
+            <a:off x="179388" y="1493838"/>
+            <a:ext cx="8785225" cy="4668837"/>
+          </a:xfrm>
+        </p:spPr>
+        <p:txBody>
+          <a:bodyPr/>
+          <a:lstStyle/>
+          <a:p>
+            <a:pPr>
+              <a:tabLst>
+                <a:tab pos="655638" algn="l"/>
+                <a:tab pos="1312863" algn="l"/>
+                <a:tab pos="1968500" algn="l"/>
+                <a:tab pos="2625725" algn="l"/>
+                <a:tab pos="3282950" algn="l"/>
+                <a:tab pos="3938588" algn="l"/>
+                <a:tab pos="4595813" algn="l"/>
+                <a:tab pos="5253038" algn="l"/>
+                <a:tab pos="5908675" algn="l"/>
+                <a:tab pos="6565900" algn="l"/>
+                <a:tab pos="7223125" algn="l"/>
+                <a:tab pos="7878763" algn="l"/>
+              </a:tabLst>
+            </a:pPr>
+            <a:r>
+              <a:rPr lang="sr-Cyrl-RS" altLang="en-US" sz="2400" dirty="0" smtClean="0">
+                <a:latin typeface="Garamond" panose="02020404030301010803" pitchFamily="18" charset="0"/>
+              </a:rPr>
+              <a:t>Где у принципу не треба користити тврдње:</a:t>
+            </a:r>
+          </a:p>
+          <a:p>
+            <a:pPr lvl="1">
+              <a:tabLst>
+                <a:tab pos="655638" algn="l"/>
+                <a:tab pos="1312863" algn="l"/>
+                <a:tab pos="1968500" algn="l"/>
+                <a:tab pos="2625725" algn="l"/>
+                <a:tab pos="3282950" algn="l"/>
+                <a:tab pos="3938588" algn="l"/>
+                <a:tab pos="4595813" algn="l"/>
+                <a:tab pos="5253038" algn="l"/>
+                <a:tab pos="5908675" algn="l"/>
+                <a:tab pos="6565900" algn="l"/>
+                <a:tab pos="7223125" algn="l"/>
+                <a:tab pos="7878763" algn="l"/>
+              </a:tabLst>
+            </a:pPr>
+            <a:r>
+              <a:rPr lang="sr-Cyrl-RS" altLang="en-US" sz="2400" dirty="0" smtClean="0">
+                <a:latin typeface="Garamond" panose="02020404030301010803" pitchFamily="18" charset="0"/>
+              </a:rPr>
+              <a:t> Тврдње не треба да замене поруке о грешкама</a:t>
+            </a:r>
+            <a:endParaRPr lang="en-US" altLang="en-US" sz="2400" dirty="0">
+              <a:latin typeface="Garamond" panose="02020404030301010803" pitchFamily="18" charset="0"/>
+            </a:endParaRPr>
+          </a:p>
+          <a:p>
+            <a:pPr lvl="1">
+              <a:tabLst>
+                <a:tab pos="655638" algn="l"/>
+                <a:tab pos="1312863" algn="l"/>
+                <a:tab pos="1968500" algn="l"/>
+                <a:tab pos="2625725" algn="l"/>
+                <a:tab pos="3282950" algn="l"/>
+                <a:tab pos="3938588" algn="l"/>
+                <a:tab pos="4595813" algn="l"/>
+                <a:tab pos="5253038" algn="l"/>
+                <a:tab pos="5908675" algn="l"/>
+                <a:tab pos="6565900" algn="l"/>
+                <a:tab pos="7223125" algn="l"/>
+                <a:tab pos="7878763" algn="l"/>
+              </a:tabLst>
+            </a:pPr>
+            <a:r>
+              <a:rPr lang="sr-Cyrl-RS" altLang="en-US" sz="2400" dirty="0" smtClean="0">
+                <a:latin typeface="Garamond" panose="02020404030301010803" pitchFamily="18" charset="0"/>
+              </a:rPr>
+              <a:t> Тврдње не треба да се користе за контролу аргумената у јавним методама, јер тада аргументе може проследити било ко. Тада проверу аргумената треба реализовати кроз механизам изузетака</a:t>
+            </a:r>
+            <a:endParaRPr lang="en-US" altLang="en-US" sz="2400" dirty="0">
+              <a:latin typeface="Garamond" panose="02020404030301010803" pitchFamily="18" charset="0"/>
+            </a:endParaRPr>
+          </a:p>
+          <a:p>
+            <a:pPr lvl="1">
+              <a:tabLst>
+                <a:tab pos="655638" algn="l"/>
+                <a:tab pos="1312863" algn="l"/>
+                <a:tab pos="1968500" algn="l"/>
+                <a:tab pos="2625725" algn="l"/>
+                <a:tab pos="3282950" algn="l"/>
+                <a:tab pos="3938588" algn="l"/>
+                <a:tab pos="4595813" algn="l"/>
+                <a:tab pos="5253038" algn="l"/>
+                <a:tab pos="5908675" algn="l"/>
+                <a:tab pos="6565900" algn="l"/>
+                <a:tab pos="7223125" algn="l"/>
+                <a:tab pos="7878763" algn="l"/>
+              </a:tabLst>
+            </a:pPr>
+            <a:r>
+              <a:rPr lang="sr-Cyrl-RS" altLang="en-US" sz="2400" dirty="0" smtClean="0">
+                <a:latin typeface="Garamond" panose="02020404030301010803" pitchFamily="18" charset="0"/>
+              </a:rPr>
+              <a:t>Тврде не треба користити за проверу аргумената командне линије, јер не можемо знати унапред ко ће и са којим аргументима покретати дати програм</a:t>
+            </a:r>
+            <a:endParaRPr lang="en-US" altLang="en-US" sz="1900" dirty="0">
+              <a:latin typeface="Garamond" panose="02020404030301010803" pitchFamily="18" charset="0"/>
+            </a:endParaRPr>
+          </a:p>
+        </p:txBody>
+      </p:sp>
+      <p:sp>
+        <p:nvSpPr>
+          <p:cNvPr id="5" name="Rectangle 1"/>
+          <p:cNvSpPr>
+            <a:spLocks noGrp="1" noChangeArrowheads="1"/>
+          </p:cNvSpPr>
+          <p:nvPr>
+            <p:ph type="title"/>
+          </p:nvPr>
+        </p:nvSpPr>
+        <p:spPr>
+          <a:xfrm>
+            <a:off x="1476375" y="255588"/>
+            <a:ext cx="7667625" cy="1147762"/>
+          </a:xfrm>
+        </p:spPr>
+        <p:txBody>
+          <a:bodyPr/>
+          <a:lstStyle/>
+          <a:p>
+            <a:pPr marL="195843" indent="-195843">
+              <a:tabLst>
+                <a:tab pos="656650" algn="l"/>
+                <a:tab pos="1313299" algn="l"/>
+                <a:tab pos="1969949" algn="l"/>
+                <a:tab pos="2626599" algn="l"/>
+                <a:tab pos="3283248" algn="l"/>
+                <a:tab pos="3939898" algn="l"/>
+                <a:tab pos="4596548" algn="l"/>
+                <a:tab pos="5253198" algn="l"/>
+                <a:tab pos="5909847" algn="l"/>
+                <a:tab pos="6566497" algn="l"/>
+                <a:tab pos="7223147" algn="l"/>
+              </a:tabLst>
+              <a:defRPr/>
+            </a:pPr>
+            <a:r>
+              <a:rPr lang="sr-Cyrl-RS" dirty="0" smtClean="0">
+                <a:solidFill>
+                  <a:schemeClr val="accent1">
+                    <a:lumMod val="50000"/>
+                  </a:schemeClr>
+                </a:solidFill>
+              </a:rPr>
+              <a:t>Тврдње (5)</a:t>
+            </a:r>
+            <a:endParaRPr lang="en-GB" dirty="0">
+              <a:solidFill>
+                <a:schemeClr val="accent1">
+                  <a:lumMod val="50000"/>
+                </a:schemeClr>
+              </a:solidFill>
+            </a:endParaRPr>
+          </a:p>
+        </p:txBody>
+      </p:sp>
+    </p:spTree>
+    <p:extLst>
+      <p:ext uri="{BB962C8B-B14F-4D97-AF65-F5344CB8AC3E}">
+        <p14:creationId xmlns:p14="http://schemas.microsoft.com/office/powerpoint/2010/main" val="2118907142"/>
+      </p:ext>
+    </p:extLst>
+  </p:cSld>
+  <p:clrMapOvr>
+    <a:masterClrMapping/>
+  </p:clrMapOvr>
+  <p:transition spd="med"/>
+  <p:timing>
+    <p:tnLst>
+      <p:par>
+        <p:cTn id="1" dur="indefinite" restart="never" nodeType="tmRoot">
+          <p:childTnLst>
+            <p:seq concurrent="1" nextAc="seek">
+              <p:cTn id="2" dur="indefinite" nodeType="mainSeq">
+                <p:childTnLst>
+                  <p:par>
+                    <p:cTn id="3" fill="hold">
+                      <p:stCondLst>
+                        <p:cond delay="indefinite"/>
+                      </p:stCondLst>
+                      <p:childTnLst>
+                        <p:par>
+                          <p:cTn id="4" fill="hold">
+                            <p:stCondLst>
+                              <p:cond delay="0"/>
+                            </p:stCondLst>
+                            <p:childTnLst>
+                              <p:par>
+                                <p:cTn id="5" presetID="10" presetClass="entr" presetSubtype="0" fill="hold" nodeType="clickEffect">
+                                  <p:stCondLst>
+                                    <p:cond delay="0"/>
+                                  </p:stCondLst>
+                                  <p:childTnLst>
+                                    <p:set>
+                                      <p:cBhvr>
+                                        <p:cTn id="6" dur="1" fill="hold">
+                                          <p:stCondLst>
+                                            <p:cond delay="0"/>
+                                          </p:stCondLst>
+                                        </p:cTn>
+                                        <p:tgtEl>
+                                          <p:spTgt spid="30722">
+                                            <p:txEl>
+                                              <p:pRg st="0" end="0"/>
+                                            </p:txEl>
+                                          </p:spTgt>
+                                        </p:tgtEl>
+                                        <p:attrNameLst>
+                                          <p:attrName>style.visibility</p:attrName>
+                                        </p:attrNameLst>
+                                      </p:cBhvr>
+                                      <p:to>
+                                        <p:strVal val="visible"/>
+                                      </p:to>
+                                    </p:set>
+                                    <p:animEffect transition="in" filter="fade">
+                                      <p:cBhvr>
+                                        <p:cTn id="7" dur="500"/>
+                                        <p:tgtEl>
+                                          <p:spTgt spid="30722">
+                                            <p:txEl>
+                                              <p:pRg st="0" end="0"/>
+                                            </p:txEl>
+                                          </p:spTgt>
+                                        </p:tgtEl>
+                                      </p:cBhvr>
+                                    </p:animEffect>
+                                  </p:childTnLst>
+                                </p:cTn>
+                              </p:par>
+                              <p:par>
+                                <p:cTn id="8" presetID="10" presetClass="entr" presetSubtype="0" fill="hold" nodeType="withEffect">
+                                  <p:stCondLst>
+                                    <p:cond delay="0"/>
+                                  </p:stCondLst>
+                                  <p:childTnLst>
+                                    <p:set>
+                                      <p:cBhvr>
+                                        <p:cTn id="9" dur="1" fill="hold">
+                                          <p:stCondLst>
+                                            <p:cond delay="0"/>
+                                          </p:stCondLst>
+                                        </p:cTn>
+                                        <p:tgtEl>
+                                          <p:spTgt spid="30722">
+                                            <p:txEl>
+                                              <p:pRg st="1" end="1"/>
+                                            </p:txEl>
+                                          </p:spTgt>
+                                        </p:tgtEl>
+                                        <p:attrNameLst>
+                                          <p:attrName>style.visibility</p:attrName>
+                                        </p:attrNameLst>
+                                      </p:cBhvr>
+                                      <p:to>
+                                        <p:strVal val="visible"/>
+                                      </p:to>
+                                    </p:set>
+                                    <p:animEffect transition="in" filter="fade">
+                                      <p:cBhvr>
+                                        <p:cTn id="10" dur="500"/>
+                                        <p:tgtEl>
+                                          <p:spTgt spid="30722">
+                                            <p:txEl>
+                                              <p:pRg st="1" end="1"/>
+                                            </p:txEl>
+                                          </p:spTgt>
+                                        </p:tgtEl>
+                                      </p:cBhvr>
+                                    </p:animEffect>
+                                  </p:childTnLst>
+                                </p:cTn>
+                              </p:par>
+                            </p:childTnLst>
+                          </p:cTn>
+                        </p:par>
+                      </p:childTnLst>
+                    </p:cTn>
+                  </p:par>
+                  <p:par>
+                    <p:cTn id="11" fill="hold">
+                      <p:stCondLst>
+                        <p:cond delay="indefinite"/>
+                      </p:stCondLst>
+                      <p:childTnLst>
+                        <p:par>
+                          <p:cTn id="12" fill="hold">
+                            <p:stCondLst>
+                              <p:cond delay="0"/>
+                            </p:stCondLst>
+                            <p:childTnLst>
+                              <p:par>
+                                <p:cTn id="13" presetID="10" presetClass="entr" presetSubtype="0" fill="hold" nodeType="clickEffect">
+                                  <p:stCondLst>
+                                    <p:cond delay="0"/>
+                                  </p:stCondLst>
+                                  <p:childTnLst>
+                                    <p:set>
+                                      <p:cBhvr>
+                                        <p:cTn id="14" dur="1" fill="hold">
+                                          <p:stCondLst>
+                                            <p:cond delay="0"/>
+                                          </p:stCondLst>
+                                        </p:cTn>
+                                        <p:tgtEl>
+                                          <p:spTgt spid="30722">
+                                            <p:txEl>
+                                              <p:pRg st="2" end="2"/>
+                                            </p:txEl>
+                                          </p:spTgt>
+                                        </p:tgtEl>
+                                        <p:attrNameLst>
+                                          <p:attrName>style.visibility</p:attrName>
+                                        </p:attrNameLst>
+                                      </p:cBhvr>
+                                      <p:to>
+                                        <p:strVal val="visible"/>
+                                      </p:to>
+                                    </p:set>
+                                    <p:animEffect transition="in" filter="fade">
+                                      <p:cBhvr>
+                                        <p:cTn id="15" dur="500"/>
+                                        <p:tgtEl>
+                                          <p:spTgt spid="30722">
+                                            <p:txEl>
+                                              <p:pRg st="2" end="2"/>
+                                            </p:txEl>
+                                          </p:spTgt>
+                                        </p:tgtEl>
+                                      </p:cBhvr>
+                                    </p:animEffect>
+                                  </p:childTnLst>
+                                </p:cTn>
+                              </p:par>
+                            </p:childTnLst>
+                          </p:cTn>
+                        </p:par>
+                      </p:childTnLst>
+                    </p:cTn>
+                  </p:par>
+                  <p:par>
+                    <p:cTn id="16" fill="hold">
+                      <p:stCondLst>
+                        <p:cond delay="indefinite"/>
+                      </p:stCondLst>
+                      <p:childTnLst>
+                        <p:par>
+                          <p:cTn id="17" fill="hold">
+                            <p:stCondLst>
+                              <p:cond delay="0"/>
+                            </p:stCondLst>
+                            <p:childTnLst>
+                              <p:par>
+                                <p:cTn id="18" presetID="10" presetClass="entr" presetSubtype="0" fill="hold" nodeType="clickEffect">
+                                  <p:stCondLst>
+                                    <p:cond delay="0"/>
+                                  </p:stCondLst>
+                                  <p:childTnLst>
+                                    <p:set>
+                                      <p:cBhvr>
+                                        <p:cTn id="19" dur="1" fill="hold">
+                                          <p:stCondLst>
+                                            <p:cond delay="0"/>
+                                          </p:stCondLst>
+                                        </p:cTn>
+                                        <p:tgtEl>
+                                          <p:spTgt spid="30722">
+                                            <p:txEl>
+                                              <p:pRg st="3" end="3"/>
+                                            </p:txEl>
+                                          </p:spTgt>
+                                        </p:tgtEl>
+                                        <p:attrNameLst>
+                                          <p:attrName>style.visibility</p:attrName>
+                                        </p:attrNameLst>
+                                      </p:cBhvr>
+                                      <p:to>
+                                        <p:strVal val="visible"/>
+                                      </p:to>
+                                    </p:set>
+                                    <p:animEffect transition="in" filter="fade">
+                                      <p:cBhvr>
+                                        <p:cTn id="20" dur="500"/>
+                                        <p:tgtEl>
+                                          <p:spTgt spid="30722">
+                                            <p:txEl>
+                                              <p:pRg st="3" end="3"/>
+                                            </p:txEl>
+                                          </p:spTgt>
+                                        </p:tgtEl>
+                                      </p:cBhvr>
+                                    </p:animEffect>
+                                  </p:childTnLst>
+                                </p:cTn>
+                              </p:par>
+                            </p:childTnLst>
+                          </p:cTn>
+                        </p:par>
+                      </p:childTnLst>
+                    </p:cTn>
+                  </p:par>
+                </p:childTnLst>
+              </p:cTn>
+              <p:prevCondLst>
+                <p:cond evt="onPrev" delay="0">
+                  <p:tgtEl>
+                    <p:sldTgt/>
+                  </p:tgtEl>
+                </p:cond>
+              </p:prevCondLst>
+              <p:nextCondLst>
+                <p:cond evt="onNext" delay="0">
+                  <p:tgtEl>
+                    <p:sldTgt/>
+                  </p:tgtEl>
+                </p:cond>
+              </p:nextCondLst>
+            </p:seq>
+          </p:childTnLst>
+        </p:cTn>
+      </p:par>
+    </p:tnLst>
+  </p:timing>
+</p:sld>
+</file>
+
+<file path=ppt/slides/slide33.xml><?xml version="1.0" encoding="utf-8"?>
+<p:sld xmlns:a="http://schemas.openxmlformats.org/drawingml/2006/main" xmlns:r="http://schemas.openxmlformats.org/officeDocument/2006/relationships" xmlns:p="http://schemas.openxmlformats.org/presentationml/2006/main">
+  <p:cSld>
+    <p:spTree>
+      <p:nvGrpSpPr>
+        <p:cNvPr id="1" name=""/>
+        <p:cNvGrpSpPr/>
+        <p:nvPr/>
+      </p:nvGrpSpPr>
+      <p:grpSpPr>
+        <a:xfrm>
+          <a:off x="0" y="0"/>
+          <a:ext cx="0" cy="0"/>
+          <a:chOff x="0" y="0"/>
+          <a:chExt cx="0" cy="0"/>
+        </a:xfrm>
+      </p:grpSpPr>
+      <p:sp>
+        <p:nvSpPr>
+          <p:cNvPr id="31746" name="Rectangle 2"/>
+          <p:cNvSpPr>
+            <a:spLocks noGrp="1" noChangeArrowheads="1"/>
+          </p:cNvSpPr>
+          <p:nvPr>
+            <p:ph type="title" idx="4294967295"/>
+          </p:nvPr>
+        </p:nvSpPr>
+        <p:spPr>
+          <a:xfrm>
+            <a:off x="3311525" y="427038"/>
+            <a:ext cx="5832475" cy="914400"/>
+          </a:xfrm>
+        </p:spPr>
+        <p:txBody>
+          <a:bodyPr/>
+          <a:lstStyle/>
+          <a:p>
+            <a:pPr eaLnBrk="1" hangingPunct="1"/>
+            <a:r>
+              <a:rPr lang="sr-Cyrl-RS" altLang="en-US" smtClean="0">
+                <a:solidFill>
+                  <a:srgbClr val="3366FF"/>
+                </a:solidFill>
+              </a:rPr>
+              <a:t>Захвалница</a:t>
+            </a:r>
+            <a:endParaRPr lang="sr-Latn-CS" altLang="en-US" smtClean="0">
+              <a:solidFill>
+                <a:srgbClr val="3366FF"/>
+              </a:solidFill>
+            </a:endParaRPr>
+          </a:p>
+        </p:txBody>
+      </p:sp>
+      <p:sp>
+        <p:nvSpPr>
+          <p:cNvPr id="8197" name="Text Box 3"/>
+          <p:cNvSpPr txBox="1">
+            <a:spLocks noChangeArrowheads="1"/>
+          </p:cNvSpPr>
+          <p:nvPr/>
+        </p:nvSpPr>
+        <p:spPr bwMode="auto">
+          <a:xfrm>
+            <a:off x="304800" y="1628775"/>
+            <a:ext cx="8610600" cy="4733925"/>
+          </a:xfrm>
+          <a:prstGeom prst="rect">
+            <a:avLst/>
+          </a:prstGeom>
+          <a:noFill/>
+          <a:ln>
+            <a:noFill/>
+          </a:ln>
+          <a:extLst>
+            <a:ext uri="{909E8E84-426E-40DD-AFC4-6F175D3DCCD1}">
+              <a14:hiddenFill xmlns:a14="http://schemas.microsoft.com/office/drawing/2010/main">
+                <a:solidFill>
+                  <a:srgbClr val="FFFFFF"/>
+                </a:solidFill>
+              </a14:hiddenFill>
+            </a:ext>
+            <a:ext uri="{91240B29-F687-4F45-9708-019B960494DF}">
+              <a14:hiddenLine xmlns:a14="http://schemas.microsoft.com/office/drawing/2010/main" w="9525">
+                <a:solidFill>
+                  <a:srgbClr val="000000"/>
+                </a:solidFill>
+                <a:miter lim="800000"/>
+                <a:headEnd/>
+                <a:tailEnd/>
+              </a14:hiddenLine>
+            </a:ext>
+          </a:extLst>
+        </p:spPr>
+        <p:txBody>
+          <a:bodyPr>
+            <a:spAutoFit/>
+          </a:bodyPr>
+          <a:lstStyle>
+            <a:lvl1pPr eaLnBrk="0" hangingPunct="0">
+              <a:spcBef>
+                <a:spcPct val="20000"/>
+              </a:spcBef>
+              <a:buClr>
+                <a:schemeClr val="accent1"/>
+              </a:buClr>
+              <a:buFont typeface="Wingdings" panose="05000000000000000000" pitchFamily="2" charset="2"/>
+              <a:buChar char="l"/>
+              <a:defRPr sz="3200">
+                <a:solidFill>
+                  <a:schemeClr val="tx1"/>
+                </a:solidFill>
+                <a:latin typeface="Arial" panose="020B0604020202020204" pitchFamily="34" charset="0"/>
+              </a:defRPr>
+            </a:lvl1pPr>
+            <a:lvl2pPr marL="742950" indent="-285750" eaLnBrk="0" hangingPunct="0">
+              <a:spcBef>
+                <a:spcPct val="20000"/>
+              </a:spcBef>
+              <a:buClr>
+                <a:schemeClr val="accent1"/>
+              </a:buClr>
+              <a:buFont typeface="Wingdings" panose="05000000000000000000" pitchFamily="2" charset="2"/>
+              <a:buChar char="¡"/>
+              <a:defRPr sz="2700">
+                <a:solidFill>
+                  <a:schemeClr val="tx1"/>
+                </a:solidFill>
+                <a:latin typeface="Arial" panose="020B0604020202020204" pitchFamily="34" charset="0"/>
+              </a:defRPr>
+            </a:lvl2pPr>
+            <a:lvl3pPr marL="1143000" indent="-228600" eaLnBrk="0" hangingPunct="0">
+              <a:spcBef>
+                <a:spcPct val="20000"/>
+              </a:spcBef>
+              <a:buClr>
+                <a:schemeClr val="accent1"/>
+              </a:buClr>
+              <a:buFont typeface="Wingdings" panose="05000000000000000000" pitchFamily="2" charset="2"/>
+              <a:buChar char="l"/>
+              <a:defRPr sz="2300">
+                <a:solidFill>
+                  <a:schemeClr val="tx1"/>
+                </a:solidFill>
+                <a:latin typeface="Arial" panose="020B0604020202020204" pitchFamily="34" charset="0"/>
+              </a:defRPr>
+            </a:lvl3pPr>
+            <a:lvl4pPr marL="1600200" indent="-228600" eaLnBrk="0" hangingPunct="0">
+              <a:spcBef>
+                <a:spcPct val="20000"/>
+              </a:spcBef>
+              <a:buClr>
+                <a:schemeClr val="accent1"/>
+              </a:buClr>
+              <a:buChar char="•"/>
+              <a:defRPr sz="2000">
+                <a:solidFill>
+                  <a:schemeClr val="tx1"/>
+                </a:solidFill>
+                <a:latin typeface="Arial" panose="020B0604020202020204" pitchFamily="34" charset="0"/>
+              </a:defRPr>
+            </a:lvl4pPr>
+            <a:lvl5pPr marL="2057400" indent="-228600" eaLnBrk="0" hangingPunct="0">
+              <a:spcBef>
+                <a:spcPct val="20000"/>
+              </a:spcBef>
+              <a:buClr>
+                <a:schemeClr val="accent1"/>
+              </a:buClr>
+              <a:buFont typeface="Wingdings" panose="05000000000000000000" pitchFamily="2" charset="2"/>
+              <a:buChar char=""/>
+              <a:defRPr sz="2000">
+                <a:solidFill>
+                  <a:schemeClr val="tx1"/>
+                </a:solidFill>
+                <a:latin typeface="Arial" panose="020B0604020202020204" pitchFamily="34" charset="0"/>
+              </a:defRPr>
+            </a:lvl5pPr>
+            <a:lvl6pPr marL="2514600" indent="-228600" eaLnBrk="0" fontAlgn="base" hangingPunct="0">
+              <a:spcBef>
+                <a:spcPct val="20000"/>
+              </a:spcBef>
+              <a:spcAft>
+                <a:spcPct val="0"/>
+              </a:spcAft>
+              <a:buClr>
+                <a:schemeClr val="accent1"/>
+              </a:buClr>
+              <a:buFont typeface="Wingdings" panose="05000000000000000000" pitchFamily="2" charset="2"/>
+              <a:buChar char=""/>
+              <a:defRPr sz="2000">
+                <a:solidFill>
+                  <a:schemeClr val="tx1"/>
+                </a:solidFill>
+                <a:latin typeface="Arial" panose="020B0604020202020204" pitchFamily="34" charset="0"/>
+              </a:defRPr>
+            </a:lvl6pPr>
+            <a:lvl7pPr marL="2971800" indent="-228600" eaLnBrk="0" fontAlgn="base" hangingPunct="0">
+              <a:spcBef>
+                <a:spcPct val="20000"/>
+              </a:spcBef>
+              <a:spcAft>
+                <a:spcPct val="0"/>
+              </a:spcAft>
+              <a:buClr>
+                <a:schemeClr val="accent1"/>
+              </a:buClr>
+              <a:buFont typeface="Wingdings" panose="05000000000000000000" pitchFamily="2" charset="2"/>
+              <a:buChar char=""/>
+              <a:defRPr sz="2000">
+                <a:solidFill>
+                  <a:schemeClr val="tx1"/>
+                </a:solidFill>
+                <a:latin typeface="Arial" panose="020B0604020202020204" pitchFamily="34" charset="0"/>
+              </a:defRPr>
+            </a:lvl7pPr>
+            <a:lvl8pPr marL="3429000" indent="-228600" eaLnBrk="0" fontAlgn="base" hangingPunct="0">
+              <a:spcBef>
+                <a:spcPct val="20000"/>
+              </a:spcBef>
+              <a:spcAft>
+                <a:spcPct val="0"/>
+              </a:spcAft>
+              <a:buClr>
+                <a:schemeClr val="accent1"/>
+              </a:buClr>
+              <a:buFont typeface="Wingdings" panose="05000000000000000000" pitchFamily="2" charset="2"/>
+              <a:buChar char=""/>
+              <a:defRPr sz="2000">
+                <a:solidFill>
+                  <a:schemeClr val="tx1"/>
+                </a:solidFill>
+                <a:latin typeface="Arial" panose="020B0604020202020204" pitchFamily="34" charset="0"/>
+              </a:defRPr>
+            </a:lvl8pPr>
+            <a:lvl9pPr marL="3886200" indent="-228600" eaLnBrk="0" fontAlgn="base" hangingPunct="0">
+              <a:spcBef>
+                <a:spcPct val="20000"/>
+              </a:spcBef>
+              <a:spcAft>
+                <a:spcPct val="0"/>
+              </a:spcAft>
+              <a:buClr>
+                <a:schemeClr val="accent1"/>
+              </a:buClr>
+              <a:buFont typeface="Wingdings" panose="05000000000000000000" pitchFamily="2" charset="2"/>
+              <a:buChar char=""/>
+              <a:defRPr sz="2000">
+                <a:solidFill>
+                  <a:schemeClr val="tx1"/>
+                </a:solidFill>
+                <a:latin typeface="Arial" panose="020B0604020202020204" pitchFamily="34" charset="0"/>
+              </a:defRPr>
+            </a:lvl9pPr>
+          </a:lstStyle>
+          <a:p>
+            <a:pPr eaLnBrk="1" hangingPunct="1">
+              <a:buClrTx/>
+              <a:buFontTx/>
+              <a:buNone/>
+            </a:pPr>
+            <a:r>
+              <a:rPr lang="sr-Cyrl-RS" altLang="en-US" sz="2600">
+                <a:solidFill>
+                  <a:srgbClr val="000073"/>
+                </a:solidFill>
+                <a:latin typeface="Garamond" panose="02020404030301010803" pitchFamily="18" charset="0"/>
+              </a:rPr>
+              <a:t>Велики део материјала који је укључен у ову презентацију је преузет из презентације коју је раније (у време када је он држао курс Објектно орјентисано програмирање) направио проф. др Душан Тошић.</a:t>
+            </a:r>
+          </a:p>
+          <a:p>
+            <a:pPr eaLnBrk="1" hangingPunct="1">
+              <a:buClrTx/>
+              <a:buFontTx/>
+              <a:buNone/>
+            </a:pPr>
+            <a:r>
+              <a:rPr lang="sr-Cyrl-RS" altLang="en-US" sz="2600">
+                <a:solidFill>
+                  <a:srgbClr val="000073"/>
+                </a:solidFill>
+                <a:latin typeface="Garamond" panose="02020404030301010803" pitchFamily="18" charset="0"/>
+              </a:rPr>
+              <a:t>Хвала проф. Тошићу што се сагласио са укључивањем тог материјала у садашњу презентацији, као и на помоћи коју ми је пружио током конципцирања и реализације курса. </a:t>
+            </a:r>
+          </a:p>
+          <a:p>
+            <a:pPr eaLnBrk="1" hangingPunct="1">
+              <a:buClrTx/>
+              <a:buFontTx/>
+              <a:buNone/>
+            </a:pPr>
+            <a:r>
+              <a:rPr lang="sr-Cyrl-RS" altLang="en-US" sz="2600">
+                <a:solidFill>
+                  <a:srgbClr val="000073"/>
+                </a:solidFill>
+                <a:latin typeface="Garamond" panose="02020404030301010803" pitchFamily="18" charset="0"/>
+              </a:rPr>
+              <a:t>Надаље, један део материјала је преузет од колегинице Марије Милановић. </a:t>
+            </a:r>
+          </a:p>
+          <a:p>
+            <a:pPr eaLnBrk="1" hangingPunct="1">
+              <a:buClrTx/>
+              <a:buFontTx/>
+              <a:buNone/>
+            </a:pPr>
+            <a:r>
+              <a:rPr lang="sr-Cyrl-RS" altLang="en-US" sz="2600">
+                <a:solidFill>
+                  <a:srgbClr val="000073"/>
+                </a:solidFill>
+                <a:latin typeface="Garamond" panose="02020404030301010803" pitchFamily="18" charset="0"/>
+              </a:rPr>
+              <a:t>Хвала Марији Милановић на помоћи у реализацији ове презентације.</a:t>
+            </a:r>
+            <a:endParaRPr lang="sr-Latn-CS" altLang="en-US" sz="2600">
+              <a:solidFill>
+                <a:srgbClr val="000073"/>
+              </a:solidFill>
+              <a:latin typeface="Garamond" panose="02020404030301010803" pitchFamily="18" charset="0"/>
+            </a:endParaRPr>
+          </a:p>
+        </p:txBody>
+      </p:sp>
+    </p:spTree>
+  </p:cSld>
+  <p:clrMapOvr>
+    <a:masterClrMapping/>
+  </p:clrMapOvr>
+  <p:timing>
+    <p:tnLst>
+      <p:par>
+        <p:cTn id="1" dur="indefinite" restart="never" nodeType="tmRoot">
+          <p:childTnLst>
+            <p:seq concurrent="1" nextAc="seek">
+              <p:cTn id="2" dur="indefinite" nodeType="mainSeq">
+                <p:childTnLst>
+                  <p:par>
+                    <p:cTn id="3" fill="hold" nodeType="clickPar">
+                      <p:stCondLst>
+                        <p:cond delay="indefinite"/>
+                        <p:cond evt="onBegin" delay="0">
+                          <p:tn val="2"/>
+                        </p:cond>
+                      </p:stCondLst>
+                      <p:childTnLst>
+                        <p:par>
+                          <p:cTn id="4" fill="hold" nodeType="withGroup">
+                            <p:stCondLst>
+                              <p:cond delay="0"/>
+                            </p:stCondLst>
+                            <p:childTnLst>
+                              <p:par>
+                                <p:cTn id="5" presetID="10" presetClass="entr" presetSubtype="0" fill="hold" nodeType="withEffect">
+                                  <p:stCondLst>
+                                    <p:cond delay="0"/>
+                                  </p:stCondLst>
+                                  <p:childTnLst>
+                                    <p:set>
+                                      <p:cBhvr>
+                                        <p:cTn id="6" dur="1" fill="hold">
+                                          <p:stCondLst>
+                                            <p:cond delay="0"/>
+                                          </p:stCondLst>
+                                        </p:cTn>
+                                        <p:tgtEl>
+                                          <p:spTgt spid="8197">
+                                            <p:txEl>
+                                              <p:pRg st="0" end="0"/>
+                                            </p:txEl>
+                                          </p:spTgt>
+                                        </p:tgtEl>
+                                        <p:attrNameLst>
+                                          <p:attrName>style.visibility</p:attrName>
+                                        </p:attrNameLst>
+                                      </p:cBhvr>
+                                      <p:to>
+                                        <p:strVal val="visible"/>
+                                      </p:to>
+                                    </p:set>
+                                    <p:animEffect transition="in" filter="fade">
+                                      <p:cBhvr>
+                                        <p:cTn id="7" dur="500"/>
+                                        <p:tgtEl>
+                                          <p:spTgt spid="8197">
+                                            <p:txEl>
+                                              <p:pRg st="0" end="0"/>
+                                            </p:txEl>
+                                          </p:spTgt>
+                                        </p:tgtEl>
+                                      </p:cBhvr>
+                                    </p:animEffect>
+                                  </p:childTnLst>
+                                </p:cTn>
+                              </p:par>
+                              <p:par>
+                                <p:cTn id="8" presetID="10" presetClass="entr" presetSubtype="0" fill="hold" nodeType="withEffect">
+                                  <p:stCondLst>
+                                    <p:cond delay="0"/>
+                                  </p:stCondLst>
+                                  <p:childTnLst>
+                                    <p:set>
+                                      <p:cBhvr>
+                                        <p:cTn id="9" dur="1" fill="hold">
+                                          <p:stCondLst>
+                                            <p:cond delay="0"/>
+                                          </p:stCondLst>
+                                        </p:cTn>
+                                        <p:tgtEl>
+                                          <p:spTgt spid="8197">
+                                            <p:txEl>
+                                              <p:pRg st="1" end="1"/>
+                                            </p:txEl>
+                                          </p:spTgt>
+                                        </p:tgtEl>
+                                        <p:attrNameLst>
+                                          <p:attrName>style.visibility</p:attrName>
+                                        </p:attrNameLst>
+                                      </p:cBhvr>
+                                      <p:to>
+                                        <p:strVal val="visible"/>
+                                      </p:to>
+                                    </p:set>
+                                    <p:animEffect transition="in" filter="fade">
+                                      <p:cBhvr>
+                                        <p:cTn id="10" dur="500"/>
+                                        <p:tgtEl>
+                                          <p:spTgt spid="8197">
+                                            <p:txEl>
+                                              <p:pRg st="1" end="1"/>
+                                            </p:txEl>
+                                          </p:spTgt>
+                                        </p:tgtEl>
+                                      </p:cBhvr>
+                                    </p:animEffect>
+                                  </p:childTnLst>
+                                </p:cTn>
+                              </p:par>
+                              <p:par>
+                                <p:cTn id="11" presetID="10" presetClass="entr" presetSubtype="0" fill="hold" nodeType="withEffect">
+                                  <p:stCondLst>
+                                    <p:cond delay="0"/>
+                                  </p:stCondLst>
+                                  <p:childTnLst>
+                                    <p:set>
+                                      <p:cBhvr>
+                                        <p:cTn id="12" dur="1" fill="hold">
+                                          <p:stCondLst>
+                                            <p:cond delay="0"/>
+                                          </p:stCondLst>
+                                        </p:cTn>
+                                        <p:tgtEl>
+                                          <p:spTgt spid="8197">
+                                            <p:txEl>
+                                              <p:pRg st="2" end="2"/>
+                                            </p:txEl>
+                                          </p:spTgt>
+                                        </p:tgtEl>
+                                        <p:attrNameLst>
+                                          <p:attrName>style.visibility</p:attrName>
+                                        </p:attrNameLst>
+                                      </p:cBhvr>
+                                      <p:to>
+                                        <p:strVal val="visible"/>
+                                      </p:to>
+                                    </p:set>
+                                    <p:animEffect transition="in" filter="fade">
+                                      <p:cBhvr>
+                                        <p:cTn id="13" dur="500"/>
+                                        <p:tgtEl>
+                                          <p:spTgt spid="8197">
+                                            <p:txEl>
+                                              <p:pRg st="2" end="2"/>
+                                            </p:txEl>
+                                          </p:spTgt>
+                                        </p:tgtEl>
+                                      </p:cBhvr>
+                                    </p:animEffect>
+                                  </p:childTnLst>
+                                </p:cTn>
+                              </p:par>
+                              <p:par>
+                                <p:cTn id="14" presetID="10" presetClass="entr" presetSubtype="0" fill="hold" nodeType="withEffect">
+                                  <p:stCondLst>
+                                    <p:cond delay="0"/>
+                                  </p:stCondLst>
+                                  <p:childTnLst>
+                                    <p:set>
+                                      <p:cBhvr>
+                                        <p:cTn id="15" dur="1" fill="hold">
+                                          <p:stCondLst>
+                                            <p:cond delay="0"/>
+                                          </p:stCondLst>
+                                        </p:cTn>
+                                        <p:tgtEl>
+                                          <p:spTgt spid="8197">
+                                            <p:txEl>
+                                              <p:pRg st="3" end="3"/>
+                                            </p:txEl>
+                                          </p:spTgt>
+                                        </p:tgtEl>
+                                        <p:attrNameLst>
+                                          <p:attrName>style.visibility</p:attrName>
+                                        </p:attrNameLst>
+                                      </p:cBhvr>
+                                      <p:to>
+                                        <p:strVal val="visible"/>
+                                      </p:to>
+                                    </p:set>
+                                    <p:animEffect transition="in" filter="fade">
+                                      <p:cBhvr>
+                                        <p:cTn id="16" dur="500"/>
+                                        <p:tgtEl>
+                                          <p:spTgt spid="8197">
                                             <p:txEl>
                                               <p:pRg st="3" end="3"/>
                                             </p:txEl>
@@ -32380,13 +36983,7 @@
               <a:rPr lang="ru-RU" sz="2000" dirty="0" smtClean="0">
                 <a:latin typeface="Garamond" pitchFamily="18" charset="0"/>
               </a:rPr>
-              <a:t>То </a:t>
-            </a:r>
-            <a:r>
-              <a:rPr lang="ru-RU" sz="2000" dirty="0" smtClean="0">
-                <a:latin typeface="Garamond" pitchFamily="18" charset="0"/>
-              </a:rPr>
-              <a:t>важи и за изузетке које сами дефинишемо, као и за стандардне изузетке.</a:t>
+              <a:t>То важи и за изузетке које сами дефинишемо, као и за стандардне изузетке.</a:t>
             </a:r>
             <a:endParaRPr lang="en-GB" sz="2000" dirty="0">
               <a:latin typeface="Garamond" pitchFamily="18" charset="0"/>
@@ -32536,11 +37133,7 @@
             </a:pPr>
             <a:r>
               <a:rPr lang="en-GB" sz="2400" dirty="0" smtClean="0"/>
-              <a:t>                             </a:t>
-            </a:r>
-            <a:r>
-              <a:rPr lang="en-GB" sz="2400" dirty="0" smtClean="0"/>
-              <a:t> </a:t>
+              <a:t>                              </a:t>
             </a:r>
             <a:r>
               <a:rPr lang="en-GB" sz="2000" dirty="0" smtClean="0">
@@ -34122,13 +38715,7 @@
               <a:rPr lang="ru-RU" altLang="en-US" sz="2400" dirty="0" smtClean="0">
                 <a:latin typeface="Garamond" panose="02020404030301010803" pitchFamily="18" charset="0"/>
               </a:rPr>
-              <a:t> </a:t>
-            </a:r>
-            <a:r>
-              <a:rPr lang="ru-RU" altLang="en-US" sz="2400" dirty="0" smtClean="0">
-                <a:latin typeface="Garamond" panose="02020404030301010803" pitchFamily="18" charset="0"/>
-              </a:rPr>
-              <a:t>не </a:t>
+              <a:t> не </a:t>
             </a:r>
             <a:r>
               <a:rPr lang="ru-RU" altLang="en-US" sz="2400" dirty="0" err="1" smtClean="0">
@@ -34176,13 +38763,7 @@
               <a:rPr lang="ru-RU" altLang="en-US" sz="2400" dirty="0" smtClean="0">
                 <a:latin typeface="Garamond" panose="02020404030301010803" pitchFamily="18" charset="0"/>
               </a:rPr>
-              <a:t> се да их </a:t>
-            </a:r>
-            <a:r>
-              <a:rPr lang="ru-RU" altLang="en-US" sz="2400" dirty="0" smtClean="0">
-                <a:latin typeface="Garamond" panose="02020404030301010803" pitchFamily="18" charset="0"/>
-              </a:rPr>
-              <a:t>хвата</a:t>
+              <a:t> се да их хвата</a:t>
             </a:r>
             <a:r>
               <a:rPr lang="en-GB" altLang="en-US" sz="2400" dirty="0" smtClean="0">
@@ -34190,9 +38771,6 @@
               </a:rPr>
               <a:t>.</a:t>
             </a:r>
-            <a:endParaRPr lang="en-GB" altLang="en-US" sz="2400" dirty="0" smtClean="0">
-              <a:latin typeface="Garamond" panose="02020404030301010803" pitchFamily="18" charset="0"/>
-            </a:endParaRPr>
           </a:p>
           <a:p>
             <a:pPr>
